--- a/img/src/rows.pptx
+++ b/img/src/rows.pptx
@@ -5,8 +5,9 @@
     <p:sldMasterId id="2147483648" r:id="rId1"/>
   </p:sldMasterIdLst>
   <p:sldIdLst>
-    <p:sldId id="256" r:id="rId2"/>
-    <p:sldId id="257" r:id="rId3"/>
+    <p:sldId id="258" r:id="rId2"/>
+    <p:sldId id="259" r:id="rId3"/>
+    <p:sldId id="257" r:id="rId4"/>
   </p:sldIdLst>
   <p:sldSz cx="9144000" cy="6858000" type="screen4x3"/>
   <p:notesSz cx="6858000" cy="9144000"/>
@@ -289,7 +290,7 @@
           <a:p>
             <a:fld id="{BB2ABD67-7658-4CB5-A3DE-E10C3E37DD68}" type="datetimeFigureOut">
               <a:rPr lang="fr-FR" smtClean="0"/>
-              <a:t>14/09/2017</a:t>
+              <a:t>12/09/2018</a:t>
             </a:fld>
             <a:endParaRPr lang="fr-FR"/>
           </a:p>
@@ -459,7 +460,7 @@
           <a:p>
             <a:fld id="{BB2ABD67-7658-4CB5-A3DE-E10C3E37DD68}" type="datetimeFigureOut">
               <a:rPr lang="fr-FR" smtClean="0"/>
-              <a:t>14/09/2017</a:t>
+              <a:t>12/09/2018</a:t>
             </a:fld>
             <a:endParaRPr lang="fr-FR"/>
           </a:p>
@@ -639,7 +640,7 @@
           <a:p>
             <a:fld id="{BB2ABD67-7658-4CB5-A3DE-E10C3E37DD68}" type="datetimeFigureOut">
               <a:rPr lang="fr-FR" smtClean="0"/>
-              <a:t>14/09/2017</a:t>
+              <a:t>12/09/2018</a:t>
             </a:fld>
             <a:endParaRPr lang="fr-FR"/>
           </a:p>
@@ -809,7 +810,7 @@
           <a:p>
             <a:fld id="{BB2ABD67-7658-4CB5-A3DE-E10C3E37DD68}" type="datetimeFigureOut">
               <a:rPr lang="fr-FR" smtClean="0"/>
-              <a:t>14/09/2017</a:t>
+              <a:t>12/09/2018</a:t>
             </a:fld>
             <a:endParaRPr lang="fr-FR"/>
           </a:p>
@@ -1055,7 +1056,7 @@
           <a:p>
             <a:fld id="{BB2ABD67-7658-4CB5-A3DE-E10C3E37DD68}" type="datetimeFigureOut">
               <a:rPr lang="fr-FR" smtClean="0"/>
-              <a:t>14/09/2017</a:t>
+              <a:t>12/09/2018</a:t>
             </a:fld>
             <a:endParaRPr lang="fr-FR"/>
           </a:p>
@@ -1343,7 +1344,7 @@
           <a:p>
             <a:fld id="{BB2ABD67-7658-4CB5-A3DE-E10C3E37DD68}" type="datetimeFigureOut">
               <a:rPr lang="fr-FR" smtClean="0"/>
-              <a:t>14/09/2017</a:t>
+              <a:t>12/09/2018</a:t>
             </a:fld>
             <a:endParaRPr lang="fr-FR"/>
           </a:p>
@@ -1765,7 +1766,7 @@
           <a:p>
             <a:fld id="{BB2ABD67-7658-4CB5-A3DE-E10C3E37DD68}" type="datetimeFigureOut">
               <a:rPr lang="fr-FR" smtClean="0"/>
-              <a:t>14/09/2017</a:t>
+              <a:t>12/09/2018</a:t>
             </a:fld>
             <a:endParaRPr lang="fr-FR"/>
           </a:p>
@@ -1883,7 +1884,7 @@
           <a:p>
             <a:fld id="{BB2ABD67-7658-4CB5-A3DE-E10C3E37DD68}" type="datetimeFigureOut">
               <a:rPr lang="fr-FR" smtClean="0"/>
-              <a:t>14/09/2017</a:t>
+              <a:t>12/09/2018</a:t>
             </a:fld>
             <a:endParaRPr lang="fr-FR"/>
           </a:p>
@@ -1978,7 +1979,7 @@
           <a:p>
             <a:fld id="{BB2ABD67-7658-4CB5-A3DE-E10C3E37DD68}" type="datetimeFigureOut">
               <a:rPr lang="fr-FR" smtClean="0"/>
-              <a:t>14/09/2017</a:t>
+              <a:t>12/09/2018</a:t>
             </a:fld>
             <a:endParaRPr lang="fr-FR"/>
           </a:p>
@@ -2255,7 +2256,7 @@
           <a:p>
             <a:fld id="{BB2ABD67-7658-4CB5-A3DE-E10C3E37DD68}" type="datetimeFigureOut">
               <a:rPr lang="fr-FR" smtClean="0"/>
-              <a:t>14/09/2017</a:t>
+              <a:t>12/09/2018</a:t>
             </a:fld>
             <a:endParaRPr lang="fr-FR"/>
           </a:p>
@@ -2508,7 +2509,7 @@
           <a:p>
             <a:fld id="{BB2ABD67-7658-4CB5-A3DE-E10C3E37DD68}" type="datetimeFigureOut">
               <a:rPr lang="fr-FR" smtClean="0"/>
-              <a:t>14/09/2017</a:t>
+              <a:t>12/09/2018</a:t>
             </a:fld>
             <a:endParaRPr lang="fr-FR"/>
           </a:p>
@@ -2721,7 +2722,7 @@
           <a:p>
             <a:fld id="{BB2ABD67-7658-4CB5-A3DE-E10C3E37DD68}" type="datetimeFigureOut">
               <a:rPr lang="fr-FR" smtClean="0"/>
-              <a:t>14/09/2017</a:t>
+              <a:t>12/09/2018</a:t>
             </a:fld>
             <a:endParaRPr lang="fr-FR"/>
           </a:p>
@@ -3105,7 +3106,7 @@
         <p:spPr>
           <a:xfrm>
             <a:off x="251520" y="2636912"/>
-            <a:ext cx="8640960" cy="1584176"/>
+            <a:ext cx="7798618" cy="1584176"/>
           </a:xfrm>
           <a:prstGeom prst="roundRect">
             <a:avLst/>
@@ -3270,7 +3271,7 @@
         <p:spPr>
           <a:xfrm>
             <a:off x="2555776" y="2708920"/>
-            <a:ext cx="6264696" cy="1440160"/>
+            <a:ext cx="5400600" cy="1440160"/>
           </a:xfrm>
           <a:prstGeom prst="roundRect">
             <a:avLst/>
@@ -3587,24 +3588,8 @@
             <a:pPr algn="ctr"/>
             <a:r>
               <a:rPr lang="fr-FR" i="1" dirty="0" smtClean="0"/>
-              <a:t>(</a:t>
+              <a:t>(Partition Key)</a:t>
             </a:r>
-            <a:r>
-              <a:rPr lang="fr-FR" i="1" dirty="0" err="1" smtClean="0"/>
-              <a:t>Row</a:t>
-            </a:r>
-            <a:r>
-              <a:rPr lang="fr-FR" i="1" dirty="0" smtClean="0"/>
-              <a:t> Key)</a:t>
-            </a:r>
-          </a:p>
-          <a:p>
-            <a:pPr algn="ctr"/>
-            <a:r>
-              <a:rPr lang="fr-FR" dirty="0" smtClean="0"/>
-              <a:t>« user001 »</a:t>
-            </a:r>
-            <a:endParaRPr lang="fr-FR" dirty="0"/>
           </a:p>
         </p:txBody>
       </p:sp>
@@ -3772,6 +3757,2226 @@
           <a:p>
             <a:pPr algn="ctr"/>
             <a:r>
+              <a:rPr lang="fr-FR" dirty="0" err="1" smtClean="0"/>
+              <a:t>Column</a:t>
+            </a:r>
+            <a:r>
+              <a:rPr lang="fr-FR" dirty="0" smtClean="0"/>
+              <a:t> Name</a:t>
+            </a:r>
+            <a:endParaRPr lang="fr-FR" dirty="0"/>
+          </a:p>
+        </p:txBody>
+      </p:sp>
+      <p:sp>
+        <p:nvSpPr>
+          <p:cNvPr id="12" name="Rectangle 11"/>
+          <p:cNvSpPr/>
+          <p:nvPr/>
+        </p:nvSpPr>
+        <p:spPr>
+          <a:xfrm>
+            <a:off x="2843808" y="3369805"/>
+            <a:ext cx="1512168" cy="563251"/>
+          </a:xfrm>
+          <a:prstGeom prst="rect">
+            <a:avLst/>
+          </a:prstGeom>
+          <a:solidFill>
+            <a:srgbClr val="FFC000"/>
+          </a:solidFill>
+        </p:spPr>
+        <p:style>
+          <a:lnRef idx="2">
+            <a:schemeClr val="accent1">
+              <a:shade val="50000"/>
+            </a:schemeClr>
+          </a:lnRef>
+          <a:fillRef idx="1">
+            <a:schemeClr val="accent1"/>
+          </a:fillRef>
+          <a:effectRef idx="0">
+            <a:schemeClr val="accent1"/>
+          </a:effectRef>
+          <a:fontRef idx="minor">
+            <a:schemeClr val="lt1"/>
+          </a:fontRef>
+        </p:style>
+        <p:txBody>
+          <a:bodyPr rtlCol="0" anchor="ctr"/>
+          <a:lstStyle>
+            <a:defPPr>
+              <a:defRPr lang="nl-NL"/>
+            </a:defPPr>
+            <a:lvl1pPr algn="l" rtl="0" fontAlgn="base">
+              <a:spcBef>
+                <a:spcPct val="0"/>
+              </a:spcBef>
+              <a:spcAft>
+                <a:spcPct val="0"/>
+              </a:spcAft>
+              <a:defRPr kern="1200">
+                <a:solidFill>
+                  <a:schemeClr val="lt1"/>
+                </a:solidFill>
+                <a:latin typeface="+mn-lt"/>
+                <a:ea typeface="+mn-ea"/>
+                <a:cs typeface="+mn-cs"/>
+              </a:defRPr>
+            </a:lvl1pPr>
+            <a:lvl2pPr marL="457200" algn="l" rtl="0" fontAlgn="base">
+              <a:spcBef>
+                <a:spcPct val="0"/>
+              </a:spcBef>
+              <a:spcAft>
+                <a:spcPct val="0"/>
+              </a:spcAft>
+              <a:defRPr kern="1200">
+                <a:solidFill>
+                  <a:schemeClr val="lt1"/>
+                </a:solidFill>
+                <a:latin typeface="+mn-lt"/>
+                <a:ea typeface="+mn-ea"/>
+                <a:cs typeface="+mn-cs"/>
+              </a:defRPr>
+            </a:lvl2pPr>
+            <a:lvl3pPr marL="914400" algn="l" rtl="0" fontAlgn="base">
+              <a:spcBef>
+                <a:spcPct val="0"/>
+              </a:spcBef>
+              <a:spcAft>
+                <a:spcPct val="0"/>
+              </a:spcAft>
+              <a:defRPr kern="1200">
+                <a:solidFill>
+                  <a:schemeClr val="lt1"/>
+                </a:solidFill>
+                <a:latin typeface="+mn-lt"/>
+                <a:ea typeface="+mn-ea"/>
+                <a:cs typeface="+mn-cs"/>
+              </a:defRPr>
+            </a:lvl3pPr>
+            <a:lvl4pPr marL="1371600" algn="l" rtl="0" fontAlgn="base">
+              <a:spcBef>
+                <a:spcPct val="0"/>
+              </a:spcBef>
+              <a:spcAft>
+                <a:spcPct val="0"/>
+              </a:spcAft>
+              <a:defRPr kern="1200">
+                <a:solidFill>
+                  <a:schemeClr val="lt1"/>
+                </a:solidFill>
+                <a:latin typeface="+mn-lt"/>
+                <a:ea typeface="+mn-ea"/>
+                <a:cs typeface="+mn-cs"/>
+              </a:defRPr>
+            </a:lvl4pPr>
+            <a:lvl5pPr marL="1828800" algn="l" rtl="0" fontAlgn="base">
+              <a:spcBef>
+                <a:spcPct val="0"/>
+              </a:spcBef>
+              <a:spcAft>
+                <a:spcPct val="0"/>
+              </a:spcAft>
+              <a:defRPr kern="1200">
+                <a:solidFill>
+                  <a:schemeClr val="lt1"/>
+                </a:solidFill>
+                <a:latin typeface="+mn-lt"/>
+                <a:ea typeface="+mn-ea"/>
+                <a:cs typeface="+mn-cs"/>
+              </a:defRPr>
+            </a:lvl5pPr>
+            <a:lvl6pPr marL="2286000" algn="l" defTabSz="914400" rtl="0" eaLnBrk="1" latinLnBrk="0" hangingPunct="1">
+              <a:defRPr kern="1200">
+                <a:solidFill>
+                  <a:schemeClr val="lt1"/>
+                </a:solidFill>
+                <a:latin typeface="+mn-lt"/>
+                <a:ea typeface="+mn-ea"/>
+                <a:cs typeface="+mn-cs"/>
+              </a:defRPr>
+            </a:lvl6pPr>
+            <a:lvl7pPr marL="2743200" algn="l" defTabSz="914400" rtl="0" eaLnBrk="1" latinLnBrk="0" hangingPunct="1">
+              <a:defRPr kern="1200">
+                <a:solidFill>
+                  <a:schemeClr val="lt1"/>
+                </a:solidFill>
+                <a:latin typeface="+mn-lt"/>
+                <a:ea typeface="+mn-ea"/>
+                <a:cs typeface="+mn-cs"/>
+              </a:defRPr>
+            </a:lvl7pPr>
+            <a:lvl8pPr marL="3200400" algn="l" defTabSz="914400" rtl="0" eaLnBrk="1" latinLnBrk="0" hangingPunct="1">
+              <a:defRPr kern="1200">
+                <a:solidFill>
+                  <a:schemeClr val="lt1"/>
+                </a:solidFill>
+                <a:latin typeface="+mn-lt"/>
+                <a:ea typeface="+mn-ea"/>
+                <a:cs typeface="+mn-cs"/>
+              </a:defRPr>
+            </a:lvl8pPr>
+            <a:lvl9pPr marL="3657600" algn="l" defTabSz="914400" rtl="0" eaLnBrk="1" latinLnBrk="0" hangingPunct="1">
+              <a:defRPr kern="1200">
+                <a:solidFill>
+                  <a:schemeClr val="lt1"/>
+                </a:solidFill>
+                <a:latin typeface="+mn-lt"/>
+                <a:ea typeface="+mn-ea"/>
+                <a:cs typeface="+mn-cs"/>
+              </a:defRPr>
+            </a:lvl9pPr>
+          </a:lstStyle>
+          <a:p>
+            <a:pPr algn="ctr"/>
+            <a:r>
+              <a:rPr lang="fr-FR" dirty="0" err="1" smtClean="0"/>
+              <a:t>Column</a:t>
+            </a:r>
+            <a:r>
+              <a:rPr lang="fr-FR" dirty="0" smtClean="0"/>
+              <a:t> Value</a:t>
+            </a:r>
+            <a:endParaRPr lang="fr-FR" dirty="0"/>
+          </a:p>
+        </p:txBody>
+      </p:sp>
+      <p:cxnSp>
+        <p:nvCxnSpPr>
+          <p:cNvPr id="15" name="Connecteur droit 14"/>
+          <p:cNvCxnSpPr>
+            <a:stCxn id="9" idx="2"/>
+            <a:endCxn id="12" idx="0"/>
+          </p:cNvCxnSpPr>
+          <p:nvPr/>
+        </p:nvCxnSpPr>
+        <p:spPr>
+          <a:xfrm>
+            <a:off x="3599892" y="3212976"/>
+            <a:ext cx="0" cy="156829"/>
+          </a:xfrm>
+          <a:prstGeom prst="line">
+            <a:avLst/>
+          </a:prstGeom>
+          <a:ln w="12700">
+            <a:solidFill>
+              <a:srgbClr val="C00000"/>
+            </a:solidFill>
+            <a:prstDash val="dash"/>
+          </a:ln>
+        </p:spPr>
+        <p:style>
+          <a:lnRef idx="1">
+            <a:schemeClr val="accent1"/>
+          </a:lnRef>
+          <a:fillRef idx="0">
+            <a:schemeClr val="accent1"/>
+          </a:fillRef>
+          <a:effectRef idx="0">
+            <a:schemeClr val="accent1"/>
+          </a:effectRef>
+          <a:fontRef idx="minor">
+            <a:schemeClr val="tx1"/>
+          </a:fontRef>
+        </p:style>
+      </p:cxnSp>
+      <p:sp>
+        <p:nvSpPr>
+          <p:cNvPr id="24" name="Rectangle 23"/>
+          <p:cNvSpPr/>
+          <p:nvPr/>
+        </p:nvSpPr>
+        <p:spPr>
+          <a:xfrm>
+            <a:off x="4572000" y="2858698"/>
+            <a:ext cx="1512168" cy="360040"/>
+          </a:xfrm>
+          <a:prstGeom prst="rect">
+            <a:avLst/>
+          </a:prstGeom>
+          <a:solidFill>
+            <a:srgbClr val="FFC000"/>
+          </a:solidFill>
+        </p:spPr>
+        <p:style>
+          <a:lnRef idx="2">
+            <a:schemeClr val="accent1">
+              <a:shade val="50000"/>
+            </a:schemeClr>
+          </a:lnRef>
+          <a:fillRef idx="1">
+            <a:schemeClr val="accent1"/>
+          </a:fillRef>
+          <a:effectRef idx="0">
+            <a:schemeClr val="accent1"/>
+          </a:effectRef>
+          <a:fontRef idx="minor">
+            <a:schemeClr val="lt1"/>
+          </a:fontRef>
+        </p:style>
+        <p:txBody>
+          <a:bodyPr rtlCol="0" anchor="ctr"/>
+          <a:lstStyle>
+            <a:defPPr>
+              <a:defRPr lang="nl-NL"/>
+            </a:defPPr>
+            <a:lvl1pPr algn="l" rtl="0" fontAlgn="base">
+              <a:spcBef>
+                <a:spcPct val="0"/>
+              </a:spcBef>
+              <a:spcAft>
+                <a:spcPct val="0"/>
+              </a:spcAft>
+              <a:defRPr kern="1200">
+                <a:solidFill>
+                  <a:schemeClr val="lt1"/>
+                </a:solidFill>
+                <a:latin typeface="+mn-lt"/>
+                <a:ea typeface="+mn-ea"/>
+                <a:cs typeface="+mn-cs"/>
+              </a:defRPr>
+            </a:lvl1pPr>
+            <a:lvl2pPr marL="457200" algn="l" rtl="0" fontAlgn="base">
+              <a:spcBef>
+                <a:spcPct val="0"/>
+              </a:spcBef>
+              <a:spcAft>
+                <a:spcPct val="0"/>
+              </a:spcAft>
+              <a:defRPr kern="1200">
+                <a:solidFill>
+                  <a:schemeClr val="lt1"/>
+                </a:solidFill>
+                <a:latin typeface="+mn-lt"/>
+                <a:ea typeface="+mn-ea"/>
+                <a:cs typeface="+mn-cs"/>
+              </a:defRPr>
+            </a:lvl2pPr>
+            <a:lvl3pPr marL="914400" algn="l" rtl="0" fontAlgn="base">
+              <a:spcBef>
+                <a:spcPct val="0"/>
+              </a:spcBef>
+              <a:spcAft>
+                <a:spcPct val="0"/>
+              </a:spcAft>
+              <a:defRPr kern="1200">
+                <a:solidFill>
+                  <a:schemeClr val="lt1"/>
+                </a:solidFill>
+                <a:latin typeface="+mn-lt"/>
+                <a:ea typeface="+mn-ea"/>
+                <a:cs typeface="+mn-cs"/>
+              </a:defRPr>
+            </a:lvl3pPr>
+            <a:lvl4pPr marL="1371600" algn="l" rtl="0" fontAlgn="base">
+              <a:spcBef>
+                <a:spcPct val="0"/>
+              </a:spcBef>
+              <a:spcAft>
+                <a:spcPct val="0"/>
+              </a:spcAft>
+              <a:defRPr kern="1200">
+                <a:solidFill>
+                  <a:schemeClr val="lt1"/>
+                </a:solidFill>
+                <a:latin typeface="+mn-lt"/>
+                <a:ea typeface="+mn-ea"/>
+                <a:cs typeface="+mn-cs"/>
+              </a:defRPr>
+            </a:lvl4pPr>
+            <a:lvl5pPr marL="1828800" algn="l" rtl="0" fontAlgn="base">
+              <a:spcBef>
+                <a:spcPct val="0"/>
+              </a:spcBef>
+              <a:spcAft>
+                <a:spcPct val="0"/>
+              </a:spcAft>
+              <a:defRPr kern="1200">
+                <a:solidFill>
+                  <a:schemeClr val="lt1"/>
+                </a:solidFill>
+                <a:latin typeface="+mn-lt"/>
+                <a:ea typeface="+mn-ea"/>
+                <a:cs typeface="+mn-cs"/>
+              </a:defRPr>
+            </a:lvl5pPr>
+            <a:lvl6pPr marL="2286000" algn="l" defTabSz="914400" rtl="0" eaLnBrk="1" latinLnBrk="0" hangingPunct="1">
+              <a:defRPr kern="1200">
+                <a:solidFill>
+                  <a:schemeClr val="lt1"/>
+                </a:solidFill>
+                <a:latin typeface="+mn-lt"/>
+                <a:ea typeface="+mn-ea"/>
+                <a:cs typeface="+mn-cs"/>
+              </a:defRPr>
+            </a:lvl6pPr>
+            <a:lvl7pPr marL="2743200" algn="l" defTabSz="914400" rtl="0" eaLnBrk="1" latinLnBrk="0" hangingPunct="1">
+              <a:defRPr kern="1200">
+                <a:solidFill>
+                  <a:schemeClr val="lt1"/>
+                </a:solidFill>
+                <a:latin typeface="+mn-lt"/>
+                <a:ea typeface="+mn-ea"/>
+                <a:cs typeface="+mn-cs"/>
+              </a:defRPr>
+            </a:lvl7pPr>
+            <a:lvl8pPr marL="3200400" algn="l" defTabSz="914400" rtl="0" eaLnBrk="1" latinLnBrk="0" hangingPunct="1">
+              <a:defRPr kern="1200">
+                <a:solidFill>
+                  <a:schemeClr val="lt1"/>
+                </a:solidFill>
+                <a:latin typeface="+mn-lt"/>
+                <a:ea typeface="+mn-ea"/>
+                <a:cs typeface="+mn-cs"/>
+              </a:defRPr>
+            </a:lvl8pPr>
+            <a:lvl9pPr marL="3657600" algn="l" defTabSz="914400" rtl="0" eaLnBrk="1" latinLnBrk="0" hangingPunct="1">
+              <a:defRPr kern="1200">
+                <a:solidFill>
+                  <a:schemeClr val="lt1"/>
+                </a:solidFill>
+                <a:latin typeface="+mn-lt"/>
+                <a:ea typeface="+mn-ea"/>
+                <a:cs typeface="+mn-cs"/>
+              </a:defRPr>
+            </a:lvl9pPr>
+          </a:lstStyle>
+          <a:p>
+            <a:pPr algn="ctr"/>
+            <a:r>
+              <a:rPr lang="fr-FR" dirty="0" err="1" smtClean="0"/>
+              <a:t>Column</a:t>
+            </a:r>
+            <a:r>
+              <a:rPr lang="fr-FR" dirty="0" smtClean="0"/>
+              <a:t> Name</a:t>
+            </a:r>
+            <a:endParaRPr lang="fr-FR" dirty="0"/>
+          </a:p>
+        </p:txBody>
+      </p:sp>
+      <p:sp>
+        <p:nvSpPr>
+          <p:cNvPr id="25" name="Rectangle 24"/>
+          <p:cNvSpPr/>
+          <p:nvPr/>
+        </p:nvSpPr>
+        <p:spPr>
+          <a:xfrm>
+            <a:off x="4572000" y="3375567"/>
+            <a:ext cx="1512168" cy="563251"/>
+          </a:xfrm>
+          <a:prstGeom prst="rect">
+            <a:avLst/>
+          </a:prstGeom>
+          <a:solidFill>
+            <a:srgbClr val="FFC000"/>
+          </a:solidFill>
+        </p:spPr>
+        <p:style>
+          <a:lnRef idx="2">
+            <a:schemeClr val="accent1">
+              <a:shade val="50000"/>
+            </a:schemeClr>
+          </a:lnRef>
+          <a:fillRef idx="1">
+            <a:schemeClr val="accent1"/>
+          </a:fillRef>
+          <a:effectRef idx="0">
+            <a:schemeClr val="accent1"/>
+          </a:effectRef>
+          <a:fontRef idx="minor">
+            <a:schemeClr val="lt1"/>
+          </a:fontRef>
+        </p:style>
+        <p:txBody>
+          <a:bodyPr rtlCol="0" anchor="ctr"/>
+          <a:lstStyle>
+            <a:defPPr>
+              <a:defRPr lang="nl-NL"/>
+            </a:defPPr>
+            <a:lvl1pPr algn="l" rtl="0" fontAlgn="base">
+              <a:spcBef>
+                <a:spcPct val="0"/>
+              </a:spcBef>
+              <a:spcAft>
+                <a:spcPct val="0"/>
+              </a:spcAft>
+              <a:defRPr kern="1200">
+                <a:solidFill>
+                  <a:schemeClr val="lt1"/>
+                </a:solidFill>
+                <a:latin typeface="+mn-lt"/>
+                <a:ea typeface="+mn-ea"/>
+                <a:cs typeface="+mn-cs"/>
+              </a:defRPr>
+            </a:lvl1pPr>
+            <a:lvl2pPr marL="457200" algn="l" rtl="0" fontAlgn="base">
+              <a:spcBef>
+                <a:spcPct val="0"/>
+              </a:spcBef>
+              <a:spcAft>
+                <a:spcPct val="0"/>
+              </a:spcAft>
+              <a:defRPr kern="1200">
+                <a:solidFill>
+                  <a:schemeClr val="lt1"/>
+                </a:solidFill>
+                <a:latin typeface="+mn-lt"/>
+                <a:ea typeface="+mn-ea"/>
+                <a:cs typeface="+mn-cs"/>
+              </a:defRPr>
+            </a:lvl2pPr>
+            <a:lvl3pPr marL="914400" algn="l" rtl="0" fontAlgn="base">
+              <a:spcBef>
+                <a:spcPct val="0"/>
+              </a:spcBef>
+              <a:spcAft>
+                <a:spcPct val="0"/>
+              </a:spcAft>
+              <a:defRPr kern="1200">
+                <a:solidFill>
+                  <a:schemeClr val="lt1"/>
+                </a:solidFill>
+                <a:latin typeface="+mn-lt"/>
+                <a:ea typeface="+mn-ea"/>
+                <a:cs typeface="+mn-cs"/>
+              </a:defRPr>
+            </a:lvl3pPr>
+            <a:lvl4pPr marL="1371600" algn="l" rtl="0" fontAlgn="base">
+              <a:spcBef>
+                <a:spcPct val="0"/>
+              </a:spcBef>
+              <a:spcAft>
+                <a:spcPct val="0"/>
+              </a:spcAft>
+              <a:defRPr kern="1200">
+                <a:solidFill>
+                  <a:schemeClr val="lt1"/>
+                </a:solidFill>
+                <a:latin typeface="+mn-lt"/>
+                <a:ea typeface="+mn-ea"/>
+                <a:cs typeface="+mn-cs"/>
+              </a:defRPr>
+            </a:lvl4pPr>
+            <a:lvl5pPr marL="1828800" algn="l" rtl="0" fontAlgn="base">
+              <a:spcBef>
+                <a:spcPct val="0"/>
+              </a:spcBef>
+              <a:spcAft>
+                <a:spcPct val="0"/>
+              </a:spcAft>
+              <a:defRPr kern="1200">
+                <a:solidFill>
+                  <a:schemeClr val="lt1"/>
+                </a:solidFill>
+                <a:latin typeface="+mn-lt"/>
+                <a:ea typeface="+mn-ea"/>
+                <a:cs typeface="+mn-cs"/>
+              </a:defRPr>
+            </a:lvl5pPr>
+            <a:lvl6pPr marL="2286000" algn="l" defTabSz="914400" rtl="0" eaLnBrk="1" latinLnBrk="0" hangingPunct="1">
+              <a:defRPr kern="1200">
+                <a:solidFill>
+                  <a:schemeClr val="lt1"/>
+                </a:solidFill>
+                <a:latin typeface="+mn-lt"/>
+                <a:ea typeface="+mn-ea"/>
+                <a:cs typeface="+mn-cs"/>
+              </a:defRPr>
+            </a:lvl6pPr>
+            <a:lvl7pPr marL="2743200" algn="l" defTabSz="914400" rtl="0" eaLnBrk="1" latinLnBrk="0" hangingPunct="1">
+              <a:defRPr kern="1200">
+                <a:solidFill>
+                  <a:schemeClr val="lt1"/>
+                </a:solidFill>
+                <a:latin typeface="+mn-lt"/>
+                <a:ea typeface="+mn-ea"/>
+                <a:cs typeface="+mn-cs"/>
+              </a:defRPr>
+            </a:lvl7pPr>
+            <a:lvl8pPr marL="3200400" algn="l" defTabSz="914400" rtl="0" eaLnBrk="1" latinLnBrk="0" hangingPunct="1">
+              <a:defRPr kern="1200">
+                <a:solidFill>
+                  <a:schemeClr val="lt1"/>
+                </a:solidFill>
+                <a:latin typeface="+mn-lt"/>
+                <a:ea typeface="+mn-ea"/>
+                <a:cs typeface="+mn-cs"/>
+              </a:defRPr>
+            </a:lvl8pPr>
+            <a:lvl9pPr marL="3657600" algn="l" defTabSz="914400" rtl="0" eaLnBrk="1" latinLnBrk="0" hangingPunct="1">
+              <a:defRPr kern="1200">
+                <a:solidFill>
+                  <a:schemeClr val="lt1"/>
+                </a:solidFill>
+                <a:latin typeface="+mn-lt"/>
+                <a:ea typeface="+mn-ea"/>
+                <a:cs typeface="+mn-cs"/>
+              </a:defRPr>
+            </a:lvl9pPr>
+          </a:lstStyle>
+          <a:p>
+            <a:pPr algn="ctr"/>
+            <a:r>
+              <a:rPr lang="fr-FR" dirty="0" err="1" smtClean="0"/>
+              <a:t>Column</a:t>
+            </a:r>
+            <a:r>
+              <a:rPr lang="fr-FR" dirty="0" smtClean="0"/>
+              <a:t> Value</a:t>
+            </a:r>
+            <a:endParaRPr lang="fr-FR" dirty="0"/>
+          </a:p>
+        </p:txBody>
+      </p:sp>
+      <p:cxnSp>
+        <p:nvCxnSpPr>
+          <p:cNvPr id="26" name="Connecteur droit 25"/>
+          <p:cNvCxnSpPr>
+            <a:stCxn id="24" idx="2"/>
+            <a:endCxn id="25" idx="0"/>
+          </p:cNvCxnSpPr>
+          <p:nvPr/>
+        </p:nvCxnSpPr>
+        <p:spPr>
+          <a:xfrm>
+            <a:off x="5328084" y="3218738"/>
+            <a:ext cx="0" cy="156829"/>
+          </a:xfrm>
+          <a:prstGeom prst="line">
+            <a:avLst/>
+          </a:prstGeom>
+          <a:ln w="12700">
+            <a:solidFill>
+              <a:srgbClr val="C00000"/>
+            </a:solidFill>
+            <a:prstDash val="dash"/>
+          </a:ln>
+        </p:spPr>
+        <p:style>
+          <a:lnRef idx="1">
+            <a:schemeClr val="accent1"/>
+          </a:lnRef>
+          <a:fillRef idx="0">
+            <a:schemeClr val="accent1"/>
+          </a:fillRef>
+          <a:effectRef idx="0">
+            <a:schemeClr val="accent1"/>
+          </a:effectRef>
+          <a:fontRef idx="minor">
+            <a:schemeClr val="tx1"/>
+          </a:fontRef>
+        </p:style>
+      </p:cxnSp>
+      <p:sp>
+        <p:nvSpPr>
+          <p:cNvPr id="27" name="Rectangle 26"/>
+          <p:cNvSpPr/>
+          <p:nvPr/>
+        </p:nvSpPr>
+        <p:spPr>
+          <a:xfrm>
+            <a:off x="6300192" y="2873006"/>
+            <a:ext cx="1512168" cy="360040"/>
+          </a:xfrm>
+          <a:prstGeom prst="rect">
+            <a:avLst/>
+          </a:prstGeom>
+          <a:solidFill>
+            <a:srgbClr val="FFC000"/>
+          </a:solidFill>
+        </p:spPr>
+        <p:style>
+          <a:lnRef idx="2">
+            <a:schemeClr val="accent1">
+              <a:shade val="50000"/>
+            </a:schemeClr>
+          </a:lnRef>
+          <a:fillRef idx="1">
+            <a:schemeClr val="accent1"/>
+          </a:fillRef>
+          <a:effectRef idx="0">
+            <a:schemeClr val="accent1"/>
+          </a:effectRef>
+          <a:fontRef idx="minor">
+            <a:schemeClr val="lt1"/>
+          </a:fontRef>
+        </p:style>
+        <p:txBody>
+          <a:bodyPr rtlCol="0" anchor="ctr"/>
+          <a:lstStyle>
+            <a:defPPr>
+              <a:defRPr lang="nl-NL"/>
+            </a:defPPr>
+            <a:lvl1pPr algn="l" rtl="0" fontAlgn="base">
+              <a:spcBef>
+                <a:spcPct val="0"/>
+              </a:spcBef>
+              <a:spcAft>
+                <a:spcPct val="0"/>
+              </a:spcAft>
+              <a:defRPr kern="1200">
+                <a:solidFill>
+                  <a:schemeClr val="lt1"/>
+                </a:solidFill>
+                <a:latin typeface="+mn-lt"/>
+                <a:ea typeface="+mn-ea"/>
+                <a:cs typeface="+mn-cs"/>
+              </a:defRPr>
+            </a:lvl1pPr>
+            <a:lvl2pPr marL="457200" algn="l" rtl="0" fontAlgn="base">
+              <a:spcBef>
+                <a:spcPct val="0"/>
+              </a:spcBef>
+              <a:spcAft>
+                <a:spcPct val="0"/>
+              </a:spcAft>
+              <a:defRPr kern="1200">
+                <a:solidFill>
+                  <a:schemeClr val="lt1"/>
+                </a:solidFill>
+                <a:latin typeface="+mn-lt"/>
+                <a:ea typeface="+mn-ea"/>
+                <a:cs typeface="+mn-cs"/>
+              </a:defRPr>
+            </a:lvl2pPr>
+            <a:lvl3pPr marL="914400" algn="l" rtl="0" fontAlgn="base">
+              <a:spcBef>
+                <a:spcPct val="0"/>
+              </a:spcBef>
+              <a:spcAft>
+                <a:spcPct val="0"/>
+              </a:spcAft>
+              <a:defRPr kern="1200">
+                <a:solidFill>
+                  <a:schemeClr val="lt1"/>
+                </a:solidFill>
+                <a:latin typeface="+mn-lt"/>
+                <a:ea typeface="+mn-ea"/>
+                <a:cs typeface="+mn-cs"/>
+              </a:defRPr>
+            </a:lvl3pPr>
+            <a:lvl4pPr marL="1371600" algn="l" rtl="0" fontAlgn="base">
+              <a:spcBef>
+                <a:spcPct val="0"/>
+              </a:spcBef>
+              <a:spcAft>
+                <a:spcPct val="0"/>
+              </a:spcAft>
+              <a:defRPr kern="1200">
+                <a:solidFill>
+                  <a:schemeClr val="lt1"/>
+                </a:solidFill>
+                <a:latin typeface="+mn-lt"/>
+                <a:ea typeface="+mn-ea"/>
+                <a:cs typeface="+mn-cs"/>
+              </a:defRPr>
+            </a:lvl4pPr>
+            <a:lvl5pPr marL="1828800" algn="l" rtl="0" fontAlgn="base">
+              <a:spcBef>
+                <a:spcPct val="0"/>
+              </a:spcBef>
+              <a:spcAft>
+                <a:spcPct val="0"/>
+              </a:spcAft>
+              <a:defRPr kern="1200">
+                <a:solidFill>
+                  <a:schemeClr val="lt1"/>
+                </a:solidFill>
+                <a:latin typeface="+mn-lt"/>
+                <a:ea typeface="+mn-ea"/>
+                <a:cs typeface="+mn-cs"/>
+              </a:defRPr>
+            </a:lvl5pPr>
+            <a:lvl6pPr marL="2286000" algn="l" defTabSz="914400" rtl="0" eaLnBrk="1" latinLnBrk="0" hangingPunct="1">
+              <a:defRPr kern="1200">
+                <a:solidFill>
+                  <a:schemeClr val="lt1"/>
+                </a:solidFill>
+                <a:latin typeface="+mn-lt"/>
+                <a:ea typeface="+mn-ea"/>
+                <a:cs typeface="+mn-cs"/>
+              </a:defRPr>
+            </a:lvl6pPr>
+            <a:lvl7pPr marL="2743200" algn="l" defTabSz="914400" rtl="0" eaLnBrk="1" latinLnBrk="0" hangingPunct="1">
+              <a:defRPr kern="1200">
+                <a:solidFill>
+                  <a:schemeClr val="lt1"/>
+                </a:solidFill>
+                <a:latin typeface="+mn-lt"/>
+                <a:ea typeface="+mn-ea"/>
+                <a:cs typeface="+mn-cs"/>
+              </a:defRPr>
+            </a:lvl7pPr>
+            <a:lvl8pPr marL="3200400" algn="l" defTabSz="914400" rtl="0" eaLnBrk="1" latinLnBrk="0" hangingPunct="1">
+              <a:defRPr kern="1200">
+                <a:solidFill>
+                  <a:schemeClr val="lt1"/>
+                </a:solidFill>
+                <a:latin typeface="+mn-lt"/>
+                <a:ea typeface="+mn-ea"/>
+                <a:cs typeface="+mn-cs"/>
+              </a:defRPr>
+            </a:lvl8pPr>
+            <a:lvl9pPr marL="3657600" algn="l" defTabSz="914400" rtl="0" eaLnBrk="1" latinLnBrk="0" hangingPunct="1">
+              <a:defRPr kern="1200">
+                <a:solidFill>
+                  <a:schemeClr val="lt1"/>
+                </a:solidFill>
+                <a:latin typeface="+mn-lt"/>
+                <a:ea typeface="+mn-ea"/>
+                <a:cs typeface="+mn-cs"/>
+              </a:defRPr>
+            </a:lvl9pPr>
+          </a:lstStyle>
+          <a:p>
+            <a:pPr algn="ctr"/>
+            <a:r>
+              <a:rPr lang="fr-FR" dirty="0" err="1" smtClean="0"/>
+              <a:t>Column</a:t>
+            </a:r>
+            <a:r>
+              <a:rPr lang="fr-FR" dirty="0" smtClean="0"/>
+              <a:t> Name</a:t>
+            </a:r>
+            <a:endParaRPr lang="fr-FR" dirty="0"/>
+          </a:p>
+        </p:txBody>
+      </p:sp>
+      <p:sp>
+        <p:nvSpPr>
+          <p:cNvPr id="28" name="Rectangle 27"/>
+          <p:cNvSpPr/>
+          <p:nvPr/>
+        </p:nvSpPr>
+        <p:spPr>
+          <a:xfrm>
+            <a:off x="6300192" y="3389875"/>
+            <a:ext cx="1512168" cy="563251"/>
+          </a:xfrm>
+          <a:prstGeom prst="rect">
+            <a:avLst/>
+          </a:prstGeom>
+          <a:solidFill>
+            <a:srgbClr val="FFC000"/>
+          </a:solidFill>
+        </p:spPr>
+        <p:style>
+          <a:lnRef idx="2">
+            <a:schemeClr val="accent1">
+              <a:shade val="50000"/>
+            </a:schemeClr>
+          </a:lnRef>
+          <a:fillRef idx="1">
+            <a:schemeClr val="accent1"/>
+          </a:fillRef>
+          <a:effectRef idx="0">
+            <a:schemeClr val="accent1"/>
+          </a:effectRef>
+          <a:fontRef idx="minor">
+            <a:schemeClr val="lt1"/>
+          </a:fontRef>
+        </p:style>
+        <p:txBody>
+          <a:bodyPr rtlCol="0" anchor="ctr"/>
+          <a:lstStyle>
+            <a:defPPr>
+              <a:defRPr lang="nl-NL"/>
+            </a:defPPr>
+            <a:lvl1pPr algn="l" rtl="0" fontAlgn="base">
+              <a:spcBef>
+                <a:spcPct val="0"/>
+              </a:spcBef>
+              <a:spcAft>
+                <a:spcPct val="0"/>
+              </a:spcAft>
+              <a:defRPr kern="1200">
+                <a:solidFill>
+                  <a:schemeClr val="lt1"/>
+                </a:solidFill>
+                <a:latin typeface="+mn-lt"/>
+                <a:ea typeface="+mn-ea"/>
+                <a:cs typeface="+mn-cs"/>
+              </a:defRPr>
+            </a:lvl1pPr>
+            <a:lvl2pPr marL="457200" algn="l" rtl="0" fontAlgn="base">
+              <a:spcBef>
+                <a:spcPct val="0"/>
+              </a:spcBef>
+              <a:spcAft>
+                <a:spcPct val="0"/>
+              </a:spcAft>
+              <a:defRPr kern="1200">
+                <a:solidFill>
+                  <a:schemeClr val="lt1"/>
+                </a:solidFill>
+                <a:latin typeface="+mn-lt"/>
+                <a:ea typeface="+mn-ea"/>
+                <a:cs typeface="+mn-cs"/>
+              </a:defRPr>
+            </a:lvl2pPr>
+            <a:lvl3pPr marL="914400" algn="l" rtl="0" fontAlgn="base">
+              <a:spcBef>
+                <a:spcPct val="0"/>
+              </a:spcBef>
+              <a:spcAft>
+                <a:spcPct val="0"/>
+              </a:spcAft>
+              <a:defRPr kern="1200">
+                <a:solidFill>
+                  <a:schemeClr val="lt1"/>
+                </a:solidFill>
+                <a:latin typeface="+mn-lt"/>
+                <a:ea typeface="+mn-ea"/>
+                <a:cs typeface="+mn-cs"/>
+              </a:defRPr>
+            </a:lvl3pPr>
+            <a:lvl4pPr marL="1371600" algn="l" rtl="0" fontAlgn="base">
+              <a:spcBef>
+                <a:spcPct val="0"/>
+              </a:spcBef>
+              <a:spcAft>
+                <a:spcPct val="0"/>
+              </a:spcAft>
+              <a:defRPr kern="1200">
+                <a:solidFill>
+                  <a:schemeClr val="lt1"/>
+                </a:solidFill>
+                <a:latin typeface="+mn-lt"/>
+                <a:ea typeface="+mn-ea"/>
+                <a:cs typeface="+mn-cs"/>
+              </a:defRPr>
+            </a:lvl4pPr>
+            <a:lvl5pPr marL="1828800" algn="l" rtl="0" fontAlgn="base">
+              <a:spcBef>
+                <a:spcPct val="0"/>
+              </a:spcBef>
+              <a:spcAft>
+                <a:spcPct val="0"/>
+              </a:spcAft>
+              <a:defRPr kern="1200">
+                <a:solidFill>
+                  <a:schemeClr val="lt1"/>
+                </a:solidFill>
+                <a:latin typeface="+mn-lt"/>
+                <a:ea typeface="+mn-ea"/>
+                <a:cs typeface="+mn-cs"/>
+              </a:defRPr>
+            </a:lvl5pPr>
+            <a:lvl6pPr marL="2286000" algn="l" defTabSz="914400" rtl="0" eaLnBrk="1" latinLnBrk="0" hangingPunct="1">
+              <a:defRPr kern="1200">
+                <a:solidFill>
+                  <a:schemeClr val="lt1"/>
+                </a:solidFill>
+                <a:latin typeface="+mn-lt"/>
+                <a:ea typeface="+mn-ea"/>
+                <a:cs typeface="+mn-cs"/>
+              </a:defRPr>
+            </a:lvl6pPr>
+            <a:lvl7pPr marL="2743200" algn="l" defTabSz="914400" rtl="0" eaLnBrk="1" latinLnBrk="0" hangingPunct="1">
+              <a:defRPr kern="1200">
+                <a:solidFill>
+                  <a:schemeClr val="lt1"/>
+                </a:solidFill>
+                <a:latin typeface="+mn-lt"/>
+                <a:ea typeface="+mn-ea"/>
+                <a:cs typeface="+mn-cs"/>
+              </a:defRPr>
+            </a:lvl7pPr>
+            <a:lvl8pPr marL="3200400" algn="l" defTabSz="914400" rtl="0" eaLnBrk="1" latinLnBrk="0" hangingPunct="1">
+              <a:defRPr kern="1200">
+                <a:solidFill>
+                  <a:schemeClr val="lt1"/>
+                </a:solidFill>
+                <a:latin typeface="+mn-lt"/>
+                <a:ea typeface="+mn-ea"/>
+                <a:cs typeface="+mn-cs"/>
+              </a:defRPr>
+            </a:lvl8pPr>
+            <a:lvl9pPr marL="3657600" algn="l" defTabSz="914400" rtl="0" eaLnBrk="1" latinLnBrk="0" hangingPunct="1">
+              <a:defRPr kern="1200">
+                <a:solidFill>
+                  <a:schemeClr val="lt1"/>
+                </a:solidFill>
+                <a:latin typeface="+mn-lt"/>
+                <a:ea typeface="+mn-ea"/>
+                <a:cs typeface="+mn-cs"/>
+              </a:defRPr>
+            </a:lvl9pPr>
+          </a:lstStyle>
+          <a:p>
+            <a:pPr algn="ctr"/>
+            <a:r>
+              <a:rPr lang="fr-FR" dirty="0" err="1" smtClean="0"/>
+              <a:t>Column</a:t>
+            </a:r>
+            <a:r>
+              <a:rPr lang="fr-FR" dirty="0" smtClean="0"/>
+              <a:t> Value</a:t>
+            </a:r>
+            <a:endParaRPr lang="fr-FR" dirty="0"/>
+          </a:p>
+        </p:txBody>
+      </p:sp>
+      <p:cxnSp>
+        <p:nvCxnSpPr>
+          <p:cNvPr id="29" name="Connecteur droit 28"/>
+          <p:cNvCxnSpPr>
+            <a:stCxn id="27" idx="2"/>
+            <a:endCxn id="28" idx="0"/>
+          </p:cNvCxnSpPr>
+          <p:nvPr/>
+        </p:nvCxnSpPr>
+        <p:spPr>
+          <a:xfrm>
+            <a:off x="7056276" y="3233046"/>
+            <a:ext cx="0" cy="156829"/>
+          </a:xfrm>
+          <a:prstGeom prst="line">
+            <a:avLst/>
+          </a:prstGeom>
+          <a:ln w="12700">
+            <a:solidFill>
+              <a:srgbClr val="C00000"/>
+            </a:solidFill>
+            <a:prstDash val="dash"/>
+          </a:ln>
+        </p:spPr>
+        <p:style>
+          <a:lnRef idx="1">
+            <a:schemeClr val="accent1"/>
+          </a:lnRef>
+          <a:fillRef idx="0">
+            <a:schemeClr val="accent1"/>
+          </a:fillRef>
+          <a:effectRef idx="0">
+            <a:schemeClr val="accent1"/>
+          </a:effectRef>
+          <a:fontRef idx="minor">
+            <a:schemeClr val="tx1"/>
+          </a:fontRef>
+        </p:style>
+      </p:cxnSp>
+      <p:sp>
+        <p:nvSpPr>
+          <p:cNvPr id="30" name="Rectangle 29"/>
+          <p:cNvSpPr/>
+          <p:nvPr/>
+        </p:nvSpPr>
+        <p:spPr>
+          <a:xfrm>
+            <a:off x="2843808" y="3284984"/>
+            <a:ext cx="1512168" cy="185011"/>
+          </a:xfrm>
+          <a:prstGeom prst="rect">
+            <a:avLst/>
+          </a:prstGeom>
+          <a:solidFill>
+            <a:schemeClr val="accent3">
+              <a:lumMod val="50000"/>
+            </a:schemeClr>
+          </a:solidFill>
+        </p:spPr>
+        <p:style>
+          <a:lnRef idx="2">
+            <a:schemeClr val="accent1">
+              <a:shade val="50000"/>
+            </a:schemeClr>
+          </a:lnRef>
+          <a:fillRef idx="1">
+            <a:schemeClr val="accent1"/>
+          </a:fillRef>
+          <a:effectRef idx="0">
+            <a:schemeClr val="accent1"/>
+          </a:effectRef>
+          <a:fontRef idx="minor">
+            <a:schemeClr val="lt1"/>
+          </a:fontRef>
+        </p:style>
+        <p:txBody>
+          <a:bodyPr rtlCol="0" anchor="ctr"/>
+          <a:lstStyle>
+            <a:defPPr>
+              <a:defRPr lang="nl-NL"/>
+            </a:defPPr>
+            <a:lvl1pPr algn="l" rtl="0" fontAlgn="base">
+              <a:spcBef>
+                <a:spcPct val="0"/>
+              </a:spcBef>
+              <a:spcAft>
+                <a:spcPct val="0"/>
+              </a:spcAft>
+              <a:defRPr kern="1200">
+                <a:solidFill>
+                  <a:schemeClr val="lt1"/>
+                </a:solidFill>
+                <a:latin typeface="+mn-lt"/>
+                <a:ea typeface="+mn-ea"/>
+                <a:cs typeface="+mn-cs"/>
+              </a:defRPr>
+            </a:lvl1pPr>
+            <a:lvl2pPr marL="457200" algn="l" rtl="0" fontAlgn="base">
+              <a:spcBef>
+                <a:spcPct val="0"/>
+              </a:spcBef>
+              <a:spcAft>
+                <a:spcPct val="0"/>
+              </a:spcAft>
+              <a:defRPr kern="1200">
+                <a:solidFill>
+                  <a:schemeClr val="lt1"/>
+                </a:solidFill>
+                <a:latin typeface="+mn-lt"/>
+                <a:ea typeface="+mn-ea"/>
+                <a:cs typeface="+mn-cs"/>
+              </a:defRPr>
+            </a:lvl2pPr>
+            <a:lvl3pPr marL="914400" algn="l" rtl="0" fontAlgn="base">
+              <a:spcBef>
+                <a:spcPct val="0"/>
+              </a:spcBef>
+              <a:spcAft>
+                <a:spcPct val="0"/>
+              </a:spcAft>
+              <a:defRPr kern="1200">
+                <a:solidFill>
+                  <a:schemeClr val="lt1"/>
+                </a:solidFill>
+                <a:latin typeface="+mn-lt"/>
+                <a:ea typeface="+mn-ea"/>
+                <a:cs typeface="+mn-cs"/>
+              </a:defRPr>
+            </a:lvl3pPr>
+            <a:lvl4pPr marL="1371600" algn="l" rtl="0" fontAlgn="base">
+              <a:spcBef>
+                <a:spcPct val="0"/>
+              </a:spcBef>
+              <a:spcAft>
+                <a:spcPct val="0"/>
+              </a:spcAft>
+              <a:defRPr kern="1200">
+                <a:solidFill>
+                  <a:schemeClr val="lt1"/>
+                </a:solidFill>
+                <a:latin typeface="+mn-lt"/>
+                <a:ea typeface="+mn-ea"/>
+                <a:cs typeface="+mn-cs"/>
+              </a:defRPr>
+            </a:lvl4pPr>
+            <a:lvl5pPr marL="1828800" algn="l" rtl="0" fontAlgn="base">
+              <a:spcBef>
+                <a:spcPct val="0"/>
+              </a:spcBef>
+              <a:spcAft>
+                <a:spcPct val="0"/>
+              </a:spcAft>
+              <a:defRPr kern="1200">
+                <a:solidFill>
+                  <a:schemeClr val="lt1"/>
+                </a:solidFill>
+                <a:latin typeface="+mn-lt"/>
+                <a:ea typeface="+mn-ea"/>
+                <a:cs typeface="+mn-cs"/>
+              </a:defRPr>
+            </a:lvl5pPr>
+            <a:lvl6pPr marL="2286000" algn="l" defTabSz="914400" rtl="0" eaLnBrk="1" latinLnBrk="0" hangingPunct="1">
+              <a:defRPr kern="1200">
+                <a:solidFill>
+                  <a:schemeClr val="lt1"/>
+                </a:solidFill>
+                <a:latin typeface="+mn-lt"/>
+                <a:ea typeface="+mn-ea"/>
+                <a:cs typeface="+mn-cs"/>
+              </a:defRPr>
+            </a:lvl6pPr>
+            <a:lvl7pPr marL="2743200" algn="l" defTabSz="914400" rtl="0" eaLnBrk="1" latinLnBrk="0" hangingPunct="1">
+              <a:defRPr kern="1200">
+                <a:solidFill>
+                  <a:schemeClr val="lt1"/>
+                </a:solidFill>
+                <a:latin typeface="+mn-lt"/>
+                <a:ea typeface="+mn-ea"/>
+                <a:cs typeface="+mn-cs"/>
+              </a:defRPr>
+            </a:lvl7pPr>
+            <a:lvl8pPr marL="3200400" algn="l" defTabSz="914400" rtl="0" eaLnBrk="1" latinLnBrk="0" hangingPunct="1">
+              <a:defRPr kern="1200">
+                <a:solidFill>
+                  <a:schemeClr val="lt1"/>
+                </a:solidFill>
+                <a:latin typeface="+mn-lt"/>
+                <a:ea typeface="+mn-ea"/>
+                <a:cs typeface="+mn-cs"/>
+              </a:defRPr>
+            </a:lvl8pPr>
+            <a:lvl9pPr marL="3657600" algn="l" defTabSz="914400" rtl="0" eaLnBrk="1" latinLnBrk="0" hangingPunct="1">
+              <a:defRPr kern="1200">
+                <a:solidFill>
+                  <a:schemeClr val="lt1"/>
+                </a:solidFill>
+                <a:latin typeface="+mn-lt"/>
+                <a:ea typeface="+mn-ea"/>
+                <a:cs typeface="+mn-cs"/>
+              </a:defRPr>
+            </a:lvl9pPr>
+          </a:lstStyle>
+          <a:p>
+            <a:pPr algn="ctr"/>
+            <a:r>
+              <a:rPr lang="fr-FR" sz="1000" dirty="0" err="1" smtClean="0"/>
+              <a:t>timestamp</a:t>
+            </a:r>
+            <a:endParaRPr lang="fr-FR" sz="800" dirty="0"/>
+          </a:p>
+        </p:txBody>
+      </p:sp>
+      <p:sp>
+        <p:nvSpPr>
+          <p:cNvPr id="31" name="Rectangle 30"/>
+          <p:cNvSpPr/>
+          <p:nvPr/>
+        </p:nvSpPr>
+        <p:spPr>
+          <a:xfrm>
+            <a:off x="4572000" y="3291390"/>
+            <a:ext cx="1512168" cy="185011"/>
+          </a:xfrm>
+          <a:prstGeom prst="rect">
+            <a:avLst/>
+          </a:prstGeom>
+          <a:solidFill>
+            <a:schemeClr val="accent3">
+              <a:lumMod val="50000"/>
+            </a:schemeClr>
+          </a:solidFill>
+        </p:spPr>
+        <p:style>
+          <a:lnRef idx="2">
+            <a:schemeClr val="accent1">
+              <a:shade val="50000"/>
+            </a:schemeClr>
+          </a:lnRef>
+          <a:fillRef idx="1">
+            <a:schemeClr val="accent1"/>
+          </a:fillRef>
+          <a:effectRef idx="0">
+            <a:schemeClr val="accent1"/>
+          </a:effectRef>
+          <a:fontRef idx="minor">
+            <a:schemeClr val="lt1"/>
+          </a:fontRef>
+        </p:style>
+        <p:txBody>
+          <a:bodyPr rtlCol="0" anchor="ctr"/>
+          <a:lstStyle>
+            <a:defPPr>
+              <a:defRPr lang="nl-NL"/>
+            </a:defPPr>
+            <a:lvl1pPr algn="l" rtl="0" fontAlgn="base">
+              <a:spcBef>
+                <a:spcPct val="0"/>
+              </a:spcBef>
+              <a:spcAft>
+                <a:spcPct val="0"/>
+              </a:spcAft>
+              <a:defRPr kern="1200">
+                <a:solidFill>
+                  <a:schemeClr val="lt1"/>
+                </a:solidFill>
+                <a:latin typeface="+mn-lt"/>
+                <a:ea typeface="+mn-ea"/>
+                <a:cs typeface="+mn-cs"/>
+              </a:defRPr>
+            </a:lvl1pPr>
+            <a:lvl2pPr marL="457200" algn="l" rtl="0" fontAlgn="base">
+              <a:spcBef>
+                <a:spcPct val="0"/>
+              </a:spcBef>
+              <a:spcAft>
+                <a:spcPct val="0"/>
+              </a:spcAft>
+              <a:defRPr kern="1200">
+                <a:solidFill>
+                  <a:schemeClr val="lt1"/>
+                </a:solidFill>
+                <a:latin typeface="+mn-lt"/>
+                <a:ea typeface="+mn-ea"/>
+                <a:cs typeface="+mn-cs"/>
+              </a:defRPr>
+            </a:lvl2pPr>
+            <a:lvl3pPr marL="914400" algn="l" rtl="0" fontAlgn="base">
+              <a:spcBef>
+                <a:spcPct val="0"/>
+              </a:spcBef>
+              <a:spcAft>
+                <a:spcPct val="0"/>
+              </a:spcAft>
+              <a:defRPr kern="1200">
+                <a:solidFill>
+                  <a:schemeClr val="lt1"/>
+                </a:solidFill>
+                <a:latin typeface="+mn-lt"/>
+                <a:ea typeface="+mn-ea"/>
+                <a:cs typeface="+mn-cs"/>
+              </a:defRPr>
+            </a:lvl3pPr>
+            <a:lvl4pPr marL="1371600" algn="l" rtl="0" fontAlgn="base">
+              <a:spcBef>
+                <a:spcPct val="0"/>
+              </a:spcBef>
+              <a:spcAft>
+                <a:spcPct val="0"/>
+              </a:spcAft>
+              <a:defRPr kern="1200">
+                <a:solidFill>
+                  <a:schemeClr val="lt1"/>
+                </a:solidFill>
+                <a:latin typeface="+mn-lt"/>
+                <a:ea typeface="+mn-ea"/>
+                <a:cs typeface="+mn-cs"/>
+              </a:defRPr>
+            </a:lvl4pPr>
+            <a:lvl5pPr marL="1828800" algn="l" rtl="0" fontAlgn="base">
+              <a:spcBef>
+                <a:spcPct val="0"/>
+              </a:spcBef>
+              <a:spcAft>
+                <a:spcPct val="0"/>
+              </a:spcAft>
+              <a:defRPr kern="1200">
+                <a:solidFill>
+                  <a:schemeClr val="lt1"/>
+                </a:solidFill>
+                <a:latin typeface="+mn-lt"/>
+                <a:ea typeface="+mn-ea"/>
+                <a:cs typeface="+mn-cs"/>
+              </a:defRPr>
+            </a:lvl5pPr>
+            <a:lvl6pPr marL="2286000" algn="l" defTabSz="914400" rtl="0" eaLnBrk="1" latinLnBrk="0" hangingPunct="1">
+              <a:defRPr kern="1200">
+                <a:solidFill>
+                  <a:schemeClr val="lt1"/>
+                </a:solidFill>
+                <a:latin typeface="+mn-lt"/>
+                <a:ea typeface="+mn-ea"/>
+                <a:cs typeface="+mn-cs"/>
+              </a:defRPr>
+            </a:lvl6pPr>
+            <a:lvl7pPr marL="2743200" algn="l" defTabSz="914400" rtl="0" eaLnBrk="1" latinLnBrk="0" hangingPunct="1">
+              <a:defRPr kern="1200">
+                <a:solidFill>
+                  <a:schemeClr val="lt1"/>
+                </a:solidFill>
+                <a:latin typeface="+mn-lt"/>
+                <a:ea typeface="+mn-ea"/>
+                <a:cs typeface="+mn-cs"/>
+              </a:defRPr>
+            </a:lvl7pPr>
+            <a:lvl8pPr marL="3200400" algn="l" defTabSz="914400" rtl="0" eaLnBrk="1" latinLnBrk="0" hangingPunct="1">
+              <a:defRPr kern="1200">
+                <a:solidFill>
+                  <a:schemeClr val="lt1"/>
+                </a:solidFill>
+                <a:latin typeface="+mn-lt"/>
+                <a:ea typeface="+mn-ea"/>
+                <a:cs typeface="+mn-cs"/>
+              </a:defRPr>
+            </a:lvl8pPr>
+            <a:lvl9pPr marL="3657600" algn="l" defTabSz="914400" rtl="0" eaLnBrk="1" latinLnBrk="0" hangingPunct="1">
+              <a:defRPr kern="1200">
+                <a:solidFill>
+                  <a:schemeClr val="lt1"/>
+                </a:solidFill>
+                <a:latin typeface="+mn-lt"/>
+                <a:ea typeface="+mn-ea"/>
+                <a:cs typeface="+mn-cs"/>
+              </a:defRPr>
+            </a:lvl9pPr>
+          </a:lstStyle>
+          <a:p>
+            <a:pPr algn="ctr"/>
+            <a:r>
+              <a:rPr lang="fr-FR" sz="1000" dirty="0" err="1" smtClean="0"/>
+              <a:t>timestamp</a:t>
+            </a:r>
+            <a:endParaRPr lang="fr-FR" sz="800" dirty="0"/>
+          </a:p>
+        </p:txBody>
+      </p:sp>
+      <p:sp>
+        <p:nvSpPr>
+          <p:cNvPr id="32" name="Rectangle 31"/>
+          <p:cNvSpPr/>
+          <p:nvPr/>
+        </p:nvSpPr>
+        <p:spPr>
+          <a:xfrm>
+            <a:off x="6300192" y="3311460"/>
+            <a:ext cx="1512168" cy="185011"/>
+          </a:xfrm>
+          <a:prstGeom prst="rect">
+            <a:avLst/>
+          </a:prstGeom>
+          <a:solidFill>
+            <a:schemeClr val="accent3">
+              <a:lumMod val="50000"/>
+            </a:schemeClr>
+          </a:solidFill>
+        </p:spPr>
+        <p:style>
+          <a:lnRef idx="2">
+            <a:schemeClr val="accent1">
+              <a:shade val="50000"/>
+            </a:schemeClr>
+          </a:lnRef>
+          <a:fillRef idx="1">
+            <a:schemeClr val="accent1"/>
+          </a:fillRef>
+          <a:effectRef idx="0">
+            <a:schemeClr val="accent1"/>
+          </a:effectRef>
+          <a:fontRef idx="minor">
+            <a:schemeClr val="lt1"/>
+          </a:fontRef>
+        </p:style>
+        <p:txBody>
+          <a:bodyPr rtlCol="0" anchor="ctr"/>
+          <a:lstStyle>
+            <a:defPPr>
+              <a:defRPr lang="nl-NL"/>
+            </a:defPPr>
+            <a:lvl1pPr algn="l" rtl="0" fontAlgn="base">
+              <a:spcBef>
+                <a:spcPct val="0"/>
+              </a:spcBef>
+              <a:spcAft>
+                <a:spcPct val="0"/>
+              </a:spcAft>
+              <a:defRPr kern="1200">
+                <a:solidFill>
+                  <a:schemeClr val="lt1"/>
+                </a:solidFill>
+                <a:latin typeface="+mn-lt"/>
+                <a:ea typeface="+mn-ea"/>
+                <a:cs typeface="+mn-cs"/>
+              </a:defRPr>
+            </a:lvl1pPr>
+            <a:lvl2pPr marL="457200" algn="l" rtl="0" fontAlgn="base">
+              <a:spcBef>
+                <a:spcPct val="0"/>
+              </a:spcBef>
+              <a:spcAft>
+                <a:spcPct val="0"/>
+              </a:spcAft>
+              <a:defRPr kern="1200">
+                <a:solidFill>
+                  <a:schemeClr val="lt1"/>
+                </a:solidFill>
+                <a:latin typeface="+mn-lt"/>
+                <a:ea typeface="+mn-ea"/>
+                <a:cs typeface="+mn-cs"/>
+              </a:defRPr>
+            </a:lvl2pPr>
+            <a:lvl3pPr marL="914400" algn="l" rtl="0" fontAlgn="base">
+              <a:spcBef>
+                <a:spcPct val="0"/>
+              </a:spcBef>
+              <a:spcAft>
+                <a:spcPct val="0"/>
+              </a:spcAft>
+              <a:defRPr kern="1200">
+                <a:solidFill>
+                  <a:schemeClr val="lt1"/>
+                </a:solidFill>
+                <a:latin typeface="+mn-lt"/>
+                <a:ea typeface="+mn-ea"/>
+                <a:cs typeface="+mn-cs"/>
+              </a:defRPr>
+            </a:lvl3pPr>
+            <a:lvl4pPr marL="1371600" algn="l" rtl="0" fontAlgn="base">
+              <a:spcBef>
+                <a:spcPct val="0"/>
+              </a:spcBef>
+              <a:spcAft>
+                <a:spcPct val="0"/>
+              </a:spcAft>
+              <a:defRPr kern="1200">
+                <a:solidFill>
+                  <a:schemeClr val="lt1"/>
+                </a:solidFill>
+                <a:latin typeface="+mn-lt"/>
+                <a:ea typeface="+mn-ea"/>
+                <a:cs typeface="+mn-cs"/>
+              </a:defRPr>
+            </a:lvl4pPr>
+            <a:lvl5pPr marL="1828800" algn="l" rtl="0" fontAlgn="base">
+              <a:spcBef>
+                <a:spcPct val="0"/>
+              </a:spcBef>
+              <a:spcAft>
+                <a:spcPct val="0"/>
+              </a:spcAft>
+              <a:defRPr kern="1200">
+                <a:solidFill>
+                  <a:schemeClr val="lt1"/>
+                </a:solidFill>
+                <a:latin typeface="+mn-lt"/>
+                <a:ea typeface="+mn-ea"/>
+                <a:cs typeface="+mn-cs"/>
+              </a:defRPr>
+            </a:lvl5pPr>
+            <a:lvl6pPr marL="2286000" algn="l" defTabSz="914400" rtl="0" eaLnBrk="1" latinLnBrk="0" hangingPunct="1">
+              <a:defRPr kern="1200">
+                <a:solidFill>
+                  <a:schemeClr val="lt1"/>
+                </a:solidFill>
+                <a:latin typeface="+mn-lt"/>
+                <a:ea typeface="+mn-ea"/>
+                <a:cs typeface="+mn-cs"/>
+              </a:defRPr>
+            </a:lvl6pPr>
+            <a:lvl7pPr marL="2743200" algn="l" defTabSz="914400" rtl="0" eaLnBrk="1" latinLnBrk="0" hangingPunct="1">
+              <a:defRPr kern="1200">
+                <a:solidFill>
+                  <a:schemeClr val="lt1"/>
+                </a:solidFill>
+                <a:latin typeface="+mn-lt"/>
+                <a:ea typeface="+mn-ea"/>
+                <a:cs typeface="+mn-cs"/>
+              </a:defRPr>
+            </a:lvl7pPr>
+            <a:lvl8pPr marL="3200400" algn="l" defTabSz="914400" rtl="0" eaLnBrk="1" latinLnBrk="0" hangingPunct="1">
+              <a:defRPr kern="1200">
+                <a:solidFill>
+                  <a:schemeClr val="lt1"/>
+                </a:solidFill>
+                <a:latin typeface="+mn-lt"/>
+                <a:ea typeface="+mn-ea"/>
+                <a:cs typeface="+mn-cs"/>
+              </a:defRPr>
+            </a:lvl8pPr>
+            <a:lvl9pPr marL="3657600" algn="l" defTabSz="914400" rtl="0" eaLnBrk="1" latinLnBrk="0" hangingPunct="1">
+              <a:defRPr kern="1200">
+                <a:solidFill>
+                  <a:schemeClr val="lt1"/>
+                </a:solidFill>
+                <a:latin typeface="+mn-lt"/>
+                <a:ea typeface="+mn-ea"/>
+                <a:cs typeface="+mn-cs"/>
+              </a:defRPr>
+            </a:lvl9pPr>
+          </a:lstStyle>
+          <a:p>
+            <a:pPr algn="ctr"/>
+            <a:r>
+              <a:rPr lang="fr-FR" sz="1000" dirty="0" err="1" smtClean="0"/>
+              <a:t>timestamp</a:t>
+            </a:r>
+            <a:endParaRPr lang="fr-FR" sz="800" dirty="0"/>
+          </a:p>
+        </p:txBody>
+      </p:sp>
+    </p:spTree>
+    <p:extLst>
+      <p:ext uri="{BB962C8B-B14F-4D97-AF65-F5344CB8AC3E}">
+        <p14:creationId xmlns:p14="http://schemas.microsoft.com/office/powerpoint/2010/main" val="1049044844"/>
+      </p:ext>
+    </p:extLst>
+  </p:cSld>
+  <p:clrMapOvr>
+    <a:masterClrMapping/>
+  </p:clrMapOvr>
+</p:sld>
+</file>
+
+<file path=ppt/slides/slide2.xml><?xml version="1.0" encoding="utf-8"?>
+<p:sld xmlns:a="http://schemas.openxmlformats.org/drawingml/2006/main" xmlns:r="http://schemas.openxmlformats.org/officeDocument/2006/relationships" xmlns:p="http://schemas.openxmlformats.org/presentationml/2006/main">
+  <p:cSld>
+    <p:spTree>
+      <p:nvGrpSpPr>
+        <p:cNvPr id="1" name=""/>
+        <p:cNvGrpSpPr/>
+        <p:nvPr/>
+      </p:nvGrpSpPr>
+      <p:grpSpPr>
+        <a:xfrm>
+          <a:off x="0" y="0"/>
+          <a:ext cx="0" cy="0"/>
+          <a:chOff x="0" y="0"/>
+          <a:chExt cx="0" cy="0"/>
+        </a:xfrm>
+      </p:grpSpPr>
+      <p:sp>
+        <p:nvSpPr>
+          <p:cNvPr id="6" name="Rectangle à coins arrondis 5"/>
+          <p:cNvSpPr/>
+          <p:nvPr/>
+        </p:nvSpPr>
+        <p:spPr>
+          <a:xfrm>
+            <a:off x="251520" y="2636912"/>
+            <a:ext cx="8640960" cy="1584176"/>
+          </a:xfrm>
+          <a:prstGeom prst="roundRect">
+            <a:avLst/>
+          </a:prstGeom>
+          <a:noFill/>
+        </p:spPr>
+        <p:style>
+          <a:lnRef idx="2">
+            <a:schemeClr val="accent1">
+              <a:shade val="50000"/>
+            </a:schemeClr>
+          </a:lnRef>
+          <a:fillRef idx="1">
+            <a:schemeClr val="accent1"/>
+          </a:fillRef>
+          <a:effectRef idx="0">
+            <a:schemeClr val="accent1"/>
+          </a:effectRef>
+          <a:fontRef idx="minor">
+            <a:schemeClr val="lt1"/>
+          </a:fontRef>
+        </p:style>
+        <p:txBody>
+          <a:bodyPr rtlCol="0" anchor="ctr"/>
+          <a:lstStyle>
+            <a:defPPr>
+              <a:defRPr lang="nl-NL"/>
+            </a:defPPr>
+            <a:lvl1pPr algn="l" rtl="0" fontAlgn="base">
+              <a:spcBef>
+                <a:spcPct val="0"/>
+              </a:spcBef>
+              <a:spcAft>
+                <a:spcPct val="0"/>
+              </a:spcAft>
+              <a:defRPr kern="1200">
+                <a:solidFill>
+                  <a:schemeClr val="lt1"/>
+                </a:solidFill>
+                <a:latin typeface="+mn-lt"/>
+                <a:ea typeface="+mn-ea"/>
+                <a:cs typeface="+mn-cs"/>
+              </a:defRPr>
+            </a:lvl1pPr>
+            <a:lvl2pPr marL="457200" algn="l" rtl="0" fontAlgn="base">
+              <a:spcBef>
+                <a:spcPct val="0"/>
+              </a:spcBef>
+              <a:spcAft>
+                <a:spcPct val="0"/>
+              </a:spcAft>
+              <a:defRPr kern="1200">
+                <a:solidFill>
+                  <a:schemeClr val="lt1"/>
+                </a:solidFill>
+                <a:latin typeface="+mn-lt"/>
+                <a:ea typeface="+mn-ea"/>
+                <a:cs typeface="+mn-cs"/>
+              </a:defRPr>
+            </a:lvl2pPr>
+            <a:lvl3pPr marL="914400" algn="l" rtl="0" fontAlgn="base">
+              <a:spcBef>
+                <a:spcPct val="0"/>
+              </a:spcBef>
+              <a:spcAft>
+                <a:spcPct val="0"/>
+              </a:spcAft>
+              <a:defRPr kern="1200">
+                <a:solidFill>
+                  <a:schemeClr val="lt1"/>
+                </a:solidFill>
+                <a:latin typeface="+mn-lt"/>
+                <a:ea typeface="+mn-ea"/>
+                <a:cs typeface="+mn-cs"/>
+              </a:defRPr>
+            </a:lvl3pPr>
+            <a:lvl4pPr marL="1371600" algn="l" rtl="0" fontAlgn="base">
+              <a:spcBef>
+                <a:spcPct val="0"/>
+              </a:spcBef>
+              <a:spcAft>
+                <a:spcPct val="0"/>
+              </a:spcAft>
+              <a:defRPr kern="1200">
+                <a:solidFill>
+                  <a:schemeClr val="lt1"/>
+                </a:solidFill>
+                <a:latin typeface="+mn-lt"/>
+                <a:ea typeface="+mn-ea"/>
+                <a:cs typeface="+mn-cs"/>
+              </a:defRPr>
+            </a:lvl4pPr>
+            <a:lvl5pPr marL="1828800" algn="l" rtl="0" fontAlgn="base">
+              <a:spcBef>
+                <a:spcPct val="0"/>
+              </a:spcBef>
+              <a:spcAft>
+                <a:spcPct val="0"/>
+              </a:spcAft>
+              <a:defRPr kern="1200">
+                <a:solidFill>
+                  <a:schemeClr val="lt1"/>
+                </a:solidFill>
+                <a:latin typeface="+mn-lt"/>
+                <a:ea typeface="+mn-ea"/>
+                <a:cs typeface="+mn-cs"/>
+              </a:defRPr>
+            </a:lvl5pPr>
+            <a:lvl6pPr marL="2286000" algn="l" defTabSz="914400" rtl="0" eaLnBrk="1" latinLnBrk="0" hangingPunct="1">
+              <a:defRPr kern="1200">
+                <a:solidFill>
+                  <a:schemeClr val="lt1"/>
+                </a:solidFill>
+                <a:latin typeface="+mn-lt"/>
+                <a:ea typeface="+mn-ea"/>
+                <a:cs typeface="+mn-cs"/>
+              </a:defRPr>
+            </a:lvl6pPr>
+            <a:lvl7pPr marL="2743200" algn="l" defTabSz="914400" rtl="0" eaLnBrk="1" latinLnBrk="0" hangingPunct="1">
+              <a:defRPr kern="1200">
+                <a:solidFill>
+                  <a:schemeClr val="lt1"/>
+                </a:solidFill>
+                <a:latin typeface="+mn-lt"/>
+                <a:ea typeface="+mn-ea"/>
+                <a:cs typeface="+mn-cs"/>
+              </a:defRPr>
+            </a:lvl7pPr>
+            <a:lvl8pPr marL="3200400" algn="l" defTabSz="914400" rtl="0" eaLnBrk="1" latinLnBrk="0" hangingPunct="1">
+              <a:defRPr kern="1200">
+                <a:solidFill>
+                  <a:schemeClr val="lt1"/>
+                </a:solidFill>
+                <a:latin typeface="+mn-lt"/>
+                <a:ea typeface="+mn-ea"/>
+                <a:cs typeface="+mn-cs"/>
+              </a:defRPr>
+            </a:lvl8pPr>
+            <a:lvl9pPr marL="3657600" algn="l" defTabSz="914400" rtl="0" eaLnBrk="1" latinLnBrk="0" hangingPunct="1">
+              <a:defRPr kern="1200">
+                <a:solidFill>
+                  <a:schemeClr val="lt1"/>
+                </a:solidFill>
+                <a:latin typeface="+mn-lt"/>
+                <a:ea typeface="+mn-ea"/>
+                <a:cs typeface="+mn-cs"/>
+              </a:defRPr>
+            </a:lvl9pPr>
+          </a:lstStyle>
+          <a:p>
+            <a:pPr algn="ctr"/>
+            <a:endParaRPr lang="fr-FR"/>
+          </a:p>
+        </p:txBody>
+      </p:sp>
+      <p:sp>
+        <p:nvSpPr>
+          <p:cNvPr id="7" name="Rectangle à coins arrondis 6"/>
+          <p:cNvSpPr/>
+          <p:nvPr/>
+        </p:nvSpPr>
+        <p:spPr>
+          <a:xfrm>
+            <a:off x="2555776" y="2708920"/>
+            <a:ext cx="6264696" cy="1440160"/>
+          </a:xfrm>
+          <a:prstGeom prst="roundRect">
+            <a:avLst/>
+          </a:prstGeom>
+        </p:spPr>
+        <p:style>
+          <a:lnRef idx="2">
+            <a:schemeClr val="accent1">
+              <a:shade val="50000"/>
+            </a:schemeClr>
+          </a:lnRef>
+          <a:fillRef idx="1">
+            <a:schemeClr val="accent1"/>
+          </a:fillRef>
+          <a:effectRef idx="0">
+            <a:schemeClr val="accent1"/>
+          </a:effectRef>
+          <a:fontRef idx="minor">
+            <a:schemeClr val="lt1"/>
+          </a:fontRef>
+        </p:style>
+        <p:txBody>
+          <a:bodyPr rtlCol="0" anchor="ctr"/>
+          <a:lstStyle>
+            <a:defPPr>
+              <a:defRPr lang="nl-NL"/>
+            </a:defPPr>
+            <a:lvl1pPr algn="l" rtl="0" fontAlgn="base">
+              <a:spcBef>
+                <a:spcPct val="0"/>
+              </a:spcBef>
+              <a:spcAft>
+                <a:spcPct val="0"/>
+              </a:spcAft>
+              <a:defRPr kern="1200">
+                <a:solidFill>
+                  <a:schemeClr val="lt1"/>
+                </a:solidFill>
+                <a:latin typeface="+mn-lt"/>
+                <a:ea typeface="+mn-ea"/>
+                <a:cs typeface="+mn-cs"/>
+              </a:defRPr>
+            </a:lvl1pPr>
+            <a:lvl2pPr marL="457200" algn="l" rtl="0" fontAlgn="base">
+              <a:spcBef>
+                <a:spcPct val="0"/>
+              </a:spcBef>
+              <a:spcAft>
+                <a:spcPct val="0"/>
+              </a:spcAft>
+              <a:defRPr kern="1200">
+                <a:solidFill>
+                  <a:schemeClr val="lt1"/>
+                </a:solidFill>
+                <a:latin typeface="+mn-lt"/>
+                <a:ea typeface="+mn-ea"/>
+                <a:cs typeface="+mn-cs"/>
+              </a:defRPr>
+            </a:lvl2pPr>
+            <a:lvl3pPr marL="914400" algn="l" rtl="0" fontAlgn="base">
+              <a:spcBef>
+                <a:spcPct val="0"/>
+              </a:spcBef>
+              <a:spcAft>
+                <a:spcPct val="0"/>
+              </a:spcAft>
+              <a:defRPr kern="1200">
+                <a:solidFill>
+                  <a:schemeClr val="lt1"/>
+                </a:solidFill>
+                <a:latin typeface="+mn-lt"/>
+                <a:ea typeface="+mn-ea"/>
+                <a:cs typeface="+mn-cs"/>
+              </a:defRPr>
+            </a:lvl3pPr>
+            <a:lvl4pPr marL="1371600" algn="l" rtl="0" fontAlgn="base">
+              <a:spcBef>
+                <a:spcPct val="0"/>
+              </a:spcBef>
+              <a:spcAft>
+                <a:spcPct val="0"/>
+              </a:spcAft>
+              <a:defRPr kern="1200">
+                <a:solidFill>
+                  <a:schemeClr val="lt1"/>
+                </a:solidFill>
+                <a:latin typeface="+mn-lt"/>
+                <a:ea typeface="+mn-ea"/>
+                <a:cs typeface="+mn-cs"/>
+              </a:defRPr>
+            </a:lvl4pPr>
+            <a:lvl5pPr marL="1828800" algn="l" rtl="0" fontAlgn="base">
+              <a:spcBef>
+                <a:spcPct val="0"/>
+              </a:spcBef>
+              <a:spcAft>
+                <a:spcPct val="0"/>
+              </a:spcAft>
+              <a:defRPr kern="1200">
+                <a:solidFill>
+                  <a:schemeClr val="lt1"/>
+                </a:solidFill>
+                <a:latin typeface="+mn-lt"/>
+                <a:ea typeface="+mn-ea"/>
+                <a:cs typeface="+mn-cs"/>
+              </a:defRPr>
+            </a:lvl5pPr>
+            <a:lvl6pPr marL="2286000" algn="l" defTabSz="914400" rtl="0" eaLnBrk="1" latinLnBrk="0" hangingPunct="1">
+              <a:defRPr kern="1200">
+                <a:solidFill>
+                  <a:schemeClr val="lt1"/>
+                </a:solidFill>
+                <a:latin typeface="+mn-lt"/>
+                <a:ea typeface="+mn-ea"/>
+                <a:cs typeface="+mn-cs"/>
+              </a:defRPr>
+            </a:lvl6pPr>
+            <a:lvl7pPr marL="2743200" algn="l" defTabSz="914400" rtl="0" eaLnBrk="1" latinLnBrk="0" hangingPunct="1">
+              <a:defRPr kern="1200">
+                <a:solidFill>
+                  <a:schemeClr val="lt1"/>
+                </a:solidFill>
+                <a:latin typeface="+mn-lt"/>
+                <a:ea typeface="+mn-ea"/>
+                <a:cs typeface="+mn-cs"/>
+              </a:defRPr>
+            </a:lvl7pPr>
+            <a:lvl8pPr marL="3200400" algn="l" defTabSz="914400" rtl="0" eaLnBrk="1" latinLnBrk="0" hangingPunct="1">
+              <a:defRPr kern="1200">
+                <a:solidFill>
+                  <a:schemeClr val="lt1"/>
+                </a:solidFill>
+                <a:latin typeface="+mn-lt"/>
+                <a:ea typeface="+mn-ea"/>
+                <a:cs typeface="+mn-cs"/>
+              </a:defRPr>
+            </a:lvl8pPr>
+            <a:lvl9pPr marL="3657600" algn="l" defTabSz="914400" rtl="0" eaLnBrk="1" latinLnBrk="0" hangingPunct="1">
+              <a:defRPr kern="1200">
+                <a:solidFill>
+                  <a:schemeClr val="lt1"/>
+                </a:solidFill>
+                <a:latin typeface="+mn-lt"/>
+                <a:ea typeface="+mn-ea"/>
+                <a:cs typeface="+mn-cs"/>
+              </a:defRPr>
+            </a:lvl9pPr>
+          </a:lstStyle>
+          <a:p>
+            <a:pPr algn="ctr"/>
+            <a:endParaRPr lang="fr-FR"/>
+          </a:p>
+        </p:txBody>
+      </p:sp>
+      <p:sp>
+        <p:nvSpPr>
+          <p:cNvPr id="8" name="Rectangle à coins arrondis 7"/>
+          <p:cNvSpPr/>
+          <p:nvPr/>
+        </p:nvSpPr>
+        <p:spPr>
+          <a:xfrm>
+            <a:off x="323528" y="2708920"/>
+            <a:ext cx="2088232" cy="1440160"/>
+          </a:xfrm>
+          <a:prstGeom prst="roundRect">
+            <a:avLst/>
+          </a:prstGeom>
+        </p:spPr>
+        <p:style>
+          <a:lnRef idx="2">
+            <a:schemeClr val="accent1">
+              <a:shade val="50000"/>
+            </a:schemeClr>
+          </a:lnRef>
+          <a:fillRef idx="1">
+            <a:schemeClr val="accent1"/>
+          </a:fillRef>
+          <a:effectRef idx="0">
+            <a:schemeClr val="accent1"/>
+          </a:effectRef>
+          <a:fontRef idx="minor">
+            <a:schemeClr val="lt1"/>
+          </a:fontRef>
+        </p:style>
+        <p:txBody>
+          <a:bodyPr rtlCol="0" anchor="ctr"/>
+          <a:lstStyle>
+            <a:defPPr>
+              <a:defRPr lang="nl-NL"/>
+            </a:defPPr>
+            <a:lvl1pPr algn="l" rtl="0" fontAlgn="base">
+              <a:spcBef>
+                <a:spcPct val="0"/>
+              </a:spcBef>
+              <a:spcAft>
+                <a:spcPct val="0"/>
+              </a:spcAft>
+              <a:defRPr kern="1200">
+                <a:solidFill>
+                  <a:schemeClr val="lt1"/>
+                </a:solidFill>
+                <a:latin typeface="+mn-lt"/>
+                <a:ea typeface="+mn-ea"/>
+                <a:cs typeface="+mn-cs"/>
+              </a:defRPr>
+            </a:lvl1pPr>
+            <a:lvl2pPr marL="457200" algn="l" rtl="0" fontAlgn="base">
+              <a:spcBef>
+                <a:spcPct val="0"/>
+              </a:spcBef>
+              <a:spcAft>
+                <a:spcPct val="0"/>
+              </a:spcAft>
+              <a:defRPr kern="1200">
+                <a:solidFill>
+                  <a:schemeClr val="lt1"/>
+                </a:solidFill>
+                <a:latin typeface="+mn-lt"/>
+                <a:ea typeface="+mn-ea"/>
+                <a:cs typeface="+mn-cs"/>
+              </a:defRPr>
+            </a:lvl2pPr>
+            <a:lvl3pPr marL="914400" algn="l" rtl="0" fontAlgn="base">
+              <a:spcBef>
+                <a:spcPct val="0"/>
+              </a:spcBef>
+              <a:spcAft>
+                <a:spcPct val="0"/>
+              </a:spcAft>
+              <a:defRPr kern="1200">
+                <a:solidFill>
+                  <a:schemeClr val="lt1"/>
+                </a:solidFill>
+                <a:latin typeface="+mn-lt"/>
+                <a:ea typeface="+mn-ea"/>
+                <a:cs typeface="+mn-cs"/>
+              </a:defRPr>
+            </a:lvl3pPr>
+            <a:lvl4pPr marL="1371600" algn="l" rtl="0" fontAlgn="base">
+              <a:spcBef>
+                <a:spcPct val="0"/>
+              </a:spcBef>
+              <a:spcAft>
+                <a:spcPct val="0"/>
+              </a:spcAft>
+              <a:defRPr kern="1200">
+                <a:solidFill>
+                  <a:schemeClr val="lt1"/>
+                </a:solidFill>
+                <a:latin typeface="+mn-lt"/>
+                <a:ea typeface="+mn-ea"/>
+                <a:cs typeface="+mn-cs"/>
+              </a:defRPr>
+            </a:lvl4pPr>
+            <a:lvl5pPr marL="1828800" algn="l" rtl="0" fontAlgn="base">
+              <a:spcBef>
+                <a:spcPct val="0"/>
+              </a:spcBef>
+              <a:spcAft>
+                <a:spcPct val="0"/>
+              </a:spcAft>
+              <a:defRPr kern="1200">
+                <a:solidFill>
+                  <a:schemeClr val="lt1"/>
+                </a:solidFill>
+                <a:latin typeface="+mn-lt"/>
+                <a:ea typeface="+mn-ea"/>
+                <a:cs typeface="+mn-cs"/>
+              </a:defRPr>
+            </a:lvl5pPr>
+            <a:lvl6pPr marL="2286000" algn="l" defTabSz="914400" rtl="0" eaLnBrk="1" latinLnBrk="0" hangingPunct="1">
+              <a:defRPr kern="1200">
+                <a:solidFill>
+                  <a:schemeClr val="lt1"/>
+                </a:solidFill>
+                <a:latin typeface="+mn-lt"/>
+                <a:ea typeface="+mn-ea"/>
+                <a:cs typeface="+mn-cs"/>
+              </a:defRPr>
+            </a:lvl6pPr>
+            <a:lvl7pPr marL="2743200" algn="l" defTabSz="914400" rtl="0" eaLnBrk="1" latinLnBrk="0" hangingPunct="1">
+              <a:defRPr kern="1200">
+                <a:solidFill>
+                  <a:schemeClr val="lt1"/>
+                </a:solidFill>
+                <a:latin typeface="+mn-lt"/>
+                <a:ea typeface="+mn-ea"/>
+                <a:cs typeface="+mn-cs"/>
+              </a:defRPr>
+            </a:lvl7pPr>
+            <a:lvl8pPr marL="3200400" algn="l" defTabSz="914400" rtl="0" eaLnBrk="1" latinLnBrk="0" hangingPunct="1">
+              <a:defRPr kern="1200">
+                <a:solidFill>
+                  <a:schemeClr val="lt1"/>
+                </a:solidFill>
+                <a:latin typeface="+mn-lt"/>
+                <a:ea typeface="+mn-ea"/>
+                <a:cs typeface="+mn-cs"/>
+              </a:defRPr>
+            </a:lvl8pPr>
+            <a:lvl9pPr marL="3657600" algn="l" defTabSz="914400" rtl="0" eaLnBrk="1" latinLnBrk="0" hangingPunct="1">
+              <a:defRPr kern="1200">
+                <a:solidFill>
+                  <a:schemeClr val="lt1"/>
+                </a:solidFill>
+                <a:latin typeface="+mn-lt"/>
+                <a:ea typeface="+mn-ea"/>
+                <a:cs typeface="+mn-cs"/>
+              </a:defRPr>
+            </a:lvl9pPr>
+          </a:lstStyle>
+          <a:p>
+            <a:pPr algn="ctr"/>
+            <a:r>
+              <a:rPr lang="fr-FR" i="1" dirty="0" smtClean="0"/>
+              <a:t>(Partition Key)</a:t>
+            </a:r>
+          </a:p>
+          <a:p>
+            <a:pPr algn="ctr"/>
+            <a:r>
+              <a:rPr lang="fr-FR" dirty="0" smtClean="0"/>
+              <a:t>« user001 »</a:t>
+            </a:r>
+            <a:endParaRPr lang="fr-FR" dirty="0"/>
+          </a:p>
+        </p:txBody>
+      </p:sp>
+      <p:sp>
+        <p:nvSpPr>
+          <p:cNvPr id="9" name="Rectangle 8"/>
+          <p:cNvSpPr/>
+          <p:nvPr/>
+        </p:nvSpPr>
+        <p:spPr>
+          <a:xfrm>
+            <a:off x="2843808" y="2852936"/>
+            <a:ext cx="1512168" cy="360040"/>
+          </a:xfrm>
+          <a:prstGeom prst="rect">
+            <a:avLst/>
+          </a:prstGeom>
+          <a:solidFill>
+            <a:srgbClr val="FFC000"/>
+          </a:solidFill>
+        </p:spPr>
+        <p:style>
+          <a:lnRef idx="2">
+            <a:schemeClr val="accent1">
+              <a:shade val="50000"/>
+            </a:schemeClr>
+          </a:lnRef>
+          <a:fillRef idx="1">
+            <a:schemeClr val="accent1"/>
+          </a:fillRef>
+          <a:effectRef idx="0">
+            <a:schemeClr val="accent1"/>
+          </a:effectRef>
+          <a:fontRef idx="minor">
+            <a:schemeClr val="lt1"/>
+          </a:fontRef>
+        </p:style>
+        <p:txBody>
+          <a:bodyPr rtlCol="0" anchor="ctr"/>
+          <a:lstStyle>
+            <a:defPPr>
+              <a:defRPr lang="nl-NL"/>
+            </a:defPPr>
+            <a:lvl1pPr algn="l" rtl="0" fontAlgn="base">
+              <a:spcBef>
+                <a:spcPct val="0"/>
+              </a:spcBef>
+              <a:spcAft>
+                <a:spcPct val="0"/>
+              </a:spcAft>
+              <a:defRPr kern="1200">
+                <a:solidFill>
+                  <a:schemeClr val="lt1"/>
+                </a:solidFill>
+                <a:latin typeface="+mn-lt"/>
+                <a:ea typeface="+mn-ea"/>
+                <a:cs typeface="+mn-cs"/>
+              </a:defRPr>
+            </a:lvl1pPr>
+            <a:lvl2pPr marL="457200" algn="l" rtl="0" fontAlgn="base">
+              <a:spcBef>
+                <a:spcPct val="0"/>
+              </a:spcBef>
+              <a:spcAft>
+                <a:spcPct val="0"/>
+              </a:spcAft>
+              <a:defRPr kern="1200">
+                <a:solidFill>
+                  <a:schemeClr val="lt1"/>
+                </a:solidFill>
+                <a:latin typeface="+mn-lt"/>
+                <a:ea typeface="+mn-ea"/>
+                <a:cs typeface="+mn-cs"/>
+              </a:defRPr>
+            </a:lvl2pPr>
+            <a:lvl3pPr marL="914400" algn="l" rtl="0" fontAlgn="base">
+              <a:spcBef>
+                <a:spcPct val="0"/>
+              </a:spcBef>
+              <a:spcAft>
+                <a:spcPct val="0"/>
+              </a:spcAft>
+              <a:defRPr kern="1200">
+                <a:solidFill>
+                  <a:schemeClr val="lt1"/>
+                </a:solidFill>
+                <a:latin typeface="+mn-lt"/>
+                <a:ea typeface="+mn-ea"/>
+                <a:cs typeface="+mn-cs"/>
+              </a:defRPr>
+            </a:lvl3pPr>
+            <a:lvl4pPr marL="1371600" algn="l" rtl="0" fontAlgn="base">
+              <a:spcBef>
+                <a:spcPct val="0"/>
+              </a:spcBef>
+              <a:spcAft>
+                <a:spcPct val="0"/>
+              </a:spcAft>
+              <a:defRPr kern="1200">
+                <a:solidFill>
+                  <a:schemeClr val="lt1"/>
+                </a:solidFill>
+                <a:latin typeface="+mn-lt"/>
+                <a:ea typeface="+mn-ea"/>
+                <a:cs typeface="+mn-cs"/>
+              </a:defRPr>
+            </a:lvl4pPr>
+            <a:lvl5pPr marL="1828800" algn="l" rtl="0" fontAlgn="base">
+              <a:spcBef>
+                <a:spcPct val="0"/>
+              </a:spcBef>
+              <a:spcAft>
+                <a:spcPct val="0"/>
+              </a:spcAft>
+              <a:defRPr kern="1200">
+                <a:solidFill>
+                  <a:schemeClr val="lt1"/>
+                </a:solidFill>
+                <a:latin typeface="+mn-lt"/>
+                <a:ea typeface="+mn-ea"/>
+                <a:cs typeface="+mn-cs"/>
+              </a:defRPr>
+            </a:lvl5pPr>
+            <a:lvl6pPr marL="2286000" algn="l" defTabSz="914400" rtl="0" eaLnBrk="1" latinLnBrk="0" hangingPunct="1">
+              <a:defRPr kern="1200">
+                <a:solidFill>
+                  <a:schemeClr val="lt1"/>
+                </a:solidFill>
+                <a:latin typeface="+mn-lt"/>
+                <a:ea typeface="+mn-ea"/>
+                <a:cs typeface="+mn-cs"/>
+              </a:defRPr>
+            </a:lvl6pPr>
+            <a:lvl7pPr marL="2743200" algn="l" defTabSz="914400" rtl="0" eaLnBrk="1" latinLnBrk="0" hangingPunct="1">
+              <a:defRPr kern="1200">
+                <a:solidFill>
+                  <a:schemeClr val="lt1"/>
+                </a:solidFill>
+                <a:latin typeface="+mn-lt"/>
+                <a:ea typeface="+mn-ea"/>
+                <a:cs typeface="+mn-cs"/>
+              </a:defRPr>
+            </a:lvl7pPr>
+            <a:lvl8pPr marL="3200400" algn="l" defTabSz="914400" rtl="0" eaLnBrk="1" latinLnBrk="0" hangingPunct="1">
+              <a:defRPr kern="1200">
+                <a:solidFill>
+                  <a:schemeClr val="lt1"/>
+                </a:solidFill>
+                <a:latin typeface="+mn-lt"/>
+                <a:ea typeface="+mn-ea"/>
+                <a:cs typeface="+mn-cs"/>
+              </a:defRPr>
+            </a:lvl8pPr>
+            <a:lvl9pPr marL="3657600" algn="l" defTabSz="914400" rtl="0" eaLnBrk="1" latinLnBrk="0" hangingPunct="1">
+              <a:defRPr kern="1200">
+                <a:solidFill>
+                  <a:schemeClr val="lt1"/>
+                </a:solidFill>
+                <a:latin typeface="+mn-lt"/>
+                <a:ea typeface="+mn-ea"/>
+                <a:cs typeface="+mn-cs"/>
+              </a:defRPr>
+            </a:lvl9pPr>
+          </a:lstStyle>
+          <a:p>
+            <a:pPr algn="ctr"/>
+            <a:r>
               <a:rPr lang="fr-FR" dirty="0" smtClean="0"/>
               <a:t>email</a:t>
             </a:r>
@@ -4286,7 +6491,7 @@
             <a:pPr algn="ctr"/>
             <a:r>
               <a:rPr lang="fr-FR" dirty="0" err="1" smtClean="0"/>
-              <a:t>toto@gmail</a:t>
+              <a:t>jdoe@gmail</a:t>
             </a:r>
             <a:endParaRPr lang="fr-FR" dirty="0"/>
           </a:p>
@@ -5284,7 +7489,7 @@
     </p:spTree>
     <p:extLst>
       <p:ext uri="{BB962C8B-B14F-4D97-AF65-F5344CB8AC3E}">
-        <p14:creationId xmlns:p14="http://schemas.microsoft.com/office/powerpoint/2010/main" val="3206961296"/>
+        <p14:creationId xmlns:p14="http://schemas.microsoft.com/office/powerpoint/2010/main" val="3324481457"/>
       </p:ext>
     </p:extLst>
   </p:cSld>
@@ -5294,7 +7499,7 @@
 </p:sld>
 </file>
 
-<file path=ppt/slides/slide2.xml><?xml version="1.0" encoding="utf-8"?>
+<file path=ppt/slides/slide3.xml><?xml version="1.0" encoding="utf-8"?>
 <p:sld xmlns:a="http://schemas.openxmlformats.org/drawingml/2006/main" xmlns:r="http://schemas.openxmlformats.org/officeDocument/2006/relationships" xmlns:p="http://schemas.openxmlformats.org/presentationml/2006/main">
   <p:cSld>
     <p:spTree>
@@ -5802,22 +8007,14 @@
             <a:pPr algn="ctr"/>
             <a:r>
               <a:rPr lang="fr-FR" sz="1000" i="1" dirty="0" smtClean="0"/>
-              <a:t>(</a:t>
-            </a:r>
-            <a:r>
-              <a:rPr lang="fr-FR" sz="1000" i="1" dirty="0" err="1" smtClean="0"/>
-              <a:t>Row</a:t>
-            </a:r>
-            <a:r>
-              <a:rPr lang="fr-FR" sz="1000" i="1" dirty="0" smtClean="0"/>
-              <a:t> Key)</a:t>
+              <a:t>(Partition Key)</a:t>
             </a:r>
           </a:p>
           <a:p>
             <a:pPr algn="ctr"/>
             <a:r>
               <a:rPr lang="fr-FR" sz="1000" dirty="0" smtClean="0"/>
-              <a:t>img001</a:t>
+              <a:t>object001</a:t>
             </a:r>
             <a:endParaRPr lang="fr-FR" sz="1000" dirty="0"/>
           </a:p>
@@ -5825,14 +8022,14 @@
       </p:sp>
       <p:sp>
         <p:nvSpPr>
-          <p:cNvPr id="7" name="Rectangle 6"/>
+          <p:cNvPr id="8" name="Rectangle 7"/>
           <p:cNvSpPr/>
           <p:nvPr/>
         </p:nvSpPr>
         <p:spPr>
           <a:xfrm>
-            <a:off x="2348379" y="2242350"/>
-            <a:ext cx="1071493" cy="360040"/>
+            <a:off x="2699792" y="2242350"/>
+            <a:ext cx="1637927" cy="360040"/>
           </a:xfrm>
           <a:prstGeom prst="rect">
             <a:avLst/>
@@ -5988,7 +8185,7 @@
             <a:pPr algn="ctr"/>
             <a:r>
               <a:rPr lang="fr-FR" sz="1000" dirty="0" smtClean="0"/>
-              <a:t>128x128:format</a:t>
+              <a:t>201811091600:pressure</a:t>
             </a:r>
             <a:endParaRPr lang="fr-FR" sz="1000" dirty="0"/>
           </a:p>
@@ -5996,14 +8193,14 @@
       </p:sp>
       <p:sp>
         <p:nvSpPr>
-          <p:cNvPr id="8" name="Rectangle 7"/>
+          <p:cNvPr id="10" name="Rectangle 9"/>
           <p:cNvSpPr/>
           <p:nvPr/>
         </p:nvSpPr>
         <p:spPr>
           <a:xfrm>
-            <a:off x="3419872" y="2242350"/>
-            <a:ext cx="917847" cy="360040"/>
+            <a:off x="2699792" y="2707438"/>
+            <a:ext cx="1637927" cy="360040"/>
           </a:xfrm>
           <a:prstGeom prst="rect">
             <a:avLst/>
@@ -6159,22 +8356,61 @@
             <a:pPr algn="ctr"/>
             <a:r>
               <a:rPr lang="fr-FR" sz="1000" dirty="0" smtClean="0"/>
-              <a:t>128x128:size</a:t>
+              <a:t>1022,5</a:t>
             </a:r>
             <a:endParaRPr lang="fr-FR" sz="1000" dirty="0"/>
           </a:p>
         </p:txBody>
       </p:sp>
+      <p:cxnSp>
+        <p:nvCxnSpPr>
+          <p:cNvPr id="12" name="Connecteur droit 11"/>
+          <p:cNvCxnSpPr>
+            <a:stCxn id="8" idx="2"/>
+            <a:endCxn id="10" idx="0"/>
+          </p:cNvCxnSpPr>
+          <p:nvPr/>
+        </p:nvCxnSpPr>
+        <p:spPr>
+          <a:xfrm>
+            <a:off x="3518756" y="2602390"/>
+            <a:ext cx="0" cy="105048"/>
+          </a:xfrm>
+          <a:prstGeom prst="line">
+            <a:avLst/>
+          </a:prstGeom>
+          <a:ln w="12700">
+            <a:solidFill>
+              <a:srgbClr val="C00000"/>
+            </a:solidFill>
+            <a:prstDash val="dash"/>
+          </a:ln>
+        </p:spPr>
+        <p:style>
+          <a:lnRef idx="1">
+            <a:schemeClr val="accent1"/>
+          </a:lnRef>
+          <a:fillRef idx="0">
+            <a:schemeClr val="accent1"/>
+          </a:fillRef>
+          <a:effectRef idx="0">
+            <a:schemeClr val="accent1"/>
+          </a:effectRef>
+          <a:fontRef idx="minor">
+            <a:schemeClr val="tx1"/>
+          </a:fontRef>
+        </p:style>
+      </p:cxnSp>
       <p:sp>
         <p:nvSpPr>
-          <p:cNvPr id="9" name="Rectangle 8"/>
+          <p:cNvPr id="13" name="Rectangle 12"/>
           <p:cNvSpPr/>
           <p:nvPr/>
         </p:nvSpPr>
         <p:spPr>
           <a:xfrm>
-            <a:off x="2348379" y="2707438"/>
-            <a:ext cx="1071493" cy="360040"/>
+            <a:off x="1214507" y="2242350"/>
+            <a:ext cx="1413277" cy="360040"/>
           </a:xfrm>
           <a:prstGeom prst="rect">
             <a:avLst/>
@@ -6330,7 +8566,7 @@
             <a:pPr algn="ctr"/>
             <a:r>
               <a:rPr lang="fr-FR" sz="1000" dirty="0" smtClean="0"/>
-              <a:t>PNG</a:t>
+              <a:t>201811091600:temp</a:t>
             </a:r>
             <a:endParaRPr lang="fr-FR" sz="1000" dirty="0"/>
           </a:p>
@@ -6338,14 +8574,14 @@
       </p:sp>
       <p:sp>
         <p:nvSpPr>
-          <p:cNvPr id="10" name="Rectangle 9"/>
+          <p:cNvPr id="14" name="Rectangle 13"/>
           <p:cNvSpPr/>
           <p:nvPr/>
         </p:nvSpPr>
         <p:spPr>
           <a:xfrm>
-            <a:off x="3419872" y="2707438"/>
-            <a:ext cx="917847" cy="360040"/>
+            <a:off x="1214507" y="2707438"/>
+            <a:ext cx="1413277" cy="360040"/>
           </a:xfrm>
           <a:prstGeom prst="rect">
             <a:avLst/>
@@ -6501,427 +8737,7 @@
             <a:pPr algn="ctr"/>
             <a:r>
               <a:rPr lang="fr-FR" sz="1000" dirty="0" smtClean="0"/>
-              <a:t>1024</a:t>
-            </a:r>
-            <a:endParaRPr lang="fr-FR" sz="1000" dirty="0"/>
-          </a:p>
-        </p:txBody>
-      </p:sp>
-      <p:cxnSp>
-        <p:nvCxnSpPr>
-          <p:cNvPr id="11" name="Connecteur droit 10"/>
-          <p:cNvCxnSpPr>
-            <a:stCxn id="7" idx="2"/>
-            <a:endCxn id="9" idx="0"/>
-          </p:cNvCxnSpPr>
-          <p:nvPr/>
-        </p:nvCxnSpPr>
-        <p:spPr>
-          <a:xfrm>
-            <a:off x="2884126" y="2602390"/>
-            <a:ext cx="0" cy="105048"/>
-          </a:xfrm>
-          <a:prstGeom prst="line">
-            <a:avLst/>
-          </a:prstGeom>
-          <a:ln w="12700">
-            <a:solidFill>
-              <a:srgbClr val="C00000"/>
-            </a:solidFill>
-            <a:prstDash val="dash"/>
-          </a:ln>
-        </p:spPr>
-        <p:style>
-          <a:lnRef idx="1">
-            <a:schemeClr val="accent1"/>
-          </a:lnRef>
-          <a:fillRef idx="0">
-            <a:schemeClr val="accent1"/>
-          </a:fillRef>
-          <a:effectRef idx="0">
-            <a:schemeClr val="accent1"/>
-          </a:effectRef>
-          <a:fontRef idx="minor">
-            <a:schemeClr val="tx1"/>
-          </a:fontRef>
-        </p:style>
-      </p:cxnSp>
-      <p:cxnSp>
-        <p:nvCxnSpPr>
-          <p:cNvPr id="12" name="Connecteur droit 11"/>
-          <p:cNvCxnSpPr>
-            <a:stCxn id="8" idx="2"/>
-            <a:endCxn id="10" idx="0"/>
-          </p:cNvCxnSpPr>
-          <p:nvPr/>
-        </p:nvCxnSpPr>
-        <p:spPr>
-          <a:xfrm>
-            <a:off x="3878796" y="2602390"/>
-            <a:ext cx="0" cy="105048"/>
-          </a:xfrm>
-          <a:prstGeom prst="line">
-            <a:avLst/>
-          </a:prstGeom>
-          <a:ln w="12700">
-            <a:solidFill>
-              <a:srgbClr val="C00000"/>
-            </a:solidFill>
-            <a:prstDash val="dash"/>
-          </a:ln>
-        </p:spPr>
-        <p:style>
-          <a:lnRef idx="1">
-            <a:schemeClr val="accent1"/>
-          </a:lnRef>
-          <a:fillRef idx="0">
-            <a:schemeClr val="accent1"/>
-          </a:fillRef>
-          <a:effectRef idx="0">
-            <a:schemeClr val="accent1"/>
-          </a:effectRef>
-          <a:fontRef idx="minor">
-            <a:schemeClr val="tx1"/>
-          </a:fontRef>
-        </p:style>
-      </p:cxnSp>
-      <p:sp>
-        <p:nvSpPr>
-          <p:cNvPr id="13" name="Rectangle 12"/>
-          <p:cNvSpPr/>
-          <p:nvPr/>
-        </p:nvSpPr>
-        <p:spPr>
-          <a:xfrm>
-            <a:off x="1214507" y="2242350"/>
-            <a:ext cx="1125245" cy="360040"/>
-          </a:xfrm>
-          <a:prstGeom prst="rect">
-            <a:avLst/>
-          </a:prstGeom>
-          <a:solidFill>
-            <a:srgbClr val="FFC000"/>
-          </a:solidFill>
-        </p:spPr>
-        <p:style>
-          <a:lnRef idx="2">
-            <a:schemeClr val="accent1">
-              <a:shade val="50000"/>
-            </a:schemeClr>
-          </a:lnRef>
-          <a:fillRef idx="1">
-            <a:schemeClr val="accent1"/>
-          </a:fillRef>
-          <a:effectRef idx="0">
-            <a:schemeClr val="accent1"/>
-          </a:effectRef>
-          <a:fontRef idx="minor">
-            <a:schemeClr val="lt1"/>
-          </a:fontRef>
-        </p:style>
-        <p:txBody>
-          <a:bodyPr rtlCol="0" anchor="ctr"/>
-          <a:lstStyle>
-            <a:defPPr>
-              <a:defRPr lang="nl-NL"/>
-            </a:defPPr>
-            <a:lvl1pPr algn="l" rtl="0" fontAlgn="base">
-              <a:spcBef>
-                <a:spcPct val="0"/>
-              </a:spcBef>
-              <a:spcAft>
-                <a:spcPct val="0"/>
-              </a:spcAft>
-              <a:defRPr kern="1200">
-                <a:solidFill>
-                  <a:schemeClr val="lt1"/>
-                </a:solidFill>
-                <a:latin typeface="+mn-lt"/>
-                <a:ea typeface="+mn-ea"/>
-                <a:cs typeface="+mn-cs"/>
-              </a:defRPr>
-            </a:lvl1pPr>
-            <a:lvl2pPr marL="457200" algn="l" rtl="0" fontAlgn="base">
-              <a:spcBef>
-                <a:spcPct val="0"/>
-              </a:spcBef>
-              <a:spcAft>
-                <a:spcPct val="0"/>
-              </a:spcAft>
-              <a:defRPr kern="1200">
-                <a:solidFill>
-                  <a:schemeClr val="lt1"/>
-                </a:solidFill>
-                <a:latin typeface="+mn-lt"/>
-                <a:ea typeface="+mn-ea"/>
-                <a:cs typeface="+mn-cs"/>
-              </a:defRPr>
-            </a:lvl2pPr>
-            <a:lvl3pPr marL="914400" algn="l" rtl="0" fontAlgn="base">
-              <a:spcBef>
-                <a:spcPct val="0"/>
-              </a:spcBef>
-              <a:spcAft>
-                <a:spcPct val="0"/>
-              </a:spcAft>
-              <a:defRPr kern="1200">
-                <a:solidFill>
-                  <a:schemeClr val="lt1"/>
-                </a:solidFill>
-                <a:latin typeface="+mn-lt"/>
-                <a:ea typeface="+mn-ea"/>
-                <a:cs typeface="+mn-cs"/>
-              </a:defRPr>
-            </a:lvl3pPr>
-            <a:lvl4pPr marL="1371600" algn="l" rtl="0" fontAlgn="base">
-              <a:spcBef>
-                <a:spcPct val="0"/>
-              </a:spcBef>
-              <a:spcAft>
-                <a:spcPct val="0"/>
-              </a:spcAft>
-              <a:defRPr kern="1200">
-                <a:solidFill>
-                  <a:schemeClr val="lt1"/>
-                </a:solidFill>
-                <a:latin typeface="+mn-lt"/>
-                <a:ea typeface="+mn-ea"/>
-                <a:cs typeface="+mn-cs"/>
-              </a:defRPr>
-            </a:lvl4pPr>
-            <a:lvl5pPr marL="1828800" algn="l" rtl="0" fontAlgn="base">
-              <a:spcBef>
-                <a:spcPct val="0"/>
-              </a:spcBef>
-              <a:spcAft>
-                <a:spcPct val="0"/>
-              </a:spcAft>
-              <a:defRPr kern="1200">
-                <a:solidFill>
-                  <a:schemeClr val="lt1"/>
-                </a:solidFill>
-                <a:latin typeface="+mn-lt"/>
-                <a:ea typeface="+mn-ea"/>
-                <a:cs typeface="+mn-cs"/>
-              </a:defRPr>
-            </a:lvl5pPr>
-            <a:lvl6pPr marL="2286000" algn="l" defTabSz="914400" rtl="0" eaLnBrk="1" latinLnBrk="0" hangingPunct="1">
-              <a:defRPr kern="1200">
-                <a:solidFill>
-                  <a:schemeClr val="lt1"/>
-                </a:solidFill>
-                <a:latin typeface="+mn-lt"/>
-                <a:ea typeface="+mn-ea"/>
-                <a:cs typeface="+mn-cs"/>
-              </a:defRPr>
-            </a:lvl6pPr>
-            <a:lvl7pPr marL="2743200" algn="l" defTabSz="914400" rtl="0" eaLnBrk="1" latinLnBrk="0" hangingPunct="1">
-              <a:defRPr kern="1200">
-                <a:solidFill>
-                  <a:schemeClr val="lt1"/>
-                </a:solidFill>
-                <a:latin typeface="+mn-lt"/>
-                <a:ea typeface="+mn-ea"/>
-                <a:cs typeface="+mn-cs"/>
-              </a:defRPr>
-            </a:lvl7pPr>
-            <a:lvl8pPr marL="3200400" algn="l" defTabSz="914400" rtl="0" eaLnBrk="1" latinLnBrk="0" hangingPunct="1">
-              <a:defRPr kern="1200">
-                <a:solidFill>
-                  <a:schemeClr val="lt1"/>
-                </a:solidFill>
-                <a:latin typeface="+mn-lt"/>
-                <a:ea typeface="+mn-ea"/>
-                <a:cs typeface="+mn-cs"/>
-              </a:defRPr>
-            </a:lvl8pPr>
-            <a:lvl9pPr marL="3657600" algn="l" defTabSz="914400" rtl="0" eaLnBrk="1" latinLnBrk="0" hangingPunct="1">
-              <a:defRPr kern="1200">
-                <a:solidFill>
-                  <a:schemeClr val="lt1"/>
-                </a:solidFill>
-                <a:latin typeface="+mn-lt"/>
-                <a:ea typeface="+mn-ea"/>
-                <a:cs typeface="+mn-cs"/>
-              </a:defRPr>
-            </a:lvl9pPr>
-          </a:lstStyle>
-          <a:p>
-            <a:pPr algn="ctr"/>
-            <a:r>
-              <a:rPr lang="fr-FR" sz="1000" dirty="0" smtClean="0"/>
-              <a:t>128x128:creation</a:t>
-            </a:r>
-            <a:endParaRPr lang="fr-FR" sz="1000" dirty="0"/>
-          </a:p>
-        </p:txBody>
-      </p:sp>
-      <p:sp>
-        <p:nvSpPr>
-          <p:cNvPr id="14" name="Rectangle 13"/>
-          <p:cNvSpPr/>
-          <p:nvPr/>
-        </p:nvSpPr>
-        <p:spPr>
-          <a:xfrm>
-            <a:off x="1214507" y="2707438"/>
-            <a:ext cx="1125245" cy="360040"/>
-          </a:xfrm>
-          <a:prstGeom prst="rect">
-            <a:avLst/>
-          </a:prstGeom>
-          <a:solidFill>
-            <a:srgbClr val="FFC000"/>
-          </a:solidFill>
-        </p:spPr>
-        <p:style>
-          <a:lnRef idx="2">
-            <a:schemeClr val="accent1">
-              <a:shade val="50000"/>
-            </a:schemeClr>
-          </a:lnRef>
-          <a:fillRef idx="1">
-            <a:schemeClr val="accent1"/>
-          </a:fillRef>
-          <a:effectRef idx="0">
-            <a:schemeClr val="accent1"/>
-          </a:effectRef>
-          <a:fontRef idx="minor">
-            <a:schemeClr val="lt1"/>
-          </a:fontRef>
-        </p:style>
-        <p:txBody>
-          <a:bodyPr rtlCol="0" anchor="ctr"/>
-          <a:lstStyle>
-            <a:defPPr>
-              <a:defRPr lang="nl-NL"/>
-            </a:defPPr>
-            <a:lvl1pPr algn="l" rtl="0" fontAlgn="base">
-              <a:spcBef>
-                <a:spcPct val="0"/>
-              </a:spcBef>
-              <a:spcAft>
-                <a:spcPct val="0"/>
-              </a:spcAft>
-              <a:defRPr kern="1200">
-                <a:solidFill>
-                  <a:schemeClr val="lt1"/>
-                </a:solidFill>
-                <a:latin typeface="+mn-lt"/>
-                <a:ea typeface="+mn-ea"/>
-                <a:cs typeface="+mn-cs"/>
-              </a:defRPr>
-            </a:lvl1pPr>
-            <a:lvl2pPr marL="457200" algn="l" rtl="0" fontAlgn="base">
-              <a:spcBef>
-                <a:spcPct val="0"/>
-              </a:spcBef>
-              <a:spcAft>
-                <a:spcPct val="0"/>
-              </a:spcAft>
-              <a:defRPr kern="1200">
-                <a:solidFill>
-                  <a:schemeClr val="lt1"/>
-                </a:solidFill>
-                <a:latin typeface="+mn-lt"/>
-                <a:ea typeface="+mn-ea"/>
-                <a:cs typeface="+mn-cs"/>
-              </a:defRPr>
-            </a:lvl2pPr>
-            <a:lvl3pPr marL="914400" algn="l" rtl="0" fontAlgn="base">
-              <a:spcBef>
-                <a:spcPct val="0"/>
-              </a:spcBef>
-              <a:spcAft>
-                <a:spcPct val="0"/>
-              </a:spcAft>
-              <a:defRPr kern="1200">
-                <a:solidFill>
-                  <a:schemeClr val="lt1"/>
-                </a:solidFill>
-                <a:latin typeface="+mn-lt"/>
-                <a:ea typeface="+mn-ea"/>
-                <a:cs typeface="+mn-cs"/>
-              </a:defRPr>
-            </a:lvl3pPr>
-            <a:lvl4pPr marL="1371600" algn="l" rtl="0" fontAlgn="base">
-              <a:spcBef>
-                <a:spcPct val="0"/>
-              </a:spcBef>
-              <a:spcAft>
-                <a:spcPct val="0"/>
-              </a:spcAft>
-              <a:defRPr kern="1200">
-                <a:solidFill>
-                  <a:schemeClr val="lt1"/>
-                </a:solidFill>
-                <a:latin typeface="+mn-lt"/>
-                <a:ea typeface="+mn-ea"/>
-                <a:cs typeface="+mn-cs"/>
-              </a:defRPr>
-            </a:lvl4pPr>
-            <a:lvl5pPr marL="1828800" algn="l" rtl="0" fontAlgn="base">
-              <a:spcBef>
-                <a:spcPct val="0"/>
-              </a:spcBef>
-              <a:spcAft>
-                <a:spcPct val="0"/>
-              </a:spcAft>
-              <a:defRPr kern="1200">
-                <a:solidFill>
-                  <a:schemeClr val="lt1"/>
-                </a:solidFill>
-                <a:latin typeface="+mn-lt"/>
-                <a:ea typeface="+mn-ea"/>
-                <a:cs typeface="+mn-cs"/>
-              </a:defRPr>
-            </a:lvl5pPr>
-            <a:lvl6pPr marL="2286000" algn="l" defTabSz="914400" rtl="0" eaLnBrk="1" latinLnBrk="0" hangingPunct="1">
-              <a:defRPr kern="1200">
-                <a:solidFill>
-                  <a:schemeClr val="lt1"/>
-                </a:solidFill>
-                <a:latin typeface="+mn-lt"/>
-                <a:ea typeface="+mn-ea"/>
-                <a:cs typeface="+mn-cs"/>
-              </a:defRPr>
-            </a:lvl6pPr>
-            <a:lvl7pPr marL="2743200" algn="l" defTabSz="914400" rtl="0" eaLnBrk="1" latinLnBrk="0" hangingPunct="1">
-              <a:defRPr kern="1200">
-                <a:solidFill>
-                  <a:schemeClr val="lt1"/>
-                </a:solidFill>
-                <a:latin typeface="+mn-lt"/>
-                <a:ea typeface="+mn-ea"/>
-                <a:cs typeface="+mn-cs"/>
-              </a:defRPr>
-            </a:lvl7pPr>
-            <a:lvl8pPr marL="3200400" algn="l" defTabSz="914400" rtl="0" eaLnBrk="1" latinLnBrk="0" hangingPunct="1">
-              <a:defRPr kern="1200">
-                <a:solidFill>
-                  <a:schemeClr val="lt1"/>
-                </a:solidFill>
-                <a:latin typeface="+mn-lt"/>
-                <a:ea typeface="+mn-ea"/>
-                <a:cs typeface="+mn-cs"/>
-              </a:defRPr>
-            </a:lvl8pPr>
-            <a:lvl9pPr marL="3657600" algn="l" defTabSz="914400" rtl="0" eaLnBrk="1" latinLnBrk="0" hangingPunct="1">
-              <a:defRPr kern="1200">
-                <a:solidFill>
-                  <a:schemeClr val="lt1"/>
-                </a:solidFill>
-                <a:latin typeface="+mn-lt"/>
-                <a:ea typeface="+mn-ea"/>
-                <a:cs typeface="+mn-cs"/>
-              </a:defRPr>
-            </a:lvl9pPr>
-          </a:lstStyle>
-          <a:p>
-            <a:pPr algn="ctr"/>
-            <a:r>
-              <a:rPr lang="fr-FR" sz="1000" dirty="0" smtClean="0"/>
-              <a:t>07/12/2015 15:11</a:t>
+              <a:t>22,6</a:t>
             </a:r>
             <a:endParaRPr lang="fr-FR" sz="1000" dirty="0"/>
           </a:p>
@@ -6938,1318 +8754,7 @@
         </p:nvCxnSpPr>
         <p:spPr>
           <a:xfrm>
-            <a:off x="1777130" y="2602390"/>
-            <a:ext cx="0" cy="105048"/>
-          </a:xfrm>
-          <a:prstGeom prst="line">
-            <a:avLst/>
-          </a:prstGeom>
-          <a:ln w="12700">
-            <a:solidFill>
-              <a:srgbClr val="C00000"/>
-            </a:solidFill>
-            <a:prstDash val="dash"/>
-          </a:ln>
-        </p:spPr>
-        <p:style>
-          <a:lnRef idx="1">
-            <a:schemeClr val="accent1"/>
-          </a:lnRef>
-          <a:fillRef idx="0">
-            <a:schemeClr val="accent1"/>
-          </a:fillRef>
-          <a:effectRef idx="0">
-            <a:schemeClr val="accent1"/>
-          </a:effectRef>
-          <a:fontRef idx="minor">
-            <a:schemeClr val="tx1"/>
-          </a:fontRef>
-        </p:style>
-      </p:cxnSp>
-      <p:sp>
-        <p:nvSpPr>
-          <p:cNvPr id="44" name="Rectangle à coins arrondis 43"/>
-          <p:cNvSpPr/>
-          <p:nvPr/>
-        </p:nvSpPr>
-        <p:spPr>
-          <a:xfrm>
-            <a:off x="4499992" y="2167378"/>
-            <a:ext cx="3312368" cy="972108"/>
-          </a:xfrm>
-          <a:prstGeom prst="roundRect">
-            <a:avLst/>
-          </a:prstGeom>
-        </p:spPr>
-        <p:style>
-          <a:lnRef idx="2">
-            <a:schemeClr val="accent1">
-              <a:shade val="50000"/>
-            </a:schemeClr>
-          </a:lnRef>
-          <a:fillRef idx="1">
-            <a:schemeClr val="accent1"/>
-          </a:fillRef>
-          <a:effectRef idx="0">
-            <a:schemeClr val="accent1"/>
-          </a:effectRef>
-          <a:fontRef idx="minor">
-            <a:schemeClr val="lt1"/>
-          </a:fontRef>
-        </p:style>
-        <p:txBody>
-          <a:bodyPr rtlCol="0" anchor="ctr"/>
-          <a:lstStyle>
-            <a:defPPr>
-              <a:defRPr lang="nl-NL"/>
-            </a:defPPr>
-            <a:lvl1pPr algn="l" rtl="0" fontAlgn="base">
-              <a:spcBef>
-                <a:spcPct val="0"/>
-              </a:spcBef>
-              <a:spcAft>
-                <a:spcPct val="0"/>
-              </a:spcAft>
-              <a:defRPr kern="1200">
-                <a:solidFill>
-                  <a:schemeClr val="lt1"/>
-                </a:solidFill>
-                <a:latin typeface="+mn-lt"/>
-                <a:ea typeface="+mn-ea"/>
-                <a:cs typeface="+mn-cs"/>
-              </a:defRPr>
-            </a:lvl1pPr>
-            <a:lvl2pPr marL="457200" algn="l" rtl="0" fontAlgn="base">
-              <a:spcBef>
-                <a:spcPct val="0"/>
-              </a:spcBef>
-              <a:spcAft>
-                <a:spcPct val="0"/>
-              </a:spcAft>
-              <a:defRPr kern="1200">
-                <a:solidFill>
-                  <a:schemeClr val="lt1"/>
-                </a:solidFill>
-                <a:latin typeface="+mn-lt"/>
-                <a:ea typeface="+mn-ea"/>
-                <a:cs typeface="+mn-cs"/>
-              </a:defRPr>
-            </a:lvl2pPr>
-            <a:lvl3pPr marL="914400" algn="l" rtl="0" fontAlgn="base">
-              <a:spcBef>
-                <a:spcPct val="0"/>
-              </a:spcBef>
-              <a:spcAft>
-                <a:spcPct val="0"/>
-              </a:spcAft>
-              <a:defRPr kern="1200">
-                <a:solidFill>
-                  <a:schemeClr val="lt1"/>
-                </a:solidFill>
-                <a:latin typeface="+mn-lt"/>
-                <a:ea typeface="+mn-ea"/>
-                <a:cs typeface="+mn-cs"/>
-              </a:defRPr>
-            </a:lvl3pPr>
-            <a:lvl4pPr marL="1371600" algn="l" rtl="0" fontAlgn="base">
-              <a:spcBef>
-                <a:spcPct val="0"/>
-              </a:spcBef>
-              <a:spcAft>
-                <a:spcPct val="0"/>
-              </a:spcAft>
-              <a:defRPr kern="1200">
-                <a:solidFill>
-                  <a:schemeClr val="lt1"/>
-                </a:solidFill>
-                <a:latin typeface="+mn-lt"/>
-                <a:ea typeface="+mn-ea"/>
-                <a:cs typeface="+mn-cs"/>
-              </a:defRPr>
-            </a:lvl4pPr>
-            <a:lvl5pPr marL="1828800" algn="l" rtl="0" fontAlgn="base">
-              <a:spcBef>
-                <a:spcPct val="0"/>
-              </a:spcBef>
-              <a:spcAft>
-                <a:spcPct val="0"/>
-              </a:spcAft>
-              <a:defRPr kern="1200">
-                <a:solidFill>
-                  <a:schemeClr val="lt1"/>
-                </a:solidFill>
-                <a:latin typeface="+mn-lt"/>
-                <a:ea typeface="+mn-ea"/>
-                <a:cs typeface="+mn-cs"/>
-              </a:defRPr>
-            </a:lvl5pPr>
-            <a:lvl6pPr marL="2286000" algn="l" defTabSz="914400" rtl="0" eaLnBrk="1" latinLnBrk="0" hangingPunct="1">
-              <a:defRPr kern="1200">
-                <a:solidFill>
-                  <a:schemeClr val="lt1"/>
-                </a:solidFill>
-                <a:latin typeface="+mn-lt"/>
-                <a:ea typeface="+mn-ea"/>
-                <a:cs typeface="+mn-cs"/>
-              </a:defRPr>
-            </a:lvl6pPr>
-            <a:lvl7pPr marL="2743200" algn="l" defTabSz="914400" rtl="0" eaLnBrk="1" latinLnBrk="0" hangingPunct="1">
-              <a:defRPr kern="1200">
-                <a:solidFill>
-                  <a:schemeClr val="lt1"/>
-                </a:solidFill>
-                <a:latin typeface="+mn-lt"/>
-                <a:ea typeface="+mn-ea"/>
-                <a:cs typeface="+mn-cs"/>
-              </a:defRPr>
-            </a:lvl7pPr>
-            <a:lvl8pPr marL="3200400" algn="l" defTabSz="914400" rtl="0" eaLnBrk="1" latinLnBrk="0" hangingPunct="1">
-              <a:defRPr kern="1200">
-                <a:solidFill>
-                  <a:schemeClr val="lt1"/>
-                </a:solidFill>
-                <a:latin typeface="+mn-lt"/>
-                <a:ea typeface="+mn-ea"/>
-                <a:cs typeface="+mn-cs"/>
-              </a:defRPr>
-            </a:lvl8pPr>
-            <a:lvl9pPr marL="3657600" algn="l" defTabSz="914400" rtl="0" eaLnBrk="1" latinLnBrk="0" hangingPunct="1">
-              <a:defRPr kern="1200">
-                <a:solidFill>
-                  <a:schemeClr val="lt1"/>
-                </a:solidFill>
-                <a:latin typeface="+mn-lt"/>
-                <a:ea typeface="+mn-ea"/>
-                <a:cs typeface="+mn-cs"/>
-              </a:defRPr>
-            </a:lvl9pPr>
-          </a:lstStyle>
-          <a:p>
-            <a:pPr algn="ctr"/>
-            <a:endParaRPr lang="fr-FR"/>
-          </a:p>
-        </p:txBody>
-      </p:sp>
-      <p:sp>
-        <p:nvSpPr>
-          <p:cNvPr id="45" name="Rectangle 44"/>
-          <p:cNvSpPr/>
-          <p:nvPr/>
-        </p:nvSpPr>
-        <p:spPr>
-          <a:xfrm>
-            <a:off x="5724128" y="2242350"/>
-            <a:ext cx="1080119" cy="360040"/>
-          </a:xfrm>
-          <a:prstGeom prst="rect">
-            <a:avLst/>
-          </a:prstGeom>
-          <a:solidFill>
-            <a:srgbClr val="FFC000"/>
-          </a:solidFill>
-        </p:spPr>
-        <p:style>
-          <a:lnRef idx="2">
-            <a:schemeClr val="accent1">
-              <a:shade val="50000"/>
-            </a:schemeClr>
-          </a:lnRef>
-          <a:fillRef idx="1">
-            <a:schemeClr val="accent1"/>
-          </a:fillRef>
-          <a:effectRef idx="0">
-            <a:schemeClr val="accent1"/>
-          </a:effectRef>
-          <a:fontRef idx="minor">
-            <a:schemeClr val="lt1"/>
-          </a:fontRef>
-        </p:style>
-        <p:txBody>
-          <a:bodyPr rtlCol="0" anchor="ctr"/>
-          <a:lstStyle>
-            <a:defPPr>
-              <a:defRPr lang="nl-NL"/>
-            </a:defPPr>
-            <a:lvl1pPr algn="l" rtl="0" fontAlgn="base">
-              <a:spcBef>
-                <a:spcPct val="0"/>
-              </a:spcBef>
-              <a:spcAft>
-                <a:spcPct val="0"/>
-              </a:spcAft>
-              <a:defRPr kern="1200">
-                <a:solidFill>
-                  <a:schemeClr val="lt1"/>
-                </a:solidFill>
-                <a:latin typeface="+mn-lt"/>
-                <a:ea typeface="+mn-ea"/>
-                <a:cs typeface="+mn-cs"/>
-              </a:defRPr>
-            </a:lvl1pPr>
-            <a:lvl2pPr marL="457200" algn="l" rtl="0" fontAlgn="base">
-              <a:spcBef>
-                <a:spcPct val="0"/>
-              </a:spcBef>
-              <a:spcAft>
-                <a:spcPct val="0"/>
-              </a:spcAft>
-              <a:defRPr kern="1200">
-                <a:solidFill>
-                  <a:schemeClr val="lt1"/>
-                </a:solidFill>
-                <a:latin typeface="+mn-lt"/>
-                <a:ea typeface="+mn-ea"/>
-                <a:cs typeface="+mn-cs"/>
-              </a:defRPr>
-            </a:lvl2pPr>
-            <a:lvl3pPr marL="914400" algn="l" rtl="0" fontAlgn="base">
-              <a:spcBef>
-                <a:spcPct val="0"/>
-              </a:spcBef>
-              <a:spcAft>
-                <a:spcPct val="0"/>
-              </a:spcAft>
-              <a:defRPr kern="1200">
-                <a:solidFill>
-                  <a:schemeClr val="lt1"/>
-                </a:solidFill>
-                <a:latin typeface="+mn-lt"/>
-                <a:ea typeface="+mn-ea"/>
-                <a:cs typeface="+mn-cs"/>
-              </a:defRPr>
-            </a:lvl3pPr>
-            <a:lvl4pPr marL="1371600" algn="l" rtl="0" fontAlgn="base">
-              <a:spcBef>
-                <a:spcPct val="0"/>
-              </a:spcBef>
-              <a:spcAft>
-                <a:spcPct val="0"/>
-              </a:spcAft>
-              <a:defRPr kern="1200">
-                <a:solidFill>
-                  <a:schemeClr val="lt1"/>
-                </a:solidFill>
-                <a:latin typeface="+mn-lt"/>
-                <a:ea typeface="+mn-ea"/>
-                <a:cs typeface="+mn-cs"/>
-              </a:defRPr>
-            </a:lvl4pPr>
-            <a:lvl5pPr marL="1828800" algn="l" rtl="0" fontAlgn="base">
-              <a:spcBef>
-                <a:spcPct val="0"/>
-              </a:spcBef>
-              <a:spcAft>
-                <a:spcPct val="0"/>
-              </a:spcAft>
-              <a:defRPr kern="1200">
-                <a:solidFill>
-                  <a:schemeClr val="lt1"/>
-                </a:solidFill>
-                <a:latin typeface="+mn-lt"/>
-                <a:ea typeface="+mn-ea"/>
-                <a:cs typeface="+mn-cs"/>
-              </a:defRPr>
-            </a:lvl5pPr>
-            <a:lvl6pPr marL="2286000" algn="l" defTabSz="914400" rtl="0" eaLnBrk="1" latinLnBrk="0" hangingPunct="1">
-              <a:defRPr kern="1200">
-                <a:solidFill>
-                  <a:schemeClr val="lt1"/>
-                </a:solidFill>
-                <a:latin typeface="+mn-lt"/>
-                <a:ea typeface="+mn-ea"/>
-                <a:cs typeface="+mn-cs"/>
-              </a:defRPr>
-            </a:lvl6pPr>
-            <a:lvl7pPr marL="2743200" algn="l" defTabSz="914400" rtl="0" eaLnBrk="1" latinLnBrk="0" hangingPunct="1">
-              <a:defRPr kern="1200">
-                <a:solidFill>
-                  <a:schemeClr val="lt1"/>
-                </a:solidFill>
-                <a:latin typeface="+mn-lt"/>
-                <a:ea typeface="+mn-ea"/>
-                <a:cs typeface="+mn-cs"/>
-              </a:defRPr>
-            </a:lvl7pPr>
-            <a:lvl8pPr marL="3200400" algn="l" defTabSz="914400" rtl="0" eaLnBrk="1" latinLnBrk="0" hangingPunct="1">
-              <a:defRPr kern="1200">
-                <a:solidFill>
-                  <a:schemeClr val="lt1"/>
-                </a:solidFill>
-                <a:latin typeface="+mn-lt"/>
-                <a:ea typeface="+mn-ea"/>
-                <a:cs typeface="+mn-cs"/>
-              </a:defRPr>
-            </a:lvl8pPr>
-            <a:lvl9pPr marL="3657600" algn="l" defTabSz="914400" rtl="0" eaLnBrk="1" latinLnBrk="0" hangingPunct="1">
-              <a:defRPr kern="1200">
-                <a:solidFill>
-                  <a:schemeClr val="lt1"/>
-                </a:solidFill>
-                <a:latin typeface="+mn-lt"/>
-                <a:ea typeface="+mn-ea"/>
-                <a:cs typeface="+mn-cs"/>
-              </a:defRPr>
-            </a:lvl9pPr>
-          </a:lstStyle>
-          <a:p>
-            <a:pPr algn="ctr"/>
-            <a:r>
-              <a:rPr lang="fr-FR" sz="1000" dirty="0"/>
-              <a:t>800x600:format</a:t>
-            </a:r>
-            <a:endParaRPr lang="fr-FR" sz="1000" dirty="0"/>
-          </a:p>
-        </p:txBody>
-      </p:sp>
-      <p:sp>
-        <p:nvSpPr>
-          <p:cNvPr id="46" name="Rectangle 45"/>
-          <p:cNvSpPr/>
-          <p:nvPr/>
-        </p:nvSpPr>
-        <p:spPr>
-          <a:xfrm>
-            <a:off x="6804249" y="2242350"/>
-            <a:ext cx="926474" cy="360040"/>
-          </a:xfrm>
-          <a:prstGeom prst="rect">
-            <a:avLst/>
-          </a:prstGeom>
-          <a:solidFill>
-            <a:srgbClr val="FFC000"/>
-          </a:solidFill>
-        </p:spPr>
-        <p:style>
-          <a:lnRef idx="2">
-            <a:schemeClr val="accent1">
-              <a:shade val="50000"/>
-            </a:schemeClr>
-          </a:lnRef>
-          <a:fillRef idx="1">
-            <a:schemeClr val="accent1"/>
-          </a:fillRef>
-          <a:effectRef idx="0">
-            <a:schemeClr val="accent1"/>
-          </a:effectRef>
-          <a:fontRef idx="minor">
-            <a:schemeClr val="lt1"/>
-          </a:fontRef>
-        </p:style>
-        <p:txBody>
-          <a:bodyPr rtlCol="0" anchor="ctr"/>
-          <a:lstStyle>
-            <a:defPPr>
-              <a:defRPr lang="nl-NL"/>
-            </a:defPPr>
-            <a:lvl1pPr algn="l" rtl="0" fontAlgn="base">
-              <a:spcBef>
-                <a:spcPct val="0"/>
-              </a:spcBef>
-              <a:spcAft>
-                <a:spcPct val="0"/>
-              </a:spcAft>
-              <a:defRPr kern="1200">
-                <a:solidFill>
-                  <a:schemeClr val="lt1"/>
-                </a:solidFill>
-                <a:latin typeface="+mn-lt"/>
-                <a:ea typeface="+mn-ea"/>
-                <a:cs typeface="+mn-cs"/>
-              </a:defRPr>
-            </a:lvl1pPr>
-            <a:lvl2pPr marL="457200" algn="l" rtl="0" fontAlgn="base">
-              <a:spcBef>
-                <a:spcPct val="0"/>
-              </a:spcBef>
-              <a:spcAft>
-                <a:spcPct val="0"/>
-              </a:spcAft>
-              <a:defRPr kern="1200">
-                <a:solidFill>
-                  <a:schemeClr val="lt1"/>
-                </a:solidFill>
-                <a:latin typeface="+mn-lt"/>
-                <a:ea typeface="+mn-ea"/>
-                <a:cs typeface="+mn-cs"/>
-              </a:defRPr>
-            </a:lvl2pPr>
-            <a:lvl3pPr marL="914400" algn="l" rtl="0" fontAlgn="base">
-              <a:spcBef>
-                <a:spcPct val="0"/>
-              </a:spcBef>
-              <a:spcAft>
-                <a:spcPct val="0"/>
-              </a:spcAft>
-              <a:defRPr kern="1200">
-                <a:solidFill>
-                  <a:schemeClr val="lt1"/>
-                </a:solidFill>
-                <a:latin typeface="+mn-lt"/>
-                <a:ea typeface="+mn-ea"/>
-                <a:cs typeface="+mn-cs"/>
-              </a:defRPr>
-            </a:lvl3pPr>
-            <a:lvl4pPr marL="1371600" algn="l" rtl="0" fontAlgn="base">
-              <a:spcBef>
-                <a:spcPct val="0"/>
-              </a:spcBef>
-              <a:spcAft>
-                <a:spcPct val="0"/>
-              </a:spcAft>
-              <a:defRPr kern="1200">
-                <a:solidFill>
-                  <a:schemeClr val="lt1"/>
-                </a:solidFill>
-                <a:latin typeface="+mn-lt"/>
-                <a:ea typeface="+mn-ea"/>
-                <a:cs typeface="+mn-cs"/>
-              </a:defRPr>
-            </a:lvl4pPr>
-            <a:lvl5pPr marL="1828800" algn="l" rtl="0" fontAlgn="base">
-              <a:spcBef>
-                <a:spcPct val="0"/>
-              </a:spcBef>
-              <a:spcAft>
-                <a:spcPct val="0"/>
-              </a:spcAft>
-              <a:defRPr kern="1200">
-                <a:solidFill>
-                  <a:schemeClr val="lt1"/>
-                </a:solidFill>
-                <a:latin typeface="+mn-lt"/>
-                <a:ea typeface="+mn-ea"/>
-                <a:cs typeface="+mn-cs"/>
-              </a:defRPr>
-            </a:lvl5pPr>
-            <a:lvl6pPr marL="2286000" algn="l" defTabSz="914400" rtl="0" eaLnBrk="1" latinLnBrk="0" hangingPunct="1">
-              <a:defRPr kern="1200">
-                <a:solidFill>
-                  <a:schemeClr val="lt1"/>
-                </a:solidFill>
-                <a:latin typeface="+mn-lt"/>
-                <a:ea typeface="+mn-ea"/>
-                <a:cs typeface="+mn-cs"/>
-              </a:defRPr>
-            </a:lvl6pPr>
-            <a:lvl7pPr marL="2743200" algn="l" defTabSz="914400" rtl="0" eaLnBrk="1" latinLnBrk="0" hangingPunct="1">
-              <a:defRPr kern="1200">
-                <a:solidFill>
-                  <a:schemeClr val="lt1"/>
-                </a:solidFill>
-                <a:latin typeface="+mn-lt"/>
-                <a:ea typeface="+mn-ea"/>
-                <a:cs typeface="+mn-cs"/>
-              </a:defRPr>
-            </a:lvl7pPr>
-            <a:lvl8pPr marL="3200400" algn="l" defTabSz="914400" rtl="0" eaLnBrk="1" latinLnBrk="0" hangingPunct="1">
-              <a:defRPr kern="1200">
-                <a:solidFill>
-                  <a:schemeClr val="lt1"/>
-                </a:solidFill>
-                <a:latin typeface="+mn-lt"/>
-                <a:ea typeface="+mn-ea"/>
-                <a:cs typeface="+mn-cs"/>
-              </a:defRPr>
-            </a:lvl8pPr>
-            <a:lvl9pPr marL="3657600" algn="l" defTabSz="914400" rtl="0" eaLnBrk="1" latinLnBrk="0" hangingPunct="1">
-              <a:defRPr kern="1200">
-                <a:solidFill>
-                  <a:schemeClr val="lt1"/>
-                </a:solidFill>
-                <a:latin typeface="+mn-lt"/>
-                <a:ea typeface="+mn-ea"/>
-                <a:cs typeface="+mn-cs"/>
-              </a:defRPr>
-            </a:lvl9pPr>
-          </a:lstStyle>
-          <a:p>
-            <a:pPr algn="ctr"/>
-            <a:r>
-              <a:rPr lang="fr-FR" sz="1000" dirty="0"/>
-              <a:t>800x600:size</a:t>
-            </a:r>
-            <a:endParaRPr lang="fr-FR" sz="1000" dirty="0"/>
-          </a:p>
-        </p:txBody>
-      </p:sp>
-      <p:sp>
-        <p:nvSpPr>
-          <p:cNvPr id="47" name="Rectangle 46"/>
-          <p:cNvSpPr/>
-          <p:nvPr/>
-        </p:nvSpPr>
-        <p:spPr>
-          <a:xfrm>
-            <a:off x="5724128" y="2707438"/>
-            <a:ext cx="1080120" cy="360040"/>
-          </a:xfrm>
-          <a:prstGeom prst="rect">
-            <a:avLst/>
-          </a:prstGeom>
-          <a:solidFill>
-            <a:srgbClr val="FFC000"/>
-          </a:solidFill>
-        </p:spPr>
-        <p:style>
-          <a:lnRef idx="2">
-            <a:schemeClr val="accent1">
-              <a:shade val="50000"/>
-            </a:schemeClr>
-          </a:lnRef>
-          <a:fillRef idx="1">
-            <a:schemeClr val="accent1"/>
-          </a:fillRef>
-          <a:effectRef idx="0">
-            <a:schemeClr val="accent1"/>
-          </a:effectRef>
-          <a:fontRef idx="minor">
-            <a:schemeClr val="lt1"/>
-          </a:fontRef>
-        </p:style>
-        <p:txBody>
-          <a:bodyPr rtlCol="0" anchor="ctr"/>
-          <a:lstStyle>
-            <a:defPPr>
-              <a:defRPr lang="nl-NL"/>
-            </a:defPPr>
-            <a:lvl1pPr algn="l" rtl="0" fontAlgn="base">
-              <a:spcBef>
-                <a:spcPct val="0"/>
-              </a:spcBef>
-              <a:spcAft>
-                <a:spcPct val="0"/>
-              </a:spcAft>
-              <a:defRPr kern="1200">
-                <a:solidFill>
-                  <a:schemeClr val="lt1"/>
-                </a:solidFill>
-                <a:latin typeface="+mn-lt"/>
-                <a:ea typeface="+mn-ea"/>
-                <a:cs typeface="+mn-cs"/>
-              </a:defRPr>
-            </a:lvl1pPr>
-            <a:lvl2pPr marL="457200" algn="l" rtl="0" fontAlgn="base">
-              <a:spcBef>
-                <a:spcPct val="0"/>
-              </a:spcBef>
-              <a:spcAft>
-                <a:spcPct val="0"/>
-              </a:spcAft>
-              <a:defRPr kern="1200">
-                <a:solidFill>
-                  <a:schemeClr val="lt1"/>
-                </a:solidFill>
-                <a:latin typeface="+mn-lt"/>
-                <a:ea typeface="+mn-ea"/>
-                <a:cs typeface="+mn-cs"/>
-              </a:defRPr>
-            </a:lvl2pPr>
-            <a:lvl3pPr marL="914400" algn="l" rtl="0" fontAlgn="base">
-              <a:spcBef>
-                <a:spcPct val="0"/>
-              </a:spcBef>
-              <a:spcAft>
-                <a:spcPct val="0"/>
-              </a:spcAft>
-              <a:defRPr kern="1200">
-                <a:solidFill>
-                  <a:schemeClr val="lt1"/>
-                </a:solidFill>
-                <a:latin typeface="+mn-lt"/>
-                <a:ea typeface="+mn-ea"/>
-                <a:cs typeface="+mn-cs"/>
-              </a:defRPr>
-            </a:lvl3pPr>
-            <a:lvl4pPr marL="1371600" algn="l" rtl="0" fontAlgn="base">
-              <a:spcBef>
-                <a:spcPct val="0"/>
-              </a:spcBef>
-              <a:spcAft>
-                <a:spcPct val="0"/>
-              </a:spcAft>
-              <a:defRPr kern="1200">
-                <a:solidFill>
-                  <a:schemeClr val="lt1"/>
-                </a:solidFill>
-                <a:latin typeface="+mn-lt"/>
-                <a:ea typeface="+mn-ea"/>
-                <a:cs typeface="+mn-cs"/>
-              </a:defRPr>
-            </a:lvl4pPr>
-            <a:lvl5pPr marL="1828800" algn="l" rtl="0" fontAlgn="base">
-              <a:spcBef>
-                <a:spcPct val="0"/>
-              </a:spcBef>
-              <a:spcAft>
-                <a:spcPct val="0"/>
-              </a:spcAft>
-              <a:defRPr kern="1200">
-                <a:solidFill>
-                  <a:schemeClr val="lt1"/>
-                </a:solidFill>
-                <a:latin typeface="+mn-lt"/>
-                <a:ea typeface="+mn-ea"/>
-                <a:cs typeface="+mn-cs"/>
-              </a:defRPr>
-            </a:lvl5pPr>
-            <a:lvl6pPr marL="2286000" algn="l" defTabSz="914400" rtl="0" eaLnBrk="1" latinLnBrk="0" hangingPunct="1">
-              <a:defRPr kern="1200">
-                <a:solidFill>
-                  <a:schemeClr val="lt1"/>
-                </a:solidFill>
-                <a:latin typeface="+mn-lt"/>
-                <a:ea typeface="+mn-ea"/>
-                <a:cs typeface="+mn-cs"/>
-              </a:defRPr>
-            </a:lvl6pPr>
-            <a:lvl7pPr marL="2743200" algn="l" defTabSz="914400" rtl="0" eaLnBrk="1" latinLnBrk="0" hangingPunct="1">
-              <a:defRPr kern="1200">
-                <a:solidFill>
-                  <a:schemeClr val="lt1"/>
-                </a:solidFill>
-                <a:latin typeface="+mn-lt"/>
-                <a:ea typeface="+mn-ea"/>
-                <a:cs typeface="+mn-cs"/>
-              </a:defRPr>
-            </a:lvl7pPr>
-            <a:lvl8pPr marL="3200400" algn="l" defTabSz="914400" rtl="0" eaLnBrk="1" latinLnBrk="0" hangingPunct="1">
-              <a:defRPr kern="1200">
-                <a:solidFill>
-                  <a:schemeClr val="lt1"/>
-                </a:solidFill>
-                <a:latin typeface="+mn-lt"/>
-                <a:ea typeface="+mn-ea"/>
-                <a:cs typeface="+mn-cs"/>
-              </a:defRPr>
-            </a:lvl8pPr>
-            <a:lvl9pPr marL="3657600" algn="l" defTabSz="914400" rtl="0" eaLnBrk="1" latinLnBrk="0" hangingPunct="1">
-              <a:defRPr kern="1200">
-                <a:solidFill>
-                  <a:schemeClr val="lt1"/>
-                </a:solidFill>
-                <a:latin typeface="+mn-lt"/>
-                <a:ea typeface="+mn-ea"/>
-                <a:cs typeface="+mn-cs"/>
-              </a:defRPr>
-            </a:lvl9pPr>
-          </a:lstStyle>
-          <a:p>
-            <a:pPr algn="ctr"/>
-            <a:r>
-              <a:rPr lang="fr-FR" sz="1000" dirty="0" smtClean="0"/>
-              <a:t>JPEG</a:t>
-            </a:r>
-            <a:endParaRPr lang="fr-FR" sz="1000" dirty="0"/>
-          </a:p>
-        </p:txBody>
-      </p:sp>
-      <p:sp>
-        <p:nvSpPr>
-          <p:cNvPr id="48" name="Rectangle 47"/>
-          <p:cNvSpPr/>
-          <p:nvPr/>
-        </p:nvSpPr>
-        <p:spPr>
-          <a:xfrm>
-            <a:off x="6804248" y="2707438"/>
-            <a:ext cx="926475" cy="360040"/>
-          </a:xfrm>
-          <a:prstGeom prst="rect">
-            <a:avLst/>
-          </a:prstGeom>
-          <a:solidFill>
-            <a:srgbClr val="FFC000"/>
-          </a:solidFill>
-        </p:spPr>
-        <p:style>
-          <a:lnRef idx="2">
-            <a:schemeClr val="accent1">
-              <a:shade val="50000"/>
-            </a:schemeClr>
-          </a:lnRef>
-          <a:fillRef idx="1">
-            <a:schemeClr val="accent1"/>
-          </a:fillRef>
-          <a:effectRef idx="0">
-            <a:schemeClr val="accent1"/>
-          </a:effectRef>
-          <a:fontRef idx="minor">
-            <a:schemeClr val="lt1"/>
-          </a:fontRef>
-        </p:style>
-        <p:txBody>
-          <a:bodyPr rtlCol="0" anchor="ctr"/>
-          <a:lstStyle>
-            <a:defPPr>
-              <a:defRPr lang="nl-NL"/>
-            </a:defPPr>
-            <a:lvl1pPr algn="l" rtl="0" fontAlgn="base">
-              <a:spcBef>
-                <a:spcPct val="0"/>
-              </a:spcBef>
-              <a:spcAft>
-                <a:spcPct val="0"/>
-              </a:spcAft>
-              <a:defRPr kern="1200">
-                <a:solidFill>
-                  <a:schemeClr val="lt1"/>
-                </a:solidFill>
-                <a:latin typeface="+mn-lt"/>
-                <a:ea typeface="+mn-ea"/>
-                <a:cs typeface="+mn-cs"/>
-              </a:defRPr>
-            </a:lvl1pPr>
-            <a:lvl2pPr marL="457200" algn="l" rtl="0" fontAlgn="base">
-              <a:spcBef>
-                <a:spcPct val="0"/>
-              </a:spcBef>
-              <a:spcAft>
-                <a:spcPct val="0"/>
-              </a:spcAft>
-              <a:defRPr kern="1200">
-                <a:solidFill>
-                  <a:schemeClr val="lt1"/>
-                </a:solidFill>
-                <a:latin typeface="+mn-lt"/>
-                <a:ea typeface="+mn-ea"/>
-                <a:cs typeface="+mn-cs"/>
-              </a:defRPr>
-            </a:lvl2pPr>
-            <a:lvl3pPr marL="914400" algn="l" rtl="0" fontAlgn="base">
-              <a:spcBef>
-                <a:spcPct val="0"/>
-              </a:spcBef>
-              <a:spcAft>
-                <a:spcPct val="0"/>
-              </a:spcAft>
-              <a:defRPr kern="1200">
-                <a:solidFill>
-                  <a:schemeClr val="lt1"/>
-                </a:solidFill>
-                <a:latin typeface="+mn-lt"/>
-                <a:ea typeface="+mn-ea"/>
-                <a:cs typeface="+mn-cs"/>
-              </a:defRPr>
-            </a:lvl3pPr>
-            <a:lvl4pPr marL="1371600" algn="l" rtl="0" fontAlgn="base">
-              <a:spcBef>
-                <a:spcPct val="0"/>
-              </a:spcBef>
-              <a:spcAft>
-                <a:spcPct val="0"/>
-              </a:spcAft>
-              <a:defRPr kern="1200">
-                <a:solidFill>
-                  <a:schemeClr val="lt1"/>
-                </a:solidFill>
-                <a:latin typeface="+mn-lt"/>
-                <a:ea typeface="+mn-ea"/>
-                <a:cs typeface="+mn-cs"/>
-              </a:defRPr>
-            </a:lvl4pPr>
-            <a:lvl5pPr marL="1828800" algn="l" rtl="0" fontAlgn="base">
-              <a:spcBef>
-                <a:spcPct val="0"/>
-              </a:spcBef>
-              <a:spcAft>
-                <a:spcPct val="0"/>
-              </a:spcAft>
-              <a:defRPr kern="1200">
-                <a:solidFill>
-                  <a:schemeClr val="lt1"/>
-                </a:solidFill>
-                <a:latin typeface="+mn-lt"/>
-                <a:ea typeface="+mn-ea"/>
-                <a:cs typeface="+mn-cs"/>
-              </a:defRPr>
-            </a:lvl5pPr>
-            <a:lvl6pPr marL="2286000" algn="l" defTabSz="914400" rtl="0" eaLnBrk="1" latinLnBrk="0" hangingPunct="1">
-              <a:defRPr kern="1200">
-                <a:solidFill>
-                  <a:schemeClr val="lt1"/>
-                </a:solidFill>
-                <a:latin typeface="+mn-lt"/>
-                <a:ea typeface="+mn-ea"/>
-                <a:cs typeface="+mn-cs"/>
-              </a:defRPr>
-            </a:lvl6pPr>
-            <a:lvl7pPr marL="2743200" algn="l" defTabSz="914400" rtl="0" eaLnBrk="1" latinLnBrk="0" hangingPunct="1">
-              <a:defRPr kern="1200">
-                <a:solidFill>
-                  <a:schemeClr val="lt1"/>
-                </a:solidFill>
-                <a:latin typeface="+mn-lt"/>
-                <a:ea typeface="+mn-ea"/>
-                <a:cs typeface="+mn-cs"/>
-              </a:defRPr>
-            </a:lvl7pPr>
-            <a:lvl8pPr marL="3200400" algn="l" defTabSz="914400" rtl="0" eaLnBrk="1" latinLnBrk="0" hangingPunct="1">
-              <a:defRPr kern="1200">
-                <a:solidFill>
-                  <a:schemeClr val="lt1"/>
-                </a:solidFill>
-                <a:latin typeface="+mn-lt"/>
-                <a:ea typeface="+mn-ea"/>
-                <a:cs typeface="+mn-cs"/>
-              </a:defRPr>
-            </a:lvl8pPr>
-            <a:lvl9pPr marL="3657600" algn="l" defTabSz="914400" rtl="0" eaLnBrk="1" latinLnBrk="0" hangingPunct="1">
-              <a:defRPr kern="1200">
-                <a:solidFill>
-                  <a:schemeClr val="lt1"/>
-                </a:solidFill>
-                <a:latin typeface="+mn-lt"/>
-                <a:ea typeface="+mn-ea"/>
-                <a:cs typeface="+mn-cs"/>
-              </a:defRPr>
-            </a:lvl9pPr>
-          </a:lstStyle>
-          <a:p>
-            <a:pPr algn="ctr"/>
-            <a:r>
-              <a:rPr lang="fr-FR" sz="1000" dirty="0" smtClean="0"/>
-              <a:t>20480</a:t>
-            </a:r>
-            <a:endParaRPr lang="fr-FR" sz="1000" dirty="0"/>
-          </a:p>
-        </p:txBody>
-      </p:sp>
-      <p:cxnSp>
-        <p:nvCxnSpPr>
-          <p:cNvPr id="49" name="Connecteur droit 48"/>
-          <p:cNvCxnSpPr>
-            <a:stCxn id="45" idx="2"/>
-            <a:endCxn id="47" idx="0"/>
-          </p:cNvCxnSpPr>
-          <p:nvPr/>
-        </p:nvCxnSpPr>
-        <p:spPr>
-          <a:xfrm>
-            <a:off x="6264188" y="2602390"/>
-            <a:ext cx="0" cy="105048"/>
-          </a:xfrm>
-          <a:prstGeom prst="line">
-            <a:avLst/>
-          </a:prstGeom>
-          <a:ln w="12700">
-            <a:solidFill>
-              <a:srgbClr val="C00000"/>
-            </a:solidFill>
-            <a:prstDash val="dash"/>
-          </a:ln>
-        </p:spPr>
-        <p:style>
-          <a:lnRef idx="1">
-            <a:schemeClr val="accent1"/>
-          </a:lnRef>
-          <a:fillRef idx="0">
-            <a:schemeClr val="accent1"/>
-          </a:fillRef>
-          <a:effectRef idx="0">
-            <a:schemeClr val="accent1"/>
-          </a:effectRef>
-          <a:fontRef idx="minor">
-            <a:schemeClr val="tx1"/>
-          </a:fontRef>
-        </p:style>
-      </p:cxnSp>
-      <p:cxnSp>
-        <p:nvCxnSpPr>
-          <p:cNvPr id="50" name="Connecteur droit 49"/>
-          <p:cNvCxnSpPr>
-            <a:stCxn id="46" idx="2"/>
-            <a:endCxn id="48" idx="0"/>
-          </p:cNvCxnSpPr>
-          <p:nvPr/>
-        </p:nvCxnSpPr>
-        <p:spPr>
-          <a:xfrm>
-            <a:off x="7267486" y="2602390"/>
-            <a:ext cx="0" cy="105048"/>
-          </a:xfrm>
-          <a:prstGeom prst="line">
-            <a:avLst/>
-          </a:prstGeom>
-          <a:ln w="12700">
-            <a:solidFill>
-              <a:srgbClr val="C00000"/>
-            </a:solidFill>
-            <a:prstDash val="dash"/>
-          </a:ln>
-        </p:spPr>
-        <p:style>
-          <a:lnRef idx="1">
-            <a:schemeClr val="accent1"/>
-          </a:lnRef>
-          <a:fillRef idx="0">
-            <a:schemeClr val="accent1"/>
-          </a:fillRef>
-          <a:effectRef idx="0">
-            <a:schemeClr val="accent1"/>
-          </a:effectRef>
-          <a:fontRef idx="minor">
-            <a:schemeClr val="tx1"/>
-          </a:fontRef>
-        </p:style>
-      </p:cxnSp>
-      <p:sp>
-        <p:nvSpPr>
-          <p:cNvPr id="51" name="Rectangle 50"/>
-          <p:cNvSpPr/>
-          <p:nvPr/>
-        </p:nvSpPr>
-        <p:spPr>
-          <a:xfrm>
-            <a:off x="4590256" y="2242350"/>
-            <a:ext cx="1133872" cy="360040"/>
-          </a:xfrm>
-          <a:prstGeom prst="rect">
-            <a:avLst/>
-          </a:prstGeom>
-          <a:solidFill>
-            <a:srgbClr val="FFC000"/>
-          </a:solidFill>
-        </p:spPr>
-        <p:style>
-          <a:lnRef idx="2">
-            <a:schemeClr val="accent1">
-              <a:shade val="50000"/>
-            </a:schemeClr>
-          </a:lnRef>
-          <a:fillRef idx="1">
-            <a:schemeClr val="accent1"/>
-          </a:fillRef>
-          <a:effectRef idx="0">
-            <a:schemeClr val="accent1"/>
-          </a:effectRef>
-          <a:fontRef idx="minor">
-            <a:schemeClr val="lt1"/>
-          </a:fontRef>
-        </p:style>
-        <p:txBody>
-          <a:bodyPr rtlCol="0" anchor="ctr"/>
-          <a:lstStyle>
-            <a:defPPr>
-              <a:defRPr lang="nl-NL"/>
-            </a:defPPr>
-            <a:lvl1pPr algn="l" rtl="0" fontAlgn="base">
-              <a:spcBef>
-                <a:spcPct val="0"/>
-              </a:spcBef>
-              <a:spcAft>
-                <a:spcPct val="0"/>
-              </a:spcAft>
-              <a:defRPr kern="1200">
-                <a:solidFill>
-                  <a:schemeClr val="lt1"/>
-                </a:solidFill>
-                <a:latin typeface="+mn-lt"/>
-                <a:ea typeface="+mn-ea"/>
-                <a:cs typeface="+mn-cs"/>
-              </a:defRPr>
-            </a:lvl1pPr>
-            <a:lvl2pPr marL="457200" algn="l" rtl="0" fontAlgn="base">
-              <a:spcBef>
-                <a:spcPct val="0"/>
-              </a:spcBef>
-              <a:spcAft>
-                <a:spcPct val="0"/>
-              </a:spcAft>
-              <a:defRPr kern="1200">
-                <a:solidFill>
-                  <a:schemeClr val="lt1"/>
-                </a:solidFill>
-                <a:latin typeface="+mn-lt"/>
-                <a:ea typeface="+mn-ea"/>
-                <a:cs typeface="+mn-cs"/>
-              </a:defRPr>
-            </a:lvl2pPr>
-            <a:lvl3pPr marL="914400" algn="l" rtl="0" fontAlgn="base">
-              <a:spcBef>
-                <a:spcPct val="0"/>
-              </a:spcBef>
-              <a:spcAft>
-                <a:spcPct val="0"/>
-              </a:spcAft>
-              <a:defRPr kern="1200">
-                <a:solidFill>
-                  <a:schemeClr val="lt1"/>
-                </a:solidFill>
-                <a:latin typeface="+mn-lt"/>
-                <a:ea typeface="+mn-ea"/>
-                <a:cs typeface="+mn-cs"/>
-              </a:defRPr>
-            </a:lvl3pPr>
-            <a:lvl4pPr marL="1371600" algn="l" rtl="0" fontAlgn="base">
-              <a:spcBef>
-                <a:spcPct val="0"/>
-              </a:spcBef>
-              <a:spcAft>
-                <a:spcPct val="0"/>
-              </a:spcAft>
-              <a:defRPr kern="1200">
-                <a:solidFill>
-                  <a:schemeClr val="lt1"/>
-                </a:solidFill>
-                <a:latin typeface="+mn-lt"/>
-                <a:ea typeface="+mn-ea"/>
-                <a:cs typeface="+mn-cs"/>
-              </a:defRPr>
-            </a:lvl4pPr>
-            <a:lvl5pPr marL="1828800" algn="l" rtl="0" fontAlgn="base">
-              <a:spcBef>
-                <a:spcPct val="0"/>
-              </a:spcBef>
-              <a:spcAft>
-                <a:spcPct val="0"/>
-              </a:spcAft>
-              <a:defRPr kern="1200">
-                <a:solidFill>
-                  <a:schemeClr val="lt1"/>
-                </a:solidFill>
-                <a:latin typeface="+mn-lt"/>
-                <a:ea typeface="+mn-ea"/>
-                <a:cs typeface="+mn-cs"/>
-              </a:defRPr>
-            </a:lvl5pPr>
-            <a:lvl6pPr marL="2286000" algn="l" defTabSz="914400" rtl="0" eaLnBrk="1" latinLnBrk="0" hangingPunct="1">
-              <a:defRPr kern="1200">
-                <a:solidFill>
-                  <a:schemeClr val="lt1"/>
-                </a:solidFill>
-                <a:latin typeface="+mn-lt"/>
-                <a:ea typeface="+mn-ea"/>
-                <a:cs typeface="+mn-cs"/>
-              </a:defRPr>
-            </a:lvl6pPr>
-            <a:lvl7pPr marL="2743200" algn="l" defTabSz="914400" rtl="0" eaLnBrk="1" latinLnBrk="0" hangingPunct="1">
-              <a:defRPr kern="1200">
-                <a:solidFill>
-                  <a:schemeClr val="lt1"/>
-                </a:solidFill>
-                <a:latin typeface="+mn-lt"/>
-                <a:ea typeface="+mn-ea"/>
-                <a:cs typeface="+mn-cs"/>
-              </a:defRPr>
-            </a:lvl7pPr>
-            <a:lvl8pPr marL="3200400" algn="l" defTabSz="914400" rtl="0" eaLnBrk="1" latinLnBrk="0" hangingPunct="1">
-              <a:defRPr kern="1200">
-                <a:solidFill>
-                  <a:schemeClr val="lt1"/>
-                </a:solidFill>
-                <a:latin typeface="+mn-lt"/>
-                <a:ea typeface="+mn-ea"/>
-                <a:cs typeface="+mn-cs"/>
-              </a:defRPr>
-            </a:lvl8pPr>
-            <a:lvl9pPr marL="3657600" algn="l" defTabSz="914400" rtl="0" eaLnBrk="1" latinLnBrk="0" hangingPunct="1">
-              <a:defRPr kern="1200">
-                <a:solidFill>
-                  <a:schemeClr val="lt1"/>
-                </a:solidFill>
-                <a:latin typeface="+mn-lt"/>
-                <a:ea typeface="+mn-ea"/>
-                <a:cs typeface="+mn-cs"/>
-              </a:defRPr>
-            </a:lvl9pPr>
-          </a:lstStyle>
-          <a:p>
-            <a:pPr algn="ctr"/>
-            <a:r>
-              <a:rPr lang="fr-FR" sz="1000" dirty="0" smtClean="0"/>
-              <a:t>800x600:creation</a:t>
-            </a:r>
-            <a:endParaRPr lang="fr-FR" sz="1000" dirty="0"/>
-          </a:p>
-        </p:txBody>
-      </p:sp>
-      <p:sp>
-        <p:nvSpPr>
-          <p:cNvPr id="52" name="Rectangle 51"/>
-          <p:cNvSpPr/>
-          <p:nvPr/>
-        </p:nvSpPr>
-        <p:spPr>
-          <a:xfrm>
-            <a:off x="4590256" y="2707438"/>
-            <a:ext cx="1133872" cy="360040"/>
-          </a:xfrm>
-          <a:prstGeom prst="rect">
-            <a:avLst/>
-          </a:prstGeom>
-          <a:solidFill>
-            <a:srgbClr val="FFC000"/>
-          </a:solidFill>
-        </p:spPr>
-        <p:style>
-          <a:lnRef idx="2">
-            <a:schemeClr val="accent1">
-              <a:shade val="50000"/>
-            </a:schemeClr>
-          </a:lnRef>
-          <a:fillRef idx="1">
-            <a:schemeClr val="accent1"/>
-          </a:fillRef>
-          <a:effectRef idx="0">
-            <a:schemeClr val="accent1"/>
-          </a:effectRef>
-          <a:fontRef idx="minor">
-            <a:schemeClr val="lt1"/>
-          </a:fontRef>
-        </p:style>
-        <p:txBody>
-          <a:bodyPr rtlCol="0" anchor="ctr"/>
-          <a:lstStyle>
-            <a:defPPr>
-              <a:defRPr lang="nl-NL"/>
-            </a:defPPr>
-            <a:lvl1pPr algn="l" rtl="0" fontAlgn="base">
-              <a:spcBef>
-                <a:spcPct val="0"/>
-              </a:spcBef>
-              <a:spcAft>
-                <a:spcPct val="0"/>
-              </a:spcAft>
-              <a:defRPr kern="1200">
-                <a:solidFill>
-                  <a:schemeClr val="lt1"/>
-                </a:solidFill>
-                <a:latin typeface="+mn-lt"/>
-                <a:ea typeface="+mn-ea"/>
-                <a:cs typeface="+mn-cs"/>
-              </a:defRPr>
-            </a:lvl1pPr>
-            <a:lvl2pPr marL="457200" algn="l" rtl="0" fontAlgn="base">
-              <a:spcBef>
-                <a:spcPct val="0"/>
-              </a:spcBef>
-              <a:spcAft>
-                <a:spcPct val="0"/>
-              </a:spcAft>
-              <a:defRPr kern="1200">
-                <a:solidFill>
-                  <a:schemeClr val="lt1"/>
-                </a:solidFill>
-                <a:latin typeface="+mn-lt"/>
-                <a:ea typeface="+mn-ea"/>
-                <a:cs typeface="+mn-cs"/>
-              </a:defRPr>
-            </a:lvl2pPr>
-            <a:lvl3pPr marL="914400" algn="l" rtl="0" fontAlgn="base">
-              <a:spcBef>
-                <a:spcPct val="0"/>
-              </a:spcBef>
-              <a:spcAft>
-                <a:spcPct val="0"/>
-              </a:spcAft>
-              <a:defRPr kern="1200">
-                <a:solidFill>
-                  <a:schemeClr val="lt1"/>
-                </a:solidFill>
-                <a:latin typeface="+mn-lt"/>
-                <a:ea typeface="+mn-ea"/>
-                <a:cs typeface="+mn-cs"/>
-              </a:defRPr>
-            </a:lvl3pPr>
-            <a:lvl4pPr marL="1371600" algn="l" rtl="0" fontAlgn="base">
-              <a:spcBef>
-                <a:spcPct val="0"/>
-              </a:spcBef>
-              <a:spcAft>
-                <a:spcPct val="0"/>
-              </a:spcAft>
-              <a:defRPr kern="1200">
-                <a:solidFill>
-                  <a:schemeClr val="lt1"/>
-                </a:solidFill>
-                <a:latin typeface="+mn-lt"/>
-                <a:ea typeface="+mn-ea"/>
-                <a:cs typeface="+mn-cs"/>
-              </a:defRPr>
-            </a:lvl4pPr>
-            <a:lvl5pPr marL="1828800" algn="l" rtl="0" fontAlgn="base">
-              <a:spcBef>
-                <a:spcPct val="0"/>
-              </a:spcBef>
-              <a:spcAft>
-                <a:spcPct val="0"/>
-              </a:spcAft>
-              <a:defRPr kern="1200">
-                <a:solidFill>
-                  <a:schemeClr val="lt1"/>
-                </a:solidFill>
-                <a:latin typeface="+mn-lt"/>
-                <a:ea typeface="+mn-ea"/>
-                <a:cs typeface="+mn-cs"/>
-              </a:defRPr>
-            </a:lvl5pPr>
-            <a:lvl6pPr marL="2286000" algn="l" defTabSz="914400" rtl="0" eaLnBrk="1" latinLnBrk="0" hangingPunct="1">
-              <a:defRPr kern="1200">
-                <a:solidFill>
-                  <a:schemeClr val="lt1"/>
-                </a:solidFill>
-                <a:latin typeface="+mn-lt"/>
-                <a:ea typeface="+mn-ea"/>
-                <a:cs typeface="+mn-cs"/>
-              </a:defRPr>
-            </a:lvl6pPr>
-            <a:lvl7pPr marL="2743200" algn="l" defTabSz="914400" rtl="0" eaLnBrk="1" latinLnBrk="0" hangingPunct="1">
-              <a:defRPr kern="1200">
-                <a:solidFill>
-                  <a:schemeClr val="lt1"/>
-                </a:solidFill>
-                <a:latin typeface="+mn-lt"/>
-                <a:ea typeface="+mn-ea"/>
-                <a:cs typeface="+mn-cs"/>
-              </a:defRPr>
-            </a:lvl7pPr>
-            <a:lvl8pPr marL="3200400" algn="l" defTabSz="914400" rtl="0" eaLnBrk="1" latinLnBrk="0" hangingPunct="1">
-              <a:defRPr kern="1200">
-                <a:solidFill>
-                  <a:schemeClr val="lt1"/>
-                </a:solidFill>
-                <a:latin typeface="+mn-lt"/>
-                <a:ea typeface="+mn-ea"/>
-                <a:cs typeface="+mn-cs"/>
-              </a:defRPr>
-            </a:lvl8pPr>
-            <a:lvl9pPr marL="3657600" algn="l" defTabSz="914400" rtl="0" eaLnBrk="1" latinLnBrk="0" hangingPunct="1">
-              <a:defRPr kern="1200">
-                <a:solidFill>
-                  <a:schemeClr val="lt1"/>
-                </a:solidFill>
-                <a:latin typeface="+mn-lt"/>
-                <a:ea typeface="+mn-ea"/>
-                <a:cs typeface="+mn-cs"/>
-              </a:defRPr>
-            </a:lvl9pPr>
-          </a:lstStyle>
-          <a:p>
-            <a:pPr algn="ctr"/>
-            <a:r>
-              <a:rPr lang="fr-FR" sz="1000" dirty="0" smtClean="0"/>
-              <a:t>08/12/2015 </a:t>
-            </a:r>
-            <a:r>
-              <a:rPr lang="fr-FR" sz="1000" dirty="0" smtClean="0"/>
-              <a:t>15:11</a:t>
-            </a:r>
-            <a:endParaRPr lang="fr-FR" sz="1000" dirty="0"/>
-          </a:p>
-        </p:txBody>
-      </p:sp>
-      <p:cxnSp>
-        <p:nvCxnSpPr>
-          <p:cNvPr id="53" name="Connecteur droit 52"/>
-          <p:cNvCxnSpPr>
-            <a:stCxn id="51" idx="2"/>
-            <a:endCxn id="52" idx="0"/>
-          </p:cNvCxnSpPr>
-          <p:nvPr/>
-        </p:nvCxnSpPr>
-        <p:spPr>
-          <a:xfrm>
-            <a:off x="5157192" y="2602390"/>
+            <a:off x="1921146" y="2602390"/>
             <a:ext cx="0" cy="105048"/>
           </a:xfrm>
           <a:prstGeom prst="line">
@@ -9533,6 +10038,932 @@
         <p:spPr>
           <a:xfrm>
             <a:off x="8748438" y="2602390"/>
+            <a:ext cx="0" cy="105048"/>
+          </a:xfrm>
+          <a:prstGeom prst="line">
+            <a:avLst/>
+          </a:prstGeom>
+          <a:ln w="12700">
+            <a:solidFill>
+              <a:srgbClr val="C00000"/>
+            </a:solidFill>
+            <a:prstDash val="dash"/>
+          </a:ln>
+        </p:spPr>
+        <p:style>
+          <a:lnRef idx="1">
+            <a:schemeClr val="accent1"/>
+          </a:lnRef>
+          <a:fillRef idx="0">
+            <a:schemeClr val="accent1"/>
+          </a:fillRef>
+          <a:effectRef idx="0">
+            <a:schemeClr val="accent1"/>
+          </a:effectRef>
+          <a:fontRef idx="minor">
+            <a:schemeClr val="tx1"/>
+          </a:fontRef>
+        </p:style>
+      </p:cxnSp>
+      <p:sp>
+        <p:nvSpPr>
+          <p:cNvPr id="54" name="Rectangle à coins arrondis 53"/>
+          <p:cNvSpPr/>
+          <p:nvPr/>
+        </p:nvSpPr>
+        <p:spPr>
+          <a:xfrm>
+            <a:off x="4499992" y="2167378"/>
+            <a:ext cx="3312368" cy="972108"/>
+          </a:xfrm>
+          <a:prstGeom prst="roundRect">
+            <a:avLst/>
+          </a:prstGeom>
+        </p:spPr>
+        <p:style>
+          <a:lnRef idx="2">
+            <a:schemeClr val="accent1">
+              <a:shade val="50000"/>
+            </a:schemeClr>
+          </a:lnRef>
+          <a:fillRef idx="1">
+            <a:schemeClr val="accent1"/>
+          </a:fillRef>
+          <a:effectRef idx="0">
+            <a:schemeClr val="accent1"/>
+          </a:effectRef>
+          <a:fontRef idx="minor">
+            <a:schemeClr val="lt1"/>
+          </a:fontRef>
+        </p:style>
+        <p:txBody>
+          <a:bodyPr rtlCol="0" anchor="ctr"/>
+          <a:lstStyle>
+            <a:defPPr>
+              <a:defRPr lang="nl-NL"/>
+            </a:defPPr>
+            <a:lvl1pPr algn="l" rtl="0" fontAlgn="base">
+              <a:spcBef>
+                <a:spcPct val="0"/>
+              </a:spcBef>
+              <a:spcAft>
+                <a:spcPct val="0"/>
+              </a:spcAft>
+              <a:defRPr kern="1200">
+                <a:solidFill>
+                  <a:schemeClr val="lt1"/>
+                </a:solidFill>
+                <a:latin typeface="+mn-lt"/>
+                <a:ea typeface="+mn-ea"/>
+                <a:cs typeface="+mn-cs"/>
+              </a:defRPr>
+            </a:lvl1pPr>
+            <a:lvl2pPr marL="457200" algn="l" rtl="0" fontAlgn="base">
+              <a:spcBef>
+                <a:spcPct val="0"/>
+              </a:spcBef>
+              <a:spcAft>
+                <a:spcPct val="0"/>
+              </a:spcAft>
+              <a:defRPr kern="1200">
+                <a:solidFill>
+                  <a:schemeClr val="lt1"/>
+                </a:solidFill>
+                <a:latin typeface="+mn-lt"/>
+                <a:ea typeface="+mn-ea"/>
+                <a:cs typeface="+mn-cs"/>
+              </a:defRPr>
+            </a:lvl2pPr>
+            <a:lvl3pPr marL="914400" algn="l" rtl="0" fontAlgn="base">
+              <a:spcBef>
+                <a:spcPct val="0"/>
+              </a:spcBef>
+              <a:spcAft>
+                <a:spcPct val="0"/>
+              </a:spcAft>
+              <a:defRPr kern="1200">
+                <a:solidFill>
+                  <a:schemeClr val="lt1"/>
+                </a:solidFill>
+                <a:latin typeface="+mn-lt"/>
+                <a:ea typeface="+mn-ea"/>
+                <a:cs typeface="+mn-cs"/>
+              </a:defRPr>
+            </a:lvl3pPr>
+            <a:lvl4pPr marL="1371600" algn="l" rtl="0" fontAlgn="base">
+              <a:spcBef>
+                <a:spcPct val="0"/>
+              </a:spcBef>
+              <a:spcAft>
+                <a:spcPct val="0"/>
+              </a:spcAft>
+              <a:defRPr kern="1200">
+                <a:solidFill>
+                  <a:schemeClr val="lt1"/>
+                </a:solidFill>
+                <a:latin typeface="+mn-lt"/>
+                <a:ea typeface="+mn-ea"/>
+                <a:cs typeface="+mn-cs"/>
+              </a:defRPr>
+            </a:lvl4pPr>
+            <a:lvl5pPr marL="1828800" algn="l" rtl="0" fontAlgn="base">
+              <a:spcBef>
+                <a:spcPct val="0"/>
+              </a:spcBef>
+              <a:spcAft>
+                <a:spcPct val="0"/>
+              </a:spcAft>
+              <a:defRPr kern="1200">
+                <a:solidFill>
+                  <a:schemeClr val="lt1"/>
+                </a:solidFill>
+                <a:latin typeface="+mn-lt"/>
+                <a:ea typeface="+mn-ea"/>
+                <a:cs typeface="+mn-cs"/>
+              </a:defRPr>
+            </a:lvl5pPr>
+            <a:lvl6pPr marL="2286000" algn="l" defTabSz="914400" rtl="0" eaLnBrk="1" latinLnBrk="0" hangingPunct="1">
+              <a:defRPr kern="1200">
+                <a:solidFill>
+                  <a:schemeClr val="lt1"/>
+                </a:solidFill>
+                <a:latin typeface="+mn-lt"/>
+                <a:ea typeface="+mn-ea"/>
+                <a:cs typeface="+mn-cs"/>
+              </a:defRPr>
+            </a:lvl6pPr>
+            <a:lvl7pPr marL="2743200" algn="l" defTabSz="914400" rtl="0" eaLnBrk="1" latinLnBrk="0" hangingPunct="1">
+              <a:defRPr kern="1200">
+                <a:solidFill>
+                  <a:schemeClr val="lt1"/>
+                </a:solidFill>
+                <a:latin typeface="+mn-lt"/>
+                <a:ea typeface="+mn-ea"/>
+                <a:cs typeface="+mn-cs"/>
+              </a:defRPr>
+            </a:lvl7pPr>
+            <a:lvl8pPr marL="3200400" algn="l" defTabSz="914400" rtl="0" eaLnBrk="1" latinLnBrk="0" hangingPunct="1">
+              <a:defRPr kern="1200">
+                <a:solidFill>
+                  <a:schemeClr val="lt1"/>
+                </a:solidFill>
+                <a:latin typeface="+mn-lt"/>
+                <a:ea typeface="+mn-ea"/>
+                <a:cs typeface="+mn-cs"/>
+              </a:defRPr>
+            </a:lvl8pPr>
+            <a:lvl9pPr marL="3657600" algn="l" defTabSz="914400" rtl="0" eaLnBrk="1" latinLnBrk="0" hangingPunct="1">
+              <a:defRPr kern="1200">
+                <a:solidFill>
+                  <a:schemeClr val="lt1"/>
+                </a:solidFill>
+                <a:latin typeface="+mn-lt"/>
+                <a:ea typeface="+mn-ea"/>
+                <a:cs typeface="+mn-cs"/>
+              </a:defRPr>
+            </a:lvl9pPr>
+          </a:lstStyle>
+          <a:p>
+            <a:pPr algn="ctr"/>
+            <a:endParaRPr lang="fr-FR"/>
+          </a:p>
+        </p:txBody>
+      </p:sp>
+      <p:sp>
+        <p:nvSpPr>
+          <p:cNvPr id="55" name="Rectangle 54"/>
+          <p:cNvSpPr/>
+          <p:nvPr/>
+        </p:nvSpPr>
+        <p:spPr>
+          <a:xfrm>
+            <a:off x="6084168" y="2242350"/>
+            <a:ext cx="1637927" cy="360040"/>
+          </a:xfrm>
+          <a:prstGeom prst="rect">
+            <a:avLst/>
+          </a:prstGeom>
+          <a:solidFill>
+            <a:srgbClr val="FFC000"/>
+          </a:solidFill>
+        </p:spPr>
+        <p:style>
+          <a:lnRef idx="2">
+            <a:schemeClr val="accent1">
+              <a:shade val="50000"/>
+            </a:schemeClr>
+          </a:lnRef>
+          <a:fillRef idx="1">
+            <a:schemeClr val="accent1"/>
+          </a:fillRef>
+          <a:effectRef idx="0">
+            <a:schemeClr val="accent1"/>
+          </a:effectRef>
+          <a:fontRef idx="minor">
+            <a:schemeClr val="lt1"/>
+          </a:fontRef>
+        </p:style>
+        <p:txBody>
+          <a:bodyPr rtlCol="0" anchor="ctr"/>
+          <a:lstStyle>
+            <a:defPPr>
+              <a:defRPr lang="nl-NL"/>
+            </a:defPPr>
+            <a:lvl1pPr algn="l" rtl="0" fontAlgn="base">
+              <a:spcBef>
+                <a:spcPct val="0"/>
+              </a:spcBef>
+              <a:spcAft>
+                <a:spcPct val="0"/>
+              </a:spcAft>
+              <a:defRPr kern="1200">
+                <a:solidFill>
+                  <a:schemeClr val="lt1"/>
+                </a:solidFill>
+                <a:latin typeface="+mn-lt"/>
+                <a:ea typeface="+mn-ea"/>
+                <a:cs typeface="+mn-cs"/>
+              </a:defRPr>
+            </a:lvl1pPr>
+            <a:lvl2pPr marL="457200" algn="l" rtl="0" fontAlgn="base">
+              <a:spcBef>
+                <a:spcPct val="0"/>
+              </a:spcBef>
+              <a:spcAft>
+                <a:spcPct val="0"/>
+              </a:spcAft>
+              <a:defRPr kern="1200">
+                <a:solidFill>
+                  <a:schemeClr val="lt1"/>
+                </a:solidFill>
+                <a:latin typeface="+mn-lt"/>
+                <a:ea typeface="+mn-ea"/>
+                <a:cs typeface="+mn-cs"/>
+              </a:defRPr>
+            </a:lvl2pPr>
+            <a:lvl3pPr marL="914400" algn="l" rtl="0" fontAlgn="base">
+              <a:spcBef>
+                <a:spcPct val="0"/>
+              </a:spcBef>
+              <a:spcAft>
+                <a:spcPct val="0"/>
+              </a:spcAft>
+              <a:defRPr kern="1200">
+                <a:solidFill>
+                  <a:schemeClr val="lt1"/>
+                </a:solidFill>
+                <a:latin typeface="+mn-lt"/>
+                <a:ea typeface="+mn-ea"/>
+                <a:cs typeface="+mn-cs"/>
+              </a:defRPr>
+            </a:lvl3pPr>
+            <a:lvl4pPr marL="1371600" algn="l" rtl="0" fontAlgn="base">
+              <a:spcBef>
+                <a:spcPct val="0"/>
+              </a:spcBef>
+              <a:spcAft>
+                <a:spcPct val="0"/>
+              </a:spcAft>
+              <a:defRPr kern="1200">
+                <a:solidFill>
+                  <a:schemeClr val="lt1"/>
+                </a:solidFill>
+                <a:latin typeface="+mn-lt"/>
+                <a:ea typeface="+mn-ea"/>
+                <a:cs typeface="+mn-cs"/>
+              </a:defRPr>
+            </a:lvl4pPr>
+            <a:lvl5pPr marL="1828800" algn="l" rtl="0" fontAlgn="base">
+              <a:spcBef>
+                <a:spcPct val="0"/>
+              </a:spcBef>
+              <a:spcAft>
+                <a:spcPct val="0"/>
+              </a:spcAft>
+              <a:defRPr kern="1200">
+                <a:solidFill>
+                  <a:schemeClr val="lt1"/>
+                </a:solidFill>
+                <a:latin typeface="+mn-lt"/>
+                <a:ea typeface="+mn-ea"/>
+                <a:cs typeface="+mn-cs"/>
+              </a:defRPr>
+            </a:lvl5pPr>
+            <a:lvl6pPr marL="2286000" algn="l" defTabSz="914400" rtl="0" eaLnBrk="1" latinLnBrk="0" hangingPunct="1">
+              <a:defRPr kern="1200">
+                <a:solidFill>
+                  <a:schemeClr val="lt1"/>
+                </a:solidFill>
+                <a:latin typeface="+mn-lt"/>
+                <a:ea typeface="+mn-ea"/>
+                <a:cs typeface="+mn-cs"/>
+              </a:defRPr>
+            </a:lvl6pPr>
+            <a:lvl7pPr marL="2743200" algn="l" defTabSz="914400" rtl="0" eaLnBrk="1" latinLnBrk="0" hangingPunct="1">
+              <a:defRPr kern="1200">
+                <a:solidFill>
+                  <a:schemeClr val="lt1"/>
+                </a:solidFill>
+                <a:latin typeface="+mn-lt"/>
+                <a:ea typeface="+mn-ea"/>
+                <a:cs typeface="+mn-cs"/>
+              </a:defRPr>
+            </a:lvl7pPr>
+            <a:lvl8pPr marL="3200400" algn="l" defTabSz="914400" rtl="0" eaLnBrk="1" latinLnBrk="0" hangingPunct="1">
+              <a:defRPr kern="1200">
+                <a:solidFill>
+                  <a:schemeClr val="lt1"/>
+                </a:solidFill>
+                <a:latin typeface="+mn-lt"/>
+                <a:ea typeface="+mn-ea"/>
+                <a:cs typeface="+mn-cs"/>
+              </a:defRPr>
+            </a:lvl8pPr>
+            <a:lvl9pPr marL="3657600" algn="l" defTabSz="914400" rtl="0" eaLnBrk="1" latinLnBrk="0" hangingPunct="1">
+              <a:defRPr kern="1200">
+                <a:solidFill>
+                  <a:schemeClr val="lt1"/>
+                </a:solidFill>
+                <a:latin typeface="+mn-lt"/>
+                <a:ea typeface="+mn-ea"/>
+                <a:cs typeface="+mn-cs"/>
+              </a:defRPr>
+            </a:lvl9pPr>
+          </a:lstStyle>
+          <a:p>
+            <a:pPr algn="ctr"/>
+            <a:r>
+              <a:rPr lang="fr-FR" sz="1000" dirty="0" smtClean="0"/>
+              <a:t>201811091700:pressure</a:t>
+            </a:r>
+            <a:endParaRPr lang="fr-FR" sz="1000" dirty="0"/>
+          </a:p>
+        </p:txBody>
+      </p:sp>
+      <p:sp>
+        <p:nvSpPr>
+          <p:cNvPr id="56" name="Rectangle 55"/>
+          <p:cNvSpPr/>
+          <p:nvPr/>
+        </p:nvSpPr>
+        <p:spPr>
+          <a:xfrm>
+            <a:off x="6084168" y="2707438"/>
+            <a:ext cx="1637927" cy="360040"/>
+          </a:xfrm>
+          <a:prstGeom prst="rect">
+            <a:avLst/>
+          </a:prstGeom>
+          <a:solidFill>
+            <a:srgbClr val="FFC000"/>
+          </a:solidFill>
+        </p:spPr>
+        <p:style>
+          <a:lnRef idx="2">
+            <a:schemeClr val="accent1">
+              <a:shade val="50000"/>
+            </a:schemeClr>
+          </a:lnRef>
+          <a:fillRef idx="1">
+            <a:schemeClr val="accent1"/>
+          </a:fillRef>
+          <a:effectRef idx="0">
+            <a:schemeClr val="accent1"/>
+          </a:effectRef>
+          <a:fontRef idx="minor">
+            <a:schemeClr val="lt1"/>
+          </a:fontRef>
+        </p:style>
+        <p:txBody>
+          <a:bodyPr rtlCol="0" anchor="ctr"/>
+          <a:lstStyle>
+            <a:defPPr>
+              <a:defRPr lang="nl-NL"/>
+            </a:defPPr>
+            <a:lvl1pPr algn="l" rtl="0" fontAlgn="base">
+              <a:spcBef>
+                <a:spcPct val="0"/>
+              </a:spcBef>
+              <a:spcAft>
+                <a:spcPct val="0"/>
+              </a:spcAft>
+              <a:defRPr kern="1200">
+                <a:solidFill>
+                  <a:schemeClr val="lt1"/>
+                </a:solidFill>
+                <a:latin typeface="+mn-lt"/>
+                <a:ea typeface="+mn-ea"/>
+                <a:cs typeface="+mn-cs"/>
+              </a:defRPr>
+            </a:lvl1pPr>
+            <a:lvl2pPr marL="457200" algn="l" rtl="0" fontAlgn="base">
+              <a:spcBef>
+                <a:spcPct val="0"/>
+              </a:spcBef>
+              <a:spcAft>
+                <a:spcPct val="0"/>
+              </a:spcAft>
+              <a:defRPr kern="1200">
+                <a:solidFill>
+                  <a:schemeClr val="lt1"/>
+                </a:solidFill>
+                <a:latin typeface="+mn-lt"/>
+                <a:ea typeface="+mn-ea"/>
+                <a:cs typeface="+mn-cs"/>
+              </a:defRPr>
+            </a:lvl2pPr>
+            <a:lvl3pPr marL="914400" algn="l" rtl="0" fontAlgn="base">
+              <a:spcBef>
+                <a:spcPct val="0"/>
+              </a:spcBef>
+              <a:spcAft>
+                <a:spcPct val="0"/>
+              </a:spcAft>
+              <a:defRPr kern="1200">
+                <a:solidFill>
+                  <a:schemeClr val="lt1"/>
+                </a:solidFill>
+                <a:latin typeface="+mn-lt"/>
+                <a:ea typeface="+mn-ea"/>
+                <a:cs typeface="+mn-cs"/>
+              </a:defRPr>
+            </a:lvl3pPr>
+            <a:lvl4pPr marL="1371600" algn="l" rtl="0" fontAlgn="base">
+              <a:spcBef>
+                <a:spcPct val="0"/>
+              </a:spcBef>
+              <a:spcAft>
+                <a:spcPct val="0"/>
+              </a:spcAft>
+              <a:defRPr kern="1200">
+                <a:solidFill>
+                  <a:schemeClr val="lt1"/>
+                </a:solidFill>
+                <a:latin typeface="+mn-lt"/>
+                <a:ea typeface="+mn-ea"/>
+                <a:cs typeface="+mn-cs"/>
+              </a:defRPr>
+            </a:lvl4pPr>
+            <a:lvl5pPr marL="1828800" algn="l" rtl="0" fontAlgn="base">
+              <a:spcBef>
+                <a:spcPct val="0"/>
+              </a:spcBef>
+              <a:spcAft>
+                <a:spcPct val="0"/>
+              </a:spcAft>
+              <a:defRPr kern="1200">
+                <a:solidFill>
+                  <a:schemeClr val="lt1"/>
+                </a:solidFill>
+                <a:latin typeface="+mn-lt"/>
+                <a:ea typeface="+mn-ea"/>
+                <a:cs typeface="+mn-cs"/>
+              </a:defRPr>
+            </a:lvl5pPr>
+            <a:lvl6pPr marL="2286000" algn="l" defTabSz="914400" rtl="0" eaLnBrk="1" latinLnBrk="0" hangingPunct="1">
+              <a:defRPr kern="1200">
+                <a:solidFill>
+                  <a:schemeClr val="lt1"/>
+                </a:solidFill>
+                <a:latin typeface="+mn-lt"/>
+                <a:ea typeface="+mn-ea"/>
+                <a:cs typeface="+mn-cs"/>
+              </a:defRPr>
+            </a:lvl6pPr>
+            <a:lvl7pPr marL="2743200" algn="l" defTabSz="914400" rtl="0" eaLnBrk="1" latinLnBrk="0" hangingPunct="1">
+              <a:defRPr kern="1200">
+                <a:solidFill>
+                  <a:schemeClr val="lt1"/>
+                </a:solidFill>
+                <a:latin typeface="+mn-lt"/>
+                <a:ea typeface="+mn-ea"/>
+                <a:cs typeface="+mn-cs"/>
+              </a:defRPr>
+            </a:lvl7pPr>
+            <a:lvl8pPr marL="3200400" algn="l" defTabSz="914400" rtl="0" eaLnBrk="1" latinLnBrk="0" hangingPunct="1">
+              <a:defRPr kern="1200">
+                <a:solidFill>
+                  <a:schemeClr val="lt1"/>
+                </a:solidFill>
+                <a:latin typeface="+mn-lt"/>
+                <a:ea typeface="+mn-ea"/>
+                <a:cs typeface="+mn-cs"/>
+              </a:defRPr>
+            </a:lvl8pPr>
+            <a:lvl9pPr marL="3657600" algn="l" defTabSz="914400" rtl="0" eaLnBrk="1" latinLnBrk="0" hangingPunct="1">
+              <a:defRPr kern="1200">
+                <a:solidFill>
+                  <a:schemeClr val="lt1"/>
+                </a:solidFill>
+                <a:latin typeface="+mn-lt"/>
+                <a:ea typeface="+mn-ea"/>
+                <a:cs typeface="+mn-cs"/>
+              </a:defRPr>
+            </a:lvl9pPr>
+          </a:lstStyle>
+          <a:p>
+            <a:pPr algn="ctr"/>
+            <a:r>
+              <a:rPr lang="fr-FR" sz="1000" smtClean="0"/>
+              <a:t>1022,7</a:t>
+            </a:r>
+            <a:endParaRPr lang="fr-FR" sz="1000" dirty="0"/>
+          </a:p>
+        </p:txBody>
+      </p:sp>
+      <p:cxnSp>
+        <p:nvCxnSpPr>
+          <p:cNvPr id="57" name="Connecteur droit 56"/>
+          <p:cNvCxnSpPr>
+            <a:stCxn id="55" idx="2"/>
+            <a:endCxn id="56" idx="0"/>
+          </p:cNvCxnSpPr>
+          <p:nvPr/>
+        </p:nvCxnSpPr>
+        <p:spPr>
+          <a:xfrm>
+            <a:off x="6903132" y="2602390"/>
+            <a:ext cx="0" cy="105048"/>
+          </a:xfrm>
+          <a:prstGeom prst="line">
+            <a:avLst/>
+          </a:prstGeom>
+          <a:ln w="12700">
+            <a:solidFill>
+              <a:srgbClr val="C00000"/>
+            </a:solidFill>
+            <a:prstDash val="dash"/>
+          </a:ln>
+        </p:spPr>
+        <p:style>
+          <a:lnRef idx="1">
+            <a:schemeClr val="accent1"/>
+          </a:lnRef>
+          <a:fillRef idx="0">
+            <a:schemeClr val="accent1"/>
+          </a:fillRef>
+          <a:effectRef idx="0">
+            <a:schemeClr val="accent1"/>
+          </a:effectRef>
+          <a:fontRef idx="minor">
+            <a:schemeClr val="tx1"/>
+          </a:fontRef>
+        </p:style>
+      </p:cxnSp>
+      <p:sp>
+        <p:nvSpPr>
+          <p:cNvPr id="58" name="Rectangle 57"/>
+          <p:cNvSpPr/>
+          <p:nvPr/>
+        </p:nvSpPr>
+        <p:spPr>
+          <a:xfrm>
+            <a:off x="4598883" y="2242350"/>
+            <a:ext cx="1413277" cy="360040"/>
+          </a:xfrm>
+          <a:prstGeom prst="rect">
+            <a:avLst/>
+          </a:prstGeom>
+          <a:solidFill>
+            <a:srgbClr val="FFC000"/>
+          </a:solidFill>
+        </p:spPr>
+        <p:style>
+          <a:lnRef idx="2">
+            <a:schemeClr val="accent1">
+              <a:shade val="50000"/>
+            </a:schemeClr>
+          </a:lnRef>
+          <a:fillRef idx="1">
+            <a:schemeClr val="accent1"/>
+          </a:fillRef>
+          <a:effectRef idx="0">
+            <a:schemeClr val="accent1"/>
+          </a:effectRef>
+          <a:fontRef idx="minor">
+            <a:schemeClr val="lt1"/>
+          </a:fontRef>
+        </p:style>
+        <p:txBody>
+          <a:bodyPr rtlCol="0" anchor="ctr"/>
+          <a:lstStyle>
+            <a:defPPr>
+              <a:defRPr lang="nl-NL"/>
+            </a:defPPr>
+            <a:lvl1pPr algn="l" rtl="0" fontAlgn="base">
+              <a:spcBef>
+                <a:spcPct val="0"/>
+              </a:spcBef>
+              <a:spcAft>
+                <a:spcPct val="0"/>
+              </a:spcAft>
+              <a:defRPr kern="1200">
+                <a:solidFill>
+                  <a:schemeClr val="lt1"/>
+                </a:solidFill>
+                <a:latin typeface="+mn-lt"/>
+                <a:ea typeface="+mn-ea"/>
+                <a:cs typeface="+mn-cs"/>
+              </a:defRPr>
+            </a:lvl1pPr>
+            <a:lvl2pPr marL="457200" algn="l" rtl="0" fontAlgn="base">
+              <a:spcBef>
+                <a:spcPct val="0"/>
+              </a:spcBef>
+              <a:spcAft>
+                <a:spcPct val="0"/>
+              </a:spcAft>
+              <a:defRPr kern="1200">
+                <a:solidFill>
+                  <a:schemeClr val="lt1"/>
+                </a:solidFill>
+                <a:latin typeface="+mn-lt"/>
+                <a:ea typeface="+mn-ea"/>
+                <a:cs typeface="+mn-cs"/>
+              </a:defRPr>
+            </a:lvl2pPr>
+            <a:lvl3pPr marL="914400" algn="l" rtl="0" fontAlgn="base">
+              <a:spcBef>
+                <a:spcPct val="0"/>
+              </a:spcBef>
+              <a:spcAft>
+                <a:spcPct val="0"/>
+              </a:spcAft>
+              <a:defRPr kern="1200">
+                <a:solidFill>
+                  <a:schemeClr val="lt1"/>
+                </a:solidFill>
+                <a:latin typeface="+mn-lt"/>
+                <a:ea typeface="+mn-ea"/>
+                <a:cs typeface="+mn-cs"/>
+              </a:defRPr>
+            </a:lvl3pPr>
+            <a:lvl4pPr marL="1371600" algn="l" rtl="0" fontAlgn="base">
+              <a:spcBef>
+                <a:spcPct val="0"/>
+              </a:spcBef>
+              <a:spcAft>
+                <a:spcPct val="0"/>
+              </a:spcAft>
+              <a:defRPr kern="1200">
+                <a:solidFill>
+                  <a:schemeClr val="lt1"/>
+                </a:solidFill>
+                <a:latin typeface="+mn-lt"/>
+                <a:ea typeface="+mn-ea"/>
+                <a:cs typeface="+mn-cs"/>
+              </a:defRPr>
+            </a:lvl4pPr>
+            <a:lvl5pPr marL="1828800" algn="l" rtl="0" fontAlgn="base">
+              <a:spcBef>
+                <a:spcPct val="0"/>
+              </a:spcBef>
+              <a:spcAft>
+                <a:spcPct val="0"/>
+              </a:spcAft>
+              <a:defRPr kern="1200">
+                <a:solidFill>
+                  <a:schemeClr val="lt1"/>
+                </a:solidFill>
+                <a:latin typeface="+mn-lt"/>
+                <a:ea typeface="+mn-ea"/>
+                <a:cs typeface="+mn-cs"/>
+              </a:defRPr>
+            </a:lvl5pPr>
+            <a:lvl6pPr marL="2286000" algn="l" defTabSz="914400" rtl="0" eaLnBrk="1" latinLnBrk="0" hangingPunct="1">
+              <a:defRPr kern="1200">
+                <a:solidFill>
+                  <a:schemeClr val="lt1"/>
+                </a:solidFill>
+                <a:latin typeface="+mn-lt"/>
+                <a:ea typeface="+mn-ea"/>
+                <a:cs typeface="+mn-cs"/>
+              </a:defRPr>
+            </a:lvl6pPr>
+            <a:lvl7pPr marL="2743200" algn="l" defTabSz="914400" rtl="0" eaLnBrk="1" latinLnBrk="0" hangingPunct="1">
+              <a:defRPr kern="1200">
+                <a:solidFill>
+                  <a:schemeClr val="lt1"/>
+                </a:solidFill>
+                <a:latin typeface="+mn-lt"/>
+                <a:ea typeface="+mn-ea"/>
+                <a:cs typeface="+mn-cs"/>
+              </a:defRPr>
+            </a:lvl7pPr>
+            <a:lvl8pPr marL="3200400" algn="l" defTabSz="914400" rtl="0" eaLnBrk="1" latinLnBrk="0" hangingPunct="1">
+              <a:defRPr kern="1200">
+                <a:solidFill>
+                  <a:schemeClr val="lt1"/>
+                </a:solidFill>
+                <a:latin typeface="+mn-lt"/>
+                <a:ea typeface="+mn-ea"/>
+                <a:cs typeface="+mn-cs"/>
+              </a:defRPr>
+            </a:lvl8pPr>
+            <a:lvl9pPr marL="3657600" algn="l" defTabSz="914400" rtl="0" eaLnBrk="1" latinLnBrk="0" hangingPunct="1">
+              <a:defRPr kern="1200">
+                <a:solidFill>
+                  <a:schemeClr val="lt1"/>
+                </a:solidFill>
+                <a:latin typeface="+mn-lt"/>
+                <a:ea typeface="+mn-ea"/>
+                <a:cs typeface="+mn-cs"/>
+              </a:defRPr>
+            </a:lvl9pPr>
+          </a:lstStyle>
+          <a:p>
+            <a:pPr algn="ctr"/>
+            <a:r>
+              <a:rPr lang="fr-FR" sz="1000" dirty="0" smtClean="0"/>
+              <a:t>201811091700:temp</a:t>
+            </a:r>
+            <a:endParaRPr lang="fr-FR" sz="1000" dirty="0"/>
+          </a:p>
+        </p:txBody>
+      </p:sp>
+      <p:sp>
+        <p:nvSpPr>
+          <p:cNvPr id="59" name="Rectangle 58"/>
+          <p:cNvSpPr/>
+          <p:nvPr/>
+        </p:nvSpPr>
+        <p:spPr>
+          <a:xfrm>
+            <a:off x="4598883" y="2707438"/>
+            <a:ext cx="1413277" cy="360040"/>
+          </a:xfrm>
+          <a:prstGeom prst="rect">
+            <a:avLst/>
+          </a:prstGeom>
+          <a:solidFill>
+            <a:srgbClr val="FFC000"/>
+          </a:solidFill>
+        </p:spPr>
+        <p:style>
+          <a:lnRef idx="2">
+            <a:schemeClr val="accent1">
+              <a:shade val="50000"/>
+            </a:schemeClr>
+          </a:lnRef>
+          <a:fillRef idx="1">
+            <a:schemeClr val="accent1"/>
+          </a:fillRef>
+          <a:effectRef idx="0">
+            <a:schemeClr val="accent1"/>
+          </a:effectRef>
+          <a:fontRef idx="minor">
+            <a:schemeClr val="lt1"/>
+          </a:fontRef>
+        </p:style>
+        <p:txBody>
+          <a:bodyPr rtlCol="0" anchor="ctr"/>
+          <a:lstStyle>
+            <a:defPPr>
+              <a:defRPr lang="nl-NL"/>
+            </a:defPPr>
+            <a:lvl1pPr algn="l" rtl="0" fontAlgn="base">
+              <a:spcBef>
+                <a:spcPct val="0"/>
+              </a:spcBef>
+              <a:spcAft>
+                <a:spcPct val="0"/>
+              </a:spcAft>
+              <a:defRPr kern="1200">
+                <a:solidFill>
+                  <a:schemeClr val="lt1"/>
+                </a:solidFill>
+                <a:latin typeface="+mn-lt"/>
+                <a:ea typeface="+mn-ea"/>
+                <a:cs typeface="+mn-cs"/>
+              </a:defRPr>
+            </a:lvl1pPr>
+            <a:lvl2pPr marL="457200" algn="l" rtl="0" fontAlgn="base">
+              <a:spcBef>
+                <a:spcPct val="0"/>
+              </a:spcBef>
+              <a:spcAft>
+                <a:spcPct val="0"/>
+              </a:spcAft>
+              <a:defRPr kern="1200">
+                <a:solidFill>
+                  <a:schemeClr val="lt1"/>
+                </a:solidFill>
+                <a:latin typeface="+mn-lt"/>
+                <a:ea typeface="+mn-ea"/>
+                <a:cs typeface="+mn-cs"/>
+              </a:defRPr>
+            </a:lvl2pPr>
+            <a:lvl3pPr marL="914400" algn="l" rtl="0" fontAlgn="base">
+              <a:spcBef>
+                <a:spcPct val="0"/>
+              </a:spcBef>
+              <a:spcAft>
+                <a:spcPct val="0"/>
+              </a:spcAft>
+              <a:defRPr kern="1200">
+                <a:solidFill>
+                  <a:schemeClr val="lt1"/>
+                </a:solidFill>
+                <a:latin typeface="+mn-lt"/>
+                <a:ea typeface="+mn-ea"/>
+                <a:cs typeface="+mn-cs"/>
+              </a:defRPr>
+            </a:lvl3pPr>
+            <a:lvl4pPr marL="1371600" algn="l" rtl="0" fontAlgn="base">
+              <a:spcBef>
+                <a:spcPct val="0"/>
+              </a:spcBef>
+              <a:spcAft>
+                <a:spcPct val="0"/>
+              </a:spcAft>
+              <a:defRPr kern="1200">
+                <a:solidFill>
+                  <a:schemeClr val="lt1"/>
+                </a:solidFill>
+                <a:latin typeface="+mn-lt"/>
+                <a:ea typeface="+mn-ea"/>
+                <a:cs typeface="+mn-cs"/>
+              </a:defRPr>
+            </a:lvl4pPr>
+            <a:lvl5pPr marL="1828800" algn="l" rtl="0" fontAlgn="base">
+              <a:spcBef>
+                <a:spcPct val="0"/>
+              </a:spcBef>
+              <a:spcAft>
+                <a:spcPct val="0"/>
+              </a:spcAft>
+              <a:defRPr kern="1200">
+                <a:solidFill>
+                  <a:schemeClr val="lt1"/>
+                </a:solidFill>
+                <a:latin typeface="+mn-lt"/>
+                <a:ea typeface="+mn-ea"/>
+                <a:cs typeface="+mn-cs"/>
+              </a:defRPr>
+            </a:lvl5pPr>
+            <a:lvl6pPr marL="2286000" algn="l" defTabSz="914400" rtl="0" eaLnBrk="1" latinLnBrk="0" hangingPunct="1">
+              <a:defRPr kern="1200">
+                <a:solidFill>
+                  <a:schemeClr val="lt1"/>
+                </a:solidFill>
+                <a:latin typeface="+mn-lt"/>
+                <a:ea typeface="+mn-ea"/>
+                <a:cs typeface="+mn-cs"/>
+              </a:defRPr>
+            </a:lvl6pPr>
+            <a:lvl7pPr marL="2743200" algn="l" defTabSz="914400" rtl="0" eaLnBrk="1" latinLnBrk="0" hangingPunct="1">
+              <a:defRPr kern="1200">
+                <a:solidFill>
+                  <a:schemeClr val="lt1"/>
+                </a:solidFill>
+                <a:latin typeface="+mn-lt"/>
+                <a:ea typeface="+mn-ea"/>
+                <a:cs typeface="+mn-cs"/>
+              </a:defRPr>
+            </a:lvl7pPr>
+            <a:lvl8pPr marL="3200400" algn="l" defTabSz="914400" rtl="0" eaLnBrk="1" latinLnBrk="0" hangingPunct="1">
+              <a:defRPr kern="1200">
+                <a:solidFill>
+                  <a:schemeClr val="lt1"/>
+                </a:solidFill>
+                <a:latin typeface="+mn-lt"/>
+                <a:ea typeface="+mn-ea"/>
+                <a:cs typeface="+mn-cs"/>
+              </a:defRPr>
+            </a:lvl8pPr>
+            <a:lvl9pPr marL="3657600" algn="l" defTabSz="914400" rtl="0" eaLnBrk="1" latinLnBrk="0" hangingPunct="1">
+              <a:defRPr kern="1200">
+                <a:solidFill>
+                  <a:schemeClr val="lt1"/>
+                </a:solidFill>
+                <a:latin typeface="+mn-lt"/>
+                <a:ea typeface="+mn-ea"/>
+                <a:cs typeface="+mn-cs"/>
+              </a:defRPr>
+            </a:lvl9pPr>
+          </a:lstStyle>
+          <a:p>
+            <a:pPr algn="ctr"/>
+            <a:r>
+              <a:rPr lang="fr-FR" sz="1000" smtClean="0"/>
+              <a:t>22,2</a:t>
+            </a:r>
+            <a:endParaRPr lang="fr-FR" sz="1000" dirty="0"/>
+          </a:p>
+        </p:txBody>
+      </p:sp>
+      <p:cxnSp>
+        <p:nvCxnSpPr>
+          <p:cNvPr id="60" name="Connecteur droit 59"/>
+          <p:cNvCxnSpPr>
+            <a:stCxn id="58" idx="2"/>
+            <a:endCxn id="59" idx="0"/>
+          </p:cNvCxnSpPr>
+          <p:nvPr/>
+        </p:nvCxnSpPr>
+        <p:spPr>
+          <a:xfrm>
+            <a:off x="5305522" y="2602390"/>
             <a:ext cx="0" cy="105048"/>
           </a:xfrm>
           <a:prstGeom prst="line">

--- a/img/src/rows.pptx
+++ b/img/src/rows.pptx
@@ -290,7 +290,7 @@
           <a:p>
             <a:fld id="{BB2ABD67-7658-4CB5-A3DE-E10C3E37DD68}" type="datetimeFigureOut">
               <a:rPr lang="fr-FR" smtClean="0"/>
-              <a:t>12/09/2018</a:t>
+              <a:t>17/09/2018</a:t>
             </a:fld>
             <a:endParaRPr lang="fr-FR"/>
           </a:p>
@@ -460,7 +460,7 @@
           <a:p>
             <a:fld id="{BB2ABD67-7658-4CB5-A3DE-E10C3E37DD68}" type="datetimeFigureOut">
               <a:rPr lang="fr-FR" smtClean="0"/>
-              <a:t>12/09/2018</a:t>
+              <a:t>17/09/2018</a:t>
             </a:fld>
             <a:endParaRPr lang="fr-FR"/>
           </a:p>
@@ -640,7 +640,7 @@
           <a:p>
             <a:fld id="{BB2ABD67-7658-4CB5-A3DE-E10C3E37DD68}" type="datetimeFigureOut">
               <a:rPr lang="fr-FR" smtClean="0"/>
-              <a:t>12/09/2018</a:t>
+              <a:t>17/09/2018</a:t>
             </a:fld>
             <a:endParaRPr lang="fr-FR"/>
           </a:p>
@@ -810,7 +810,7 @@
           <a:p>
             <a:fld id="{BB2ABD67-7658-4CB5-A3DE-E10C3E37DD68}" type="datetimeFigureOut">
               <a:rPr lang="fr-FR" smtClean="0"/>
-              <a:t>12/09/2018</a:t>
+              <a:t>17/09/2018</a:t>
             </a:fld>
             <a:endParaRPr lang="fr-FR"/>
           </a:p>
@@ -1056,7 +1056,7 @@
           <a:p>
             <a:fld id="{BB2ABD67-7658-4CB5-A3DE-E10C3E37DD68}" type="datetimeFigureOut">
               <a:rPr lang="fr-FR" smtClean="0"/>
-              <a:t>12/09/2018</a:t>
+              <a:t>17/09/2018</a:t>
             </a:fld>
             <a:endParaRPr lang="fr-FR"/>
           </a:p>
@@ -1344,7 +1344,7 @@
           <a:p>
             <a:fld id="{BB2ABD67-7658-4CB5-A3DE-E10C3E37DD68}" type="datetimeFigureOut">
               <a:rPr lang="fr-FR" smtClean="0"/>
-              <a:t>12/09/2018</a:t>
+              <a:t>17/09/2018</a:t>
             </a:fld>
             <a:endParaRPr lang="fr-FR"/>
           </a:p>
@@ -1766,7 +1766,7 @@
           <a:p>
             <a:fld id="{BB2ABD67-7658-4CB5-A3DE-E10C3E37DD68}" type="datetimeFigureOut">
               <a:rPr lang="fr-FR" smtClean="0"/>
-              <a:t>12/09/2018</a:t>
+              <a:t>17/09/2018</a:t>
             </a:fld>
             <a:endParaRPr lang="fr-FR"/>
           </a:p>
@@ -1884,7 +1884,7 @@
           <a:p>
             <a:fld id="{BB2ABD67-7658-4CB5-A3DE-E10C3E37DD68}" type="datetimeFigureOut">
               <a:rPr lang="fr-FR" smtClean="0"/>
-              <a:t>12/09/2018</a:t>
+              <a:t>17/09/2018</a:t>
             </a:fld>
             <a:endParaRPr lang="fr-FR"/>
           </a:p>
@@ -1979,7 +1979,7 @@
           <a:p>
             <a:fld id="{BB2ABD67-7658-4CB5-A3DE-E10C3E37DD68}" type="datetimeFigureOut">
               <a:rPr lang="fr-FR" smtClean="0"/>
-              <a:t>12/09/2018</a:t>
+              <a:t>17/09/2018</a:t>
             </a:fld>
             <a:endParaRPr lang="fr-FR"/>
           </a:p>
@@ -2256,7 +2256,7 @@
           <a:p>
             <a:fld id="{BB2ABD67-7658-4CB5-A3DE-E10C3E37DD68}" type="datetimeFigureOut">
               <a:rPr lang="fr-FR" smtClean="0"/>
-              <a:t>12/09/2018</a:t>
+              <a:t>17/09/2018</a:t>
             </a:fld>
             <a:endParaRPr lang="fr-FR"/>
           </a:p>
@@ -2509,7 +2509,7 @@
           <a:p>
             <a:fld id="{BB2ABD67-7658-4CB5-A3DE-E10C3E37DD68}" type="datetimeFigureOut">
               <a:rPr lang="fr-FR" smtClean="0"/>
-              <a:t>12/09/2018</a:t>
+              <a:t>17/09/2018</a:t>
             </a:fld>
             <a:endParaRPr lang="fr-FR"/>
           </a:p>
@@ -2722,7 +2722,7 @@
           <a:p>
             <a:fld id="{BB2ABD67-7658-4CB5-A3DE-E10C3E37DD68}" type="datetimeFigureOut">
               <a:rPr lang="fr-FR" smtClean="0"/>
-              <a:t>12/09/2018</a:t>
+              <a:t>17/09/2018</a:t>
             </a:fld>
             <a:endParaRPr lang="fr-FR"/>
           </a:p>
@@ -8184,8 +8184,8 @@
           <a:p>
             <a:pPr algn="ctr"/>
             <a:r>
-              <a:rPr lang="fr-FR" sz="1000" dirty="0" smtClean="0"/>
-              <a:t>201811091600:pressure</a:t>
+              <a:rPr lang="fr-FR" sz="1000" dirty="0"/>
+              <a:t>201809111600:pressure</a:t>
             </a:r>
             <a:endParaRPr lang="fr-FR" sz="1000" dirty="0"/>
           </a:p>
@@ -8566,7 +8566,7 @@
             <a:pPr algn="ctr"/>
             <a:r>
               <a:rPr lang="fr-FR" sz="1000" dirty="0" smtClean="0"/>
-              <a:t>201811091600:temp</a:t>
+              <a:t>201809111600:temp</a:t>
             </a:r>
             <a:endParaRPr lang="fr-FR" sz="1000" dirty="0"/>
           </a:p>
@@ -10393,8 +10393,8 @@
           <a:p>
             <a:pPr algn="ctr"/>
             <a:r>
-              <a:rPr lang="fr-FR" sz="1000" dirty="0" smtClean="0"/>
-              <a:t>201811091700:pressure</a:t>
+              <a:rPr lang="fr-FR" sz="1000" dirty="0"/>
+              <a:t>201809111700:pressure</a:t>
             </a:r>
             <a:endParaRPr lang="fr-FR" sz="1000" dirty="0"/>
           </a:p>
@@ -10774,8 +10774,8 @@
           <a:p>
             <a:pPr algn="ctr"/>
             <a:r>
-              <a:rPr lang="fr-FR" sz="1000" dirty="0" smtClean="0"/>
-              <a:t>201811091700:temp</a:t>
+              <a:rPr lang="fr-FR" sz="1000" dirty="0"/>
+              <a:t>201809111700:temp</a:t>
             </a:r>
             <a:endParaRPr lang="fr-FR" sz="1000" dirty="0"/>
           </a:p>
